--- a/presentation.pptx
+++ b/presentation.pptx
@@ -246,7 +246,7 @@
           <a:p>
             <a:fld id="{451DF296-FCDB-4DF5-B624-45A8ADF1A231}" type="datetimeFigureOut">
               <a:rPr lang="ko-KR" altLang="en-US" smtClean="0"/>
-              <a:t>2021-12-30</a:t>
+              <a:t>2022-01-03</a:t>
             </a:fld>
             <a:endParaRPr lang="ko-KR" altLang="en-US"/>
           </a:p>
@@ -1082,7 +1082,7 @@
           <a:p>
             <a:fld id="{C7351A05-FE79-4763-A84F-D4FE701A9E82}" type="datetimeFigureOut">
               <a:rPr lang="ko-KR" altLang="en-US" smtClean="0"/>
-              <a:t>2021-12-30</a:t>
+              <a:t>2022-01-03</a:t>
             </a:fld>
             <a:endParaRPr lang="ko-KR" altLang="en-US"/>
           </a:p>
@@ -1250,7 +1250,7 @@
           <a:p>
             <a:fld id="{C7351A05-FE79-4763-A84F-D4FE701A9E82}" type="datetimeFigureOut">
               <a:rPr lang="ko-KR" altLang="en-US" smtClean="0"/>
-              <a:t>2021-12-30</a:t>
+              <a:t>2022-01-03</a:t>
             </a:fld>
             <a:endParaRPr lang="ko-KR" altLang="en-US"/>
           </a:p>
@@ -1428,7 +1428,7 @@
           <a:p>
             <a:fld id="{C7351A05-FE79-4763-A84F-D4FE701A9E82}" type="datetimeFigureOut">
               <a:rPr lang="ko-KR" altLang="en-US" smtClean="0"/>
-              <a:t>2021-12-30</a:t>
+              <a:t>2022-01-03</a:t>
             </a:fld>
             <a:endParaRPr lang="ko-KR" altLang="en-US"/>
           </a:p>
@@ -1596,7 +1596,7 @@
           <a:p>
             <a:fld id="{C7351A05-FE79-4763-A84F-D4FE701A9E82}" type="datetimeFigureOut">
               <a:rPr lang="ko-KR" altLang="en-US" smtClean="0"/>
-              <a:t>2021-12-30</a:t>
+              <a:t>2022-01-03</a:t>
             </a:fld>
             <a:endParaRPr lang="ko-KR" altLang="en-US"/>
           </a:p>
@@ -1841,7 +1841,7 @@
           <a:p>
             <a:fld id="{C7351A05-FE79-4763-A84F-D4FE701A9E82}" type="datetimeFigureOut">
               <a:rPr lang="ko-KR" altLang="en-US" smtClean="0"/>
-              <a:t>2021-12-30</a:t>
+              <a:t>2022-01-03</a:t>
             </a:fld>
             <a:endParaRPr lang="ko-KR" altLang="en-US"/>
           </a:p>
@@ -2070,7 +2070,7 @@
           <a:p>
             <a:fld id="{C7351A05-FE79-4763-A84F-D4FE701A9E82}" type="datetimeFigureOut">
               <a:rPr lang="ko-KR" altLang="en-US" smtClean="0"/>
-              <a:t>2021-12-30</a:t>
+              <a:t>2022-01-03</a:t>
             </a:fld>
             <a:endParaRPr lang="ko-KR" altLang="en-US"/>
           </a:p>
@@ -2434,7 +2434,7 @@
           <a:p>
             <a:fld id="{C7351A05-FE79-4763-A84F-D4FE701A9E82}" type="datetimeFigureOut">
               <a:rPr lang="ko-KR" altLang="en-US" smtClean="0"/>
-              <a:t>2021-12-30</a:t>
+              <a:t>2022-01-03</a:t>
             </a:fld>
             <a:endParaRPr lang="ko-KR" altLang="en-US"/>
           </a:p>
@@ -2551,7 +2551,7 @@
           <a:p>
             <a:fld id="{C7351A05-FE79-4763-A84F-D4FE701A9E82}" type="datetimeFigureOut">
               <a:rPr lang="ko-KR" altLang="en-US" smtClean="0"/>
-              <a:t>2021-12-30</a:t>
+              <a:t>2022-01-03</a:t>
             </a:fld>
             <a:endParaRPr lang="ko-KR" altLang="en-US"/>
           </a:p>
@@ -2646,7 +2646,7 @@
           <a:p>
             <a:fld id="{C7351A05-FE79-4763-A84F-D4FE701A9E82}" type="datetimeFigureOut">
               <a:rPr lang="ko-KR" altLang="en-US" smtClean="0"/>
-              <a:t>2021-12-30</a:t>
+              <a:t>2022-01-03</a:t>
             </a:fld>
             <a:endParaRPr lang="ko-KR" altLang="en-US"/>
           </a:p>
@@ -2921,7 +2921,7 @@
           <a:p>
             <a:fld id="{C7351A05-FE79-4763-A84F-D4FE701A9E82}" type="datetimeFigureOut">
               <a:rPr lang="ko-KR" altLang="en-US" smtClean="0"/>
-              <a:t>2021-12-30</a:t>
+              <a:t>2022-01-03</a:t>
             </a:fld>
             <a:endParaRPr lang="ko-KR" altLang="en-US"/>
           </a:p>
@@ -3173,7 +3173,7 @@
           <a:p>
             <a:fld id="{C7351A05-FE79-4763-A84F-D4FE701A9E82}" type="datetimeFigureOut">
               <a:rPr lang="ko-KR" altLang="en-US" smtClean="0"/>
-              <a:t>2021-12-30</a:t>
+              <a:t>2022-01-03</a:t>
             </a:fld>
             <a:endParaRPr lang="ko-KR" altLang="en-US"/>
           </a:p>
@@ -3384,7 +3384,7 @@
           <a:p>
             <a:fld id="{C7351A05-FE79-4763-A84F-D4FE701A9E82}" type="datetimeFigureOut">
               <a:rPr lang="ko-KR" altLang="en-US" smtClean="0"/>
-              <a:t>2021-12-30</a:t>
+              <a:t>2022-01-03</a:t>
             </a:fld>
             <a:endParaRPr lang="ko-KR" altLang="en-US"/>
           </a:p>
@@ -6524,7 +6524,7 @@
                 <a:latin typeface="나눔스퀘어 ExtraBold" panose="020B0600000101010101" pitchFamily="50" charset="-127"/>
                 <a:ea typeface="나눔스퀘어 ExtraBold" panose="020B0600000101010101" pitchFamily="50" charset="-127"/>
               </a:rPr>
-              <a:t>고객사는 네트워크 분석 분야에 대해서 산업군의 트렌드와 숨겨진 잠재 시장을 탐색하고자 함</a:t>
+              <a:t>고객사는 네트워크 분석을 통해 산업군의 트렌드와 숨겨진 잠재 시장을 탐색하고자 함</a:t>
             </a:r>
             <a:endParaRPr lang="en-US" altLang="ko-KR" dirty="0">
               <a:latin typeface="나눔스퀘어 ExtraBold" panose="020B0600000101010101" pitchFamily="50" charset="-127"/>
@@ -8048,7 +8048,7 @@
         <p:spPr>
           <a:xfrm>
             <a:off x="1673454" y="5153132"/>
-            <a:ext cx="1546259" cy="954107"/>
+            <a:ext cx="1546259" cy="523220"/>
           </a:xfrm>
           <a:prstGeom prst="rect">
             <a:avLst/>
@@ -8066,7 +8066,7 @@
                 <a:latin typeface="나눔스퀘어 Bold" panose="020B0600000101010101" pitchFamily="50" charset="-127"/>
                 <a:ea typeface="나눔스퀘어 Bold" panose="020B0600000101010101" pitchFamily="50" charset="-127"/>
               </a:rPr>
-              <a:t>분석 업체 및 경쟁사들의 주요 기술 및 제품들을 기반으로 검색어 추출</a:t>
+              <a:t>제품의 소재 기반으로 검색어 추출</a:t>
             </a:r>
             <a:r>
               <a:rPr lang="en-US" altLang="ko-KR" sz="1400" spc="-150" dirty="0">

--- a/presentation.pptx
+++ b/presentation.pptx
@@ -5,7 +5,7 @@
     <p:sldMasterId id="2147483648" r:id="rId1"/>
   </p:sldMasterIdLst>
   <p:notesMasterIdLst>
-    <p:notesMasterId r:id="rId13"/>
+    <p:notesMasterId r:id="rId19"/>
   </p:notesMasterIdLst>
   <p:sldIdLst>
     <p:sldId id="486" r:id="rId2"/>
@@ -15,39 +15,45 @@
     <p:sldId id="592" r:id="rId6"/>
     <p:sldId id="563" r:id="rId7"/>
     <p:sldId id="585" r:id="rId8"/>
-    <p:sldId id="593" r:id="rId9"/>
-    <p:sldId id="594" r:id="rId10"/>
-    <p:sldId id="565" r:id="rId11"/>
-    <p:sldId id="584" r:id="rId12"/>
+    <p:sldId id="600" r:id="rId9"/>
+    <p:sldId id="593" r:id="rId10"/>
+    <p:sldId id="594" r:id="rId11"/>
+    <p:sldId id="595" r:id="rId12"/>
+    <p:sldId id="596" r:id="rId13"/>
+    <p:sldId id="597" r:id="rId14"/>
+    <p:sldId id="598" r:id="rId15"/>
+    <p:sldId id="565" r:id="rId16"/>
+    <p:sldId id="599" r:id="rId17"/>
+    <p:sldId id="601" r:id="rId18"/>
   </p:sldIdLst>
   <p:sldSz cx="12192000" cy="6858000"/>
   <p:notesSz cx="6858000" cy="9144000"/>
   <p:embeddedFontLst>
     <p:embeddedFont>
       <p:font typeface="나눔명조" panose="020B0600000101010101" charset="-127"/>
-      <p:regular r:id="rId14"/>
-      <p:bold r:id="rId15"/>
+      <p:regular r:id="rId20"/>
+      <p:bold r:id="rId21"/>
     </p:embeddedFont>
     <p:embeddedFont>
       <p:font typeface="나눔스퀘어" panose="020B0600000101010101" pitchFamily="50" charset="-127"/>
-      <p:regular r:id="rId16"/>
+      <p:regular r:id="rId22"/>
     </p:embeddedFont>
     <p:embeddedFont>
       <p:font typeface="나눔스퀘어 Bold" panose="020B0600000101010101" pitchFamily="50" charset="-127"/>
-      <p:bold r:id="rId17"/>
+      <p:bold r:id="rId23"/>
     </p:embeddedFont>
     <p:embeddedFont>
       <p:font typeface="나눔스퀘어 ExtraBold" panose="020B0600000101010101" pitchFamily="50" charset="-127"/>
-      <p:bold r:id="rId18"/>
+      <p:bold r:id="rId24"/>
     </p:embeddedFont>
     <p:embeddedFont>
       <p:font typeface="나눔스퀘어_ac ExtraBold" panose="020B0600000101010101" pitchFamily="50" charset="-127"/>
-      <p:bold r:id="rId19"/>
+      <p:bold r:id="rId25"/>
     </p:embeddedFont>
     <p:embeddedFont>
       <p:font typeface="맑은 고딕" panose="020B0503020000020004" pitchFamily="50" charset="-127"/>
-      <p:regular r:id="rId20"/>
-      <p:bold r:id="rId21"/>
+      <p:regular r:id="rId26"/>
+      <p:bold r:id="rId27"/>
     </p:embeddedFont>
   </p:embeddedFontLst>
   <p:defaultTextStyle>
@@ -246,7 +252,7 @@
           <a:p>
             <a:fld id="{451DF296-FCDB-4DF5-B624-45A8ADF1A231}" type="datetimeFigureOut">
               <a:rPr lang="ko-KR" altLang="en-US" smtClean="0"/>
-              <a:t>2022-01-03</a:t>
+              <a:t>2022-01-06</a:t>
             </a:fld>
             <a:endParaRPr lang="ko-KR" altLang="en-US"/>
           </a:p>
@@ -846,7 +852,7 @@
           <a:p>
             <a:fld id="{973B0669-1EF7-415B-98DC-3D3E2F9A30AB}" type="slidenum">
               <a:rPr lang="ko-KR" altLang="en-US" smtClean="0"/>
-              <a:t>8</a:t>
+              <a:t>9</a:t>
             </a:fld>
             <a:endParaRPr lang="ko-KR" altLang="en-US"/>
           </a:p>
@@ -934,7 +940,7 @@
           <a:p>
             <a:fld id="{973B0669-1EF7-415B-98DC-3D3E2F9A30AB}" type="slidenum">
               <a:rPr lang="ko-KR" altLang="en-US" smtClean="0"/>
-              <a:t>9</a:t>
+              <a:t>10</a:t>
             </a:fld>
             <a:endParaRPr lang="ko-KR" altLang="en-US"/>
           </a:p>
@@ -944,6 +950,270 @@
     <p:extLst>
       <p:ext uri="{BB962C8B-B14F-4D97-AF65-F5344CB8AC3E}">
         <p14:creationId xmlns:p14="http://schemas.microsoft.com/office/powerpoint/2010/main" val="2000439962"/>
+      </p:ext>
+    </p:extLst>
+  </p:cSld>
+  <p:clrMapOvr>
+    <a:masterClrMapping/>
+  </p:clrMapOvr>
+</p:notes>
+</file>
+
+<file path=ppt/notesSlides/notesSlide6.xml><?xml version="1.0" encoding="utf-8"?>
+<p:notes xmlns:a="http://schemas.openxmlformats.org/drawingml/2006/main" xmlns:r="http://schemas.openxmlformats.org/officeDocument/2006/relationships" xmlns:p="http://schemas.openxmlformats.org/presentationml/2006/main">
+  <p:cSld>
+    <p:spTree>
+      <p:nvGrpSpPr>
+        <p:cNvPr id="1" name=""/>
+        <p:cNvGrpSpPr/>
+        <p:nvPr/>
+      </p:nvGrpSpPr>
+      <p:grpSpPr>
+        <a:xfrm>
+          <a:off x="0" y="0"/>
+          <a:ext cx="0" cy="0"/>
+          <a:chOff x="0" y="0"/>
+          <a:chExt cx="0" cy="0"/>
+        </a:xfrm>
+      </p:grpSpPr>
+      <p:sp>
+        <p:nvSpPr>
+          <p:cNvPr id="2" name="슬라이드 이미지 개체 틀 1"/>
+          <p:cNvSpPr>
+            <a:spLocks noGrp="1" noRot="1" noChangeAspect="1"/>
+          </p:cNvSpPr>
+          <p:nvPr>
+            <p:ph type="sldImg"/>
+          </p:nvPr>
+        </p:nvSpPr>
+        <p:spPr/>
+      </p:sp>
+      <p:sp>
+        <p:nvSpPr>
+          <p:cNvPr id="3" name="슬라이드 노트 개체 틀 2"/>
+          <p:cNvSpPr>
+            <a:spLocks noGrp="1"/>
+          </p:cNvSpPr>
+          <p:nvPr>
+            <p:ph type="body" idx="1"/>
+          </p:nvPr>
+        </p:nvSpPr>
+        <p:spPr/>
+        <p:txBody>
+          <a:bodyPr/>
+          <a:lstStyle/>
+          <a:p>
+            <a:r>
+              <a:rPr lang="en-US" altLang="ko-KR" dirty="0"/>
+              <a:t>https://hoya012.github.io/blog/anomaly-detection-overview-1/</a:t>
+            </a:r>
+            <a:endParaRPr lang="ko-KR" altLang="en-US" dirty="0"/>
+          </a:p>
+        </p:txBody>
+      </p:sp>
+      <p:sp>
+        <p:nvSpPr>
+          <p:cNvPr id="4" name="슬라이드 번호 개체 틀 3"/>
+          <p:cNvSpPr>
+            <a:spLocks noGrp="1"/>
+          </p:cNvSpPr>
+          <p:nvPr>
+            <p:ph type="sldNum" sz="quarter" idx="5"/>
+          </p:nvPr>
+        </p:nvSpPr>
+        <p:spPr/>
+        <p:txBody>
+          <a:bodyPr/>
+          <a:lstStyle/>
+          <a:p>
+            <a:fld id="{973B0669-1EF7-415B-98DC-3D3E2F9A30AB}" type="slidenum">
+              <a:rPr lang="ko-KR" altLang="en-US" smtClean="0"/>
+              <a:t>12</a:t>
+            </a:fld>
+            <a:endParaRPr lang="ko-KR" altLang="en-US"/>
+          </a:p>
+        </p:txBody>
+      </p:sp>
+    </p:spTree>
+    <p:extLst>
+      <p:ext uri="{BB962C8B-B14F-4D97-AF65-F5344CB8AC3E}">
+        <p14:creationId xmlns:p14="http://schemas.microsoft.com/office/powerpoint/2010/main" val="1519370381"/>
+      </p:ext>
+    </p:extLst>
+  </p:cSld>
+  <p:clrMapOvr>
+    <a:masterClrMapping/>
+  </p:clrMapOvr>
+</p:notes>
+</file>
+
+<file path=ppt/notesSlides/notesSlide7.xml><?xml version="1.0" encoding="utf-8"?>
+<p:notes xmlns:a="http://schemas.openxmlformats.org/drawingml/2006/main" xmlns:r="http://schemas.openxmlformats.org/officeDocument/2006/relationships" xmlns:p="http://schemas.openxmlformats.org/presentationml/2006/main">
+  <p:cSld>
+    <p:spTree>
+      <p:nvGrpSpPr>
+        <p:cNvPr id="1" name=""/>
+        <p:cNvGrpSpPr/>
+        <p:nvPr/>
+      </p:nvGrpSpPr>
+      <p:grpSpPr>
+        <a:xfrm>
+          <a:off x="0" y="0"/>
+          <a:ext cx="0" cy="0"/>
+          <a:chOff x="0" y="0"/>
+          <a:chExt cx="0" cy="0"/>
+        </a:xfrm>
+      </p:grpSpPr>
+      <p:sp>
+        <p:nvSpPr>
+          <p:cNvPr id="2" name="슬라이드 이미지 개체 틀 1"/>
+          <p:cNvSpPr>
+            <a:spLocks noGrp="1" noRot="1" noChangeAspect="1"/>
+          </p:cNvSpPr>
+          <p:nvPr>
+            <p:ph type="sldImg"/>
+          </p:nvPr>
+        </p:nvSpPr>
+        <p:spPr/>
+      </p:sp>
+      <p:sp>
+        <p:nvSpPr>
+          <p:cNvPr id="3" name="슬라이드 노트 개체 틀 2"/>
+          <p:cNvSpPr>
+            <a:spLocks noGrp="1"/>
+          </p:cNvSpPr>
+          <p:nvPr>
+            <p:ph type="body" idx="1"/>
+          </p:nvPr>
+        </p:nvSpPr>
+        <p:spPr/>
+        <p:txBody>
+          <a:bodyPr/>
+          <a:lstStyle/>
+          <a:p>
+            <a:r>
+              <a:rPr lang="en-US" altLang="ko-KR" dirty="0"/>
+              <a:t>https://hoya012.github.io/blog/anomaly-detection-overview-1/</a:t>
+            </a:r>
+            <a:endParaRPr lang="ko-KR" altLang="en-US" dirty="0"/>
+          </a:p>
+        </p:txBody>
+      </p:sp>
+      <p:sp>
+        <p:nvSpPr>
+          <p:cNvPr id="4" name="슬라이드 번호 개체 틀 3"/>
+          <p:cNvSpPr>
+            <a:spLocks noGrp="1"/>
+          </p:cNvSpPr>
+          <p:nvPr>
+            <p:ph type="sldNum" sz="quarter" idx="5"/>
+          </p:nvPr>
+        </p:nvSpPr>
+        <p:spPr/>
+        <p:txBody>
+          <a:bodyPr/>
+          <a:lstStyle/>
+          <a:p>
+            <a:fld id="{973B0669-1EF7-415B-98DC-3D3E2F9A30AB}" type="slidenum">
+              <a:rPr lang="ko-KR" altLang="en-US" smtClean="0"/>
+              <a:t>13</a:t>
+            </a:fld>
+            <a:endParaRPr lang="ko-KR" altLang="en-US"/>
+          </a:p>
+        </p:txBody>
+      </p:sp>
+    </p:spTree>
+    <p:extLst>
+      <p:ext uri="{BB962C8B-B14F-4D97-AF65-F5344CB8AC3E}">
+        <p14:creationId xmlns:p14="http://schemas.microsoft.com/office/powerpoint/2010/main" val="27812845"/>
+      </p:ext>
+    </p:extLst>
+  </p:cSld>
+  <p:clrMapOvr>
+    <a:masterClrMapping/>
+  </p:clrMapOvr>
+</p:notes>
+</file>
+
+<file path=ppt/notesSlides/notesSlide8.xml><?xml version="1.0" encoding="utf-8"?>
+<p:notes xmlns:a="http://schemas.openxmlformats.org/drawingml/2006/main" xmlns:r="http://schemas.openxmlformats.org/officeDocument/2006/relationships" xmlns:p="http://schemas.openxmlformats.org/presentationml/2006/main">
+  <p:cSld>
+    <p:spTree>
+      <p:nvGrpSpPr>
+        <p:cNvPr id="1" name=""/>
+        <p:cNvGrpSpPr/>
+        <p:nvPr/>
+      </p:nvGrpSpPr>
+      <p:grpSpPr>
+        <a:xfrm>
+          <a:off x="0" y="0"/>
+          <a:ext cx="0" cy="0"/>
+          <a:chOff x="0" y="0"/>
+          <a:chExt cx="0" cy="0"/>
+        </a:xfrm>
+      </p:grpSpPr>
+      <p:sp>
+        <p:nvSpPr>
+          <p:cNvPr id="2" name="슬라이드 이미지 개체 틀 1"/>
+          <p:cNvSpPr>
+            <a:spLocks noGrp="1" noRot="1" noChangeAspect="1"/>
+          </p:cNvSpPr>
+          <p:nvPr>
+            <p:ph type="sldImg"/>
+          </p:nvPr>
+        </p:nvSpPr>
+        <p:spPr/>
+      </p:sp>
+      <p:sp>
+        <p:nvSpPr>
+          <p:cNvPr id="3" name="슬라이드 노트 개체 틀 2"/>
+          <p:cNvSpPr>
+            <a:spLocks noGrp="1"/>
+          </p:cNvSpPr>
+          <p:nvPr>
+            <p:ph type="body" idx="1"/>
+          </p:nvPr>
+        </p:nvSpPr>
+        <p:spPr/>
+        <p:txBody>
+          <a:bodyPr/>
+          <a:lstStyle/>
+          <a:p>
+            <a:r>
+              <a:rPr lang="en-US" altLang="ko-KR" dirty="0"/>
+              <a:t>https://hoya012.github.io/blog/anomaly-detection-overview-1/</a:t>
+            </a:r>
+            <a:endParaRPr lang="ko-KR" altLang="en-US" dirty="0"/>
+          </a:p>
+        </p:txBody>
+      </p:sp>
+      <p:sp>
+        <p:nvSpPr>
+          <p:cNvPr id="4" name="슬라이드 번호 개체 틀 3"/>
+          <p:cNvSpPr>
+            <a:spLocks noGrp="1"/>
+          </p:cNvSpPr>
+          <p:nvPr>
+            <p:ph type="sldNum" sz="quarter" idx="5"/>
+          </p:nvPr>
+        </p:nvSpPr>
+        <p:spPr/>
+        <p:txBody>
+          <a:bodyPr/>
+          <a:lstStyle/>
+          <a:p>
+            <a:fld id="{973B0669-1EF7-415B-98DC-3D3E2F9A30AB}" type="slidenum">
+              <a:rPr lang="ko-KR" altLang="en-US" smtClean="0"/>
+              <a:t>14</a:t>
+            </a:fld>
+            <a:endParaRPr lang="ko-KR" altLang="en-US"/>
+          </a:p>
+        </p:txBody>
+      </p:sp>
+    </p:spTree>
+    <p:extLst>
+      <p:ext uri="{BB962C8B-B14F-4D97-AF65-F5344CB8AC3E}">
+        <p14:creationId xmlns:p14="http://schemas.microsoft.com/office/powerpoint/2010/main" val="2932809766"/>
       </p:ext>
     </p:extLst>
   </p:cSld>
@@ -1082,7 +1352,7 @@
           <a:p>
             <a:fld id="{C7351A05-FE79-4763-A84F-D4FE701A9E82}" type="datetimeFigureOut">
               <a:rPr lang="ko-KR" altLang="en-US" smtClean="0"/>
-              <a:t>2022-01-03</a:t>
+              <a:t>2022-01-06</a:t>
             </a:fld>
             <a:endParaRPr lang="ko-KR" altLang="en-US"/>
           </a:p>
@@ -1250,7 +1520,7 @@
           <a:p>
             <a:fld id="{C7351A05-FE79-4763-A84F-D4FE701A9E82}" type="datetimeFigureOut">
               <a:rPr lang="ko-KR" altLang="en-US" smtClean="0"/>
-              <a:t>2022-01-03</a:t>
+              <a:t>2022-01-06</a:t>
             </a:fld>
             <a:endParaRPr lang="ko-KR" altLang="en-US"/>
           </a:p>
@@ -1428,7 +1698,7 @@
           <a:p>
             <a:fld id="{C7351A05-FE79-4763-A84F-D4FE701A9E82}" type="datetimeFigureOut">
               <a:rPr lang="ko-KR" altLang="en-US" smtClean="0"/>
-              <a:t>2022-01-03</a:t>
+              <a:t>2022-01-06</a:t>
             </a:fld>
             <a:endParaRPr lang="ko-KR" altLang="en-US"/>
           </a:p>
@@ -1596,7 +1866,7 @@
           <a:p>
             <a:fld id="{C7351A05-FE79-4763-A84F-D4FE701A9E82}" type="datetimeFigureOut">
               <a:rPr lang="ko-KR" altLang="en-US" smtClean="0"/>
-              <a:t>2022-01-03</a:t>
+              <a:t>2022-01-06</a:t>
             </a:fld>
             <a:endParaRPr lang="ko-KR" altLang="en-US"/>
           </a:p>
@@ -1841,7 +2111,7 @@
           <a:p>
             <a:fld id="{C7351A05-FE79-4763-A84F-D4FE701A9E82}" type="datetimeFigureOut">
               <a:rPr lang="ko-KR" altLang="en-US" smtClean="0"/>
-              <a:t>2022-01-03</a:t>
+              <a:t>2022-01-06</a:t>
             </a:fld>
             <a:endParaRPr lang="ko-KR" altLang="en-US"/>
           </a:p>
@@ -2070,7 +2340,7 @@
           <a:p>
             <a:fld id="{C7351A05-FE79-4763-A84F-D4FE701A9E82}" type="datetimeFigureOut">
               <a:rPr lang="ko-KR" altLang="en-US" smtClean="0"/>
-              <a:t>2022-01-03</a:t>
+              <a:t>2022-01-06</a:t>
             </a:fld>
             <a:endParaRPr lang="ko-KR" altLang="en-US"/>
           </a:p>
@@ -2434,7 +2704,7 @@
           <a:p>
             <a:fld id="{C7351A05-FE79-4763-A84F-D4FE701A9E82}" type="datetimeFigureOut">
               <a:rPr lang="ko-KR" altLang="en-US" smtClean="0"/>
-              <a:t>2022-01-03</a:t>
+              <a:t>2022-01-06</a:t>
             </a:fld>
             <a:endParaRPr lang="ko-KR" altLang="en-US"/>
           </a:p>
@@ -2551,7 +2821,7 @@
           <a:p>
             <a:fld id="{C7351A05-FE79-4763-A84F-D4FE701A9E82}" type="datetimeFigureOut">
               <a:rPr lang="ko-KR" altLang="en-US" smtClean="0"/>
-              <a:t>2022-01-03</a:t>
+              <a:t>2022-01-06</a:t>
             </a:fld>
             <a:endParaRPr lang="ko-KR" altLang="en-US"/>
           </a:p>
@@ -2646,7 +2916,7 @@
           <a:p>
             <a:fld id="{C7351A05-FE79-4763-A84F-D4FE701A9E82}" type="datetimeFigureOut">
               <a:rPr lang="ko-KR" altLang="en-US" smtClean="0"/>
-              <a:t>2022-01-03</a:t>
+              <a:t>2022-01-06</a:t>
             </a:fld>
             <a:endParaRPr lang="ko-KR" altLang="en-US"/>
           </a:p>
@@ -2921,7 +3191,7 @@
           <a:p>
             <a:fld id="{C7351A05-FE79-4763-A84F-D4FE701A9E82}" type="datetimeFigureOut">
               <a:rPr lang="ko-KR" altLang="en-US" smtClean="0"/>
-              <a:t>2022-01-03</a:t>
+              <a:t>2022-01-06</a:t>
             </a:fld>
             <a:endParaRPr lang="ko-KR" altLang="en-US"/>
           </a:p>
@@ -3173,7 +3443,7 @@
           <a:p>
             <a:fld id="{C7351A05-FE79-4763-A84F-D4FE701A9E82}" type="datetimeFigureOut">
               <a:rPr lang="ko-KR" altLang="en-US" smtClean="0"/>
-              <a:t>2022-01-03</a:t>
+              <a:t>2022-01-06</a:t>
             </a:fld>
             <a:endParaRPr lang="ko-KR" altLang="en-US"/>
           </a:p>
@@ -3384,7 +3654,7 @@
           <a:p>
             <a:fld id="{C7351A05-FE79-4763-A84F-D4FE701A9E82}" type="datetimeFigureOut">
               <a:rPr lang="ko-KR" altLang="en-US" smtClean="0"/>
-              <a:t>2022-01-03</a:t>
+              <a:t>2022-01-06</a:t>
             </a:fld>
             <a:endParaRPr lang="ko-KR" altLang="en-US"/>
           </a:p>
@@ -4070,27 +4340,7 @@
                 <a:latin typeface="나눔스퀘어 ExtraBold" panose="020B0600000101010101" pitchFamily="50" charset="-127"/>
                 <a:ea typeface="나눔스퀘어 ExtraBold" panose="020B0600000101010101" pitchFamily="50" charset="-127"/>
               </a:rPr>
-              <a:t>숙명여대 </a:t>
-            </a:r>
-            <a:r>
-              <a:rPr lang="en-US" altLang="ko-KR" b="1" dirty="0">
-                <a:solidFill>
-                  <a:schemeClr val="bg2"/>
-                </a:solidFill>
-                <a:latin typeface="나눔스퀘어 ExtraBold" panose="020B0600000101010101" pitchFamily="50" charset="-127"/>
-                <a:ea typeface="나눔스퀘어 ExtraBold" panose="020B0600000101010101" pitchFamily="50" charset="-127"/>
-              </a:rPr>
-              <a:t>OO</a:t>
-            </a:r>
-            <a:r>
-              <a:rPr lang="ko-KR" altLang="en-US" b="1" dirty="0">
-                <a:solidFill>
-                  <a:schemeClr val="bg2"/>
-                </a:solidFill>
-                <a:latin typeface="나눔스퀘어 ExtraBold" panose="020B0600000101010101" pitchFamily="50" charset="-127"/>
-                <a:ea typeface="나눔스퀘어 ExtraBold" panose="020B0600000101010101" pitchFamily="50" charset="-127"/>
-              </a:rPr>
-              <a:t>학과</a:t>
+              <a:t>숙명여대 경영학과</a:t>
             </a:r>
             <a:endParaRPr lang="en-US" altLang="ko-KR" b="1" dirty="0">
               <a:solidFill>
@@ -4182,14 +4432,128 @@
       </p:grpSpPr>
       <p:sp>
         <p:nvSpPr>
-          <p:cNvPr id="10" name="TextBox 9"/>
+          <p:cNvPr id="6" name="직사각형 5">
+            <a:extLst>
+              <a:ext uri="{FF2B5EF4-FFF2-40B4-BE49-F238E27FC236}">
+                <a16:creationId xmlns:a16="http://schemas.microsoft.com/office/drawing/2014/main" id="{BDC502AC-7AC2-47BC-847A-9F104A28D9E0}"/>
+              </a:ext>
+            </a:extLst>
+          </p:cNvPr>
+          <p:cNvSpPr/>
+          <p:nvPr/>
+        </p:nvSpPr>
+        <p:spPr>
+          <a:xfrm>
+            <a:off x="882220" y="215073"/>
+            <a:ext cx="10980000" cy="52421"/>
+          </a:xfrm>
+          <a:prstGeom prst="rect">
+            <a:avLst/>
+          </a:prstGeom>
+          <a:solidFill>
+            <a:schemeClr val="accent5">
+              <a:lumMod val="75000"/>
+            </a:schemeClr>
+          </a:solidFill>
+          <a:ln>
+            <a:noFill/>
+          </a:ln>
+        </p:spPr>
+        <p:style>
+          <a:lnRef idx="2">
+            <a:schemeClr val="accent1">
+              <a:shade val="50000"/>
+            </a:schemeClr>
+          </a:lnRef>
+          <a:fillRef idx="1">
+            <a:schemeClr val="accent1"/>
+          </a:fillRef>
+          <a:effectRef idx="0">
+            <a:schemeClr val="accent1"/>
+          </a:effectRef>
+          <a:fontRef idx="minor">
+            <a:schemeClr val="lt1"/>
+          </a:fontRef>
+        </p:style>
+        <p:txBody>
+          <a:bodyPr rtlCol="0" anchor="ctr"/>
+          <a:lstStyle/>
+          <a:p>
+            <a:pPr algn="ctr"/>
+            <a:endParaRPr lang="ko-KR" altLang="en-US" sz="2800"/>
+          </a:p>
+        </p:txBody>
+      </p:sp>
+      <p:sp>
+        <p:nvSpPr>
+          <p:cNvPr id="7" name="직사각형 6">
+            <a:extLst>
+              <a:ext uri="{FF2B5EF4-FFF2-40B4-BE49-F238E27FC236}">
+                <a16:creationId xmlns:a16="http://schemas.microsoft.com/office/drawing/2014/main" id="{40B07F0E-6B61-4AC8-A90F-498542C26473}"/>
+              </a:ext>
+            </a:extLst>
+          </p:cNvPr>
+          <p:cNvSpPr/>
+          <p:nvPr/>
+        </p:nvSpPr>
+        <p:spPr>
+          <a:xfrm>
+            <a:off x="231744" y="215073"/>
+            <a:ext cx="540000" cy="540000"/>
+          </a:xfrm>
+          <a:prstGeom prst="rect">
+            <a:avLst/>
+          </a:prstGeom>
+          <a:solidFill>
+            <a:schemeClr val="accent5">
+              <a:lumMod val="75000"/>
+            </a:schemeClr>
+          </a:solidFill>
+          <a:ln>
+            <a:noFill/>
+          </a:ln>
+        </p:spPr>
+        <p:style>
+          <a:lnRef idx="2">
+            <a:schemeClr val="accent1">
+              <a:shade val="50000"/>
+            </a:schemeClr>
+          </a:lnRef>
+          <a:fillRef idx="1">
+            <a:schemeClr val="accent1"/>
+          </a:fillRef>
+          <a:effectRef idx="0">
+            <a:schemeClr val="accent1"/>
+          </a:effectRef>
+          <a:fontRef idx="minor">
+            <a:schemeClr val="lt1"/>
+          </a:fontRef>
+        </p:style>
+        <p:txBody>
+          <a:bodyPr rtlCol="0" anchor="ctr"/>
+          <a:lstStyle/>
+          <a:p>
+            <a:pPr algn="ctr"/>
+            <a:endParaRPr lang="ko-KR" altLang="en-US" sz="2800" dirty="0"/>
+          </a:p>
+        </p:txBody>
+      </p:sp>
+      <p:sp>
+        <p:nvSpPr>
+          <p:cNvPr id="8" name="TextBox 7">
+            <a:extLst>
+              <a:ext uri="{FF2B5EF4-FFF2-40B4-BE49-F238E27FC236}">
+                <a16:creationId xmlns:a16="http://schemas.microsoft.com/office/drawing/2014/main" id="{44DF7A44-7F11-4E0A-BF13-5A45F37F8653}"/>
+              </a:ext>
+            </a:extLst>
+          </p:cNvPr>
           <p:cNvSpPr txBox="1"/>
           <p:nvPr/>
         </p:nvSpPr>
         <p:spPr>
           <a:xfrm>
-            <a:off x="4513571" y="3036150"/>
-            <a:ext cx="3164858" cy="584775"/>
+            <a:off x="165519" y="271708"/>
+            <a:ext cx="648072" cy="400110"/>
           </a:xfrm>
           <a:prstGeom prst="rect">
             <a:avLst/>
@@ -4204,54 +4568,788 @@
           <a:bodyPr wrap="square" rtlCol="0">
             <a:spAutoFit/>
           </a:bodyPr>
-          <a:lstStyle>
-            <a:defPPr>
-              <a:defRPr lang="ko-KR"/>
-            </a:defPPr>
-            <a:lvl1pPr>
-              <a:defRPr sz="3200" b="1" spc="-200">
+          <a:lstStyle/>
+          <a:p>
+            <a:pPr algn="ctr"/>
+            <a:r>
+              <a:rPr lang="en-US" altLang="ko-KR" sz="2000" b="1" dirty="0">
                 <a:solidFill>
-                  <a:srgbClr val="EA382A"/>
+                  <a:schemeClr val="bg1"/>
                 </a:solidFill>
+                <a:latin typeface="+mj-ea"/>
+                <a:ea typeface="+mj-ea"/>
+              </a:rPr>
+              <a:t>02</a:t>
+            </a:r>
+            <a:endParaRPr lang="ko-KR" altLang="en-US" sz="2000" b="1" dirty="0">
+              <a:solidFill>
+                <a:schemeClr val="bg1"/>
+              </a:solidFill>
+              <a:latin typeface="+mj-ea"/>
+              <a:ea typeface="+mj-ea"/>
+            </a:endParaRPr>
+          </a:p>
+        </p:txBody>
+      </p:sp>
+      <p:sp>
+        <p:nvSpPr>
+          <p:cNvPr id="11" name="TextBox 10">
+            <a:extLst>
+              <a:ext uri="{FF2B5EF4-FFF2-40B4-BE49-F238E27FC236}">
+                <a16:creationId xmlns:a16="http://schemas.microsoft.com/office/drawing/2014/main" id="{714C3D1B-324D-4C40-88A6-9C1B08C51DA0}"/>
+              </a:ext>
+            </a:extLst>
+          </p:cNvPr>
+          <p:cNvSpPr txBox="1"/>
+          <p:nvPr/>
+        </p:nvSpPr>
+        <p:spPr>
+          <a:xfrm>
+            <a:off x="819475" y="418460"/>
+            <a:ext cx="3539968" cy="369332"/>
+          </a:xfrm>
+          <a:prstGeom prst="rect">
+            <a:avLst/>
+          </a:prstGeom>
+          <a:noFill/>
+          <a:scene3d>
+            <a:camera prst="obliqueTopLeft"/>
+            <a:lightRig rig="threePt" dir="t"/>
+          </a:scene3d>
+        </p:spPr>
+        <p:txBody>
+          <a:bodyPr wrap="square" rtlCol="0">
+            <a:spAutoFit/>
+          </a:bodyPr>
+          <a:lstStyle/>
+          <a:p>
+            <a:r>
+              <a:rPr lang="ko-KR" altLang="en-US" spc="-150" dirty="0">
                 <a:latin typeface="나눔스퀘어 ExtraBold" panose="020B0600000101010101" pitchFamily="50" charset="-127"/>
                 <a:ea typeface="나눔스퀘어 ExtraBold" panose="020B0600000101010101" pitchFamily="50" charset="-127"/>
-              </a:defRPr>
-            </a:lvl1pPr>
-          </a:lstStyle>
-          <a:p>
-            <a:r>
-              <a:rPr lang="en-US" altLang="ko-KR" b="0" dirty="0">
+              </a:rPr>
+              <a:t>데이터 수집 및 </a:t>
+            </a:r>
+            <a:r>
+              <a:rPr lang="ko-KR" altLang="en-US" spc="-150" dirty="0" err="1">
+                <a:latin typeface="나눔스퀘어 ExtraBold" panose="020B0600000101010101" pitchFamily="50" charset="-127"/>
+                <a:ea typeface="나눔스퀘어 ExtraBold" panose="020B0600000101010101" pitchFamily="50" charset="-127"/>
+              </a:rPr>
+              <a:t>전처리</a:t>
+            </a:r>
+            <a:endParaRPr lang="en-US" altLang="ko-KR" spc="-150" dirty="0">
+              <a:latin typeface="나눔스퀘어 ExtraBold" panose="020B0600000101010101" pitchFamily="50" charset="-127"/>
+              <a:ea typeface="나눔스퀘어 ExtraBold" panose="020B0600000101010101" pitchFamily="50" charset="-127"/>
+            </a:endParaRPr>
+          </a:p>
+        </p:txBody>
+      </p:sp>
+      <p:sp>
+        <p:nvSpPr>
+          <p:cNvPr id="20" name="직사각형 19">
+            <a:extLst>
+              <a:ext uri="{FF2B5EF4-FFF2-40B4-BE49-F238E27FC236}">
+                <a16:creationId xmlns:a16="http://schemas.microsoft.com/office/drawing/2014/main" id="{FAEBA3CA-307F-4EE5-BB54-D41C7CC69598}"/>
+              </a:ext>
+            </a:extLst>
+          </p:cNvPr>
+          <p:cNvSpPr/>
+          <p:nvPr/>
+        </p:nvSpPr>
+        <p:spPr>
+          <a:xfrm rot="16200000">
+            <a:off x="249220" y="1229249"/>
+            <a:ext cx="360000" cy="54000"/>
+          </a:xfrm>
+          <a:prstGeom prst="rect">
+            <a:avLst/>
+          </a:prstGeom>
+          <a:solidFill>
+            <a:schemeClr val="accent5">
+              <a:lumMod val="75000"/>
+            </a:schemeClr>
+          </a:solidFill>
+          <a:ln>
+            <a:noFill/>
+          </a:ln>
+        </p:spPr>
+        <p:style>
+          <a:lnRef idx="2">
+            <a:schemeClr val="accent1">
+              <a:shade val="50000"/>
+            </a:schemeClr>
+          </a:lnRef>
+          <a:fillRef idx="1">
+            <a:schemeClr val="accent1"/>
+          </a:fillRef>
+          <a:effectRef idx="0">
+            <a:schemeClr val="accent1"/>
+          </a:effectRef>
+          <a:fontRef idx="minor">
+            <a:schemeClr val="lt1"/>
+          </a:fontRef>
+        </p:style>
+        <p:txBody>
+          <a:bodyPr rtlCol="0" anchor="ctr"/>
+          <a:lstStyle/>
+          <a:p>
+            <a:pPr algn="ctr"/>
+            <a:endParaRPr lang="ko-KR" altLang="en-US"/>
+          </a:p>
+        </p:txBody>
+      </p:sp>
+      <p:sp>
+        <p:nvSpPr>
+          <p:cNvPr id="21" name="TextBox 20">
+            <a:extLst>
+              <a:ext uri="{FF2B5EF4-FFF2-40B4-BE49-F238E27FC236}">
+                <a16:creationId xmlns:a16="http://schemas.microsoft.com/office/drawing/2014/main" id="{C4B2761F-9B53-4255-865D-DDAAFE3E265B}"/>
+              </a:ext>
+            </a:extLst>
+          </p:cNvPr>
+          <p:cNvSpPr txBox="1"/>
+          <p:nvPr/>
+        </p:nvSpPr>
+        <p:spPr>
+          <a:xfrm>
+            <a:off x="463086" y="974959"/>
+            <a:ext cx="7106638" cy="512961"/>
+          </a:xfrm>
+          <a:prstGeom prst="rect">
+            <a:avLst/>
+          </a:prstGeom>
+          <a:noFill/>
+        </p:spPr>
+        <p:txBody>
+          <a:bodyPr wrap="square">
+            <a:spAutoFit/>
+          </a:bodyPr>
+          <a:lstStyle/>
+          <a:p>
+            <a:pPr>
+              <a:lnSpc>
+                <a:spcPct val="150000"/>
+              </a:lnSpc>
+            </a:pPr>
+            <a:r>
+              <a:rPr lang="ko-KR" altLang="en-US" sz="2000" spc="-100" dirty="0">
+                <a:ln>
+                  <a:solidFill>
+                    <a:schemeClr val="accent1">
+                      <a:alpha val="0"/>
+                    </a:schemeClr>
+                  </a:solidFill>
+                </a:ln>
                 <a:solidFill>
-                  <a:schemeClr val="accent5">
-                    <a:lumMod val="75000"/>
+                  <a:schemeClr val="tx1">
+                    <a:lumMod val="85000"/>
+                    <a:lumOff val="15000"/>
                   </a:schemeClr>
                 </a:solidFill>
-              </a:rPr>
-              <a:t>05</a:t>
-            </a:r>
-            <a:r>
-              <a:rPr lang="en-US" altLang="ko-KR" b="0" dirty="0">
+                <a:latin typeface="나눔스퀘어_ac ExtraBold" panose="020B0600000101010101" pitchFamily="50" charset="-127"/>
+                <a:ea typeface="나눔스퀘어_ac ExtraBold" panose="020B0600000101010101" pitchFamily="50" charset="-127"/>
+              </a:rPr>
+              <a:t>데이터 수집 및 </a:t>
+            </a:r>
+            <a:r>
+              <a:rPr lang="ko-KR" altLang="en-US" sz="2000" spc="-100" dirty="0" err="1">
+                <a:ln>
+                  <a:solidFill>
+                    <a:schemeClr val="accent1">
+                      <a:alpha val="0"/>
+                    </a:schemeClr>
+                  </a:solidFill>
+                </a:ln>
                 <a:solidFill>
-                  <a:schemeClr val="tx1"/>
+                  <a:schemeClr val="tx1">
+                    <a:lumMod val="85000"/>
+                    <a:lumOff val="15000"/>
+                  </a:schemeClr>
                 </a:solidFill>
+                <a:latin typeface="나눔스퀘어_ac ExtraBold" panose="020B0600000101010101" pitchFamily="50" charset="-127"/>
+                <a:ea typeface="나눔스퀘어_ac ExtraBold" panose="020B0600000101010101" pitchFamily="50" charset="-127"/>
+              </a:rPr>
+              <a:t>전처리</a:t>
+            </a:r>
+            <a:endParaRPr lang="en-US" altLang="ko-KR" sz="2000" spc="-100" dirty="0">
+              <a:ln>
+                <a:solidFill>
+                  <a:schemeClr val="accent1">
+                    <a:alpha val="0"/>
+                  </a:schemeClr>
+                </a:solidFill>
+              </a:ln>
+              <a:solidFill>
+                <a:schemeClr val="tx1">
+                  <a:lumMod val="85000"/>
+                  <a:lumOff val="15000"/>
+                </a:schemeClr>
+              </a:solidFill>
+              <a:latin typeface="나눔스퀘어_ac ExtraBold" panose="020B0600000101010101" pitchFamily="50" charset="-127"/>
+              <a:ea typeface="나눔스퀘어_ac ExtraBold" panose="020B0600000101010101" pitchFamily="50" charset="-127"/>
+            </a:endParaRPr>
+          </a:p>
+        </p:txBody>
+      </p:sp>
+      <p:sp>
+        <p:nvSpPr>
+          <p:cNvPr id="10" name="TextBox 9">
+            <a:extLst>
+              <a:ext uri="{FF2B5EF4-FFF2-40B4-BE49-F238E27FC236}">
+                <a16:creationId xmlns:a16="http://schemas.microsoft.com/office/drawing/2014/main" id="{A861B075-E2D1-460A-94EB-C4323D9AADE5}"/>
+              </a:ext>
+            </a:extLst>
+          </p:cNvPr>
+          <p:cNvSpPr txBox="1"/>
+          <p:nvPr/>
+        </p:nvSpPr>
+        <p:spPr>
+          <a:xfrm>
+            <a:off x="498980" y="1633246"/>
+            <a:ext cx="11363239" cy="3814634"/>
+          </a:xfrm>
+          <a:prstGeom prst="rect">
+            <a:avLst/>
+          </a:prstGeom>
+          <a:noFill/>
+        </p:spPr>
+        <p:txBody>
+          <a:bodyPr wrap="square">
+            <a:spAutoFit/>
+          </a:bodyPr>
+          <a:lstStyle/>
+          <a:p>
+            <a:pPr marL="285750" indent="-285750">
+              <a:lnSpc>
+                <a:spcPct val="130000"/>
+              </a:lnSpc>
+              <a:buFont typeface="Wingdings" panose="05000000000000000000" pitchFamily="2" charset="2"/>
+              <a:buChar char="§"/>
+            </a:pPr>
+            <a:r>
+              <a:rPr lang="en-US" altLang="ko-KR" sz="1560" dirty="0">
+                <a:latin typeface="나눔스퀘어" panose="020B0600000101010101" pitchFamily="50" charset="-127"/>
+                <a:ea typeface="나눔스퀘어" panose="020B0600000101010101" pitchFamily="50" charset="-127"/>
+              </a:rPr>
+              <a:t>USPTO </a:t>
+            </a:r>
+            <a:r>
+              <a:rPr lang="ko-KR" altLang="en-US" sz="1560" dirty="0">
+                <a:latin typeface="나눔스퀘어" panose="020B0600000101010101" pitchFamily="50" charset="-127"/>
+                <a:ea typeface="나눔스퀘어" panose="020B0600000101010101" pitchFamily="50" charset="-127"/>
+              </a:rPr>
+              <a:t>데이터 </a:t>
+            </a:r>
+            <a:r>
+              <a:rPr lang="ko-KR" altLang="en-US" sz="1560" dirty="0" err="1">
+                <a:latin typeface="나눔스퀘어" panose="020B0600000101010101" pitchFamily="50" charset="-127"/>
+                <a:ea typeface="나눔스퀘어" panose="020B0600000101010101" pitchFamily="50" charset="-127"/>
+              </a:rPr>
+              <a:t>크롤링</a:t>
+            </a:r>
+            <a:endParaRPr lang="en-US" altLang="ko-KR" sz="1560" dirty="0">
+              <a:latin typeface="나눔스퀘어" panose="020B0600000101010101" pitchFamily="50" charset="-127"/>
+              <a:ea typeface="나눔스퀘어" panose="020B0600000101010101" pitchFamily="50" charset="-127"/>
+            </a:endParaRPr>
+          </a:p>
+          <a:p>
+            <a:pPr marL="742950" lvl="1" indent="-285750">
+              <a:lnSpc>
+                <a:spcPct val="130000"/>
+              </a:lnSpc>
+              <a:buFont typeface="Wingdings" panose="05000000000000000000" pitchFamily="2" charset="2"/>
+              <a:buChar char="§"/>
+            </a:pPr>
+            <a:r>
+              <a:rPr lang="en-US" altLang="ko-KR" sz="1560" dirty="0">
+                <a:latin typeface="나눔스퀘어" panose="020B0600000101010101" pitchFamily="50" charset="-127"/>
+                <a:ea typeface="나눔스퀘어" panose="020B0600000101010101" pitchFamily="50" charset="-127"/>
+              </a:rPr>
+              <a:t>Pickle</a:t>
+            </a:r>
+            <a:r>
+              <a:rPr lang="ko-KR" altLang="en-US" sz="1560" dirty="0">
+                <a:latin typeface="나눔스퀘어" panose="020B0600000101010101" pitchFamily="50" charset="-127"/>
+                <a:ea typeface="나눔스퀘어" panose="020B0600000101010101" pitchFamily="50" charset="-127"/>
+              </a:rPr>
+              <a:t>에 저장된 데이터를 기반으로 </a:t>
+            </a:r>
+            <a:r>
+              <a:rPr lang="en-US" altLang="ko-KR" sz="1560" dirty="0">
+                <a:latin typeface="나눔스퀘어" panose="020B0600000101010101" pitchFamily="50" charset="-127"/>
+                <a:ea typeface="나눔스퀘어" panose="020B0600000101010101" pitchFamily="50" charset="-127"/>
+              </a:rPr>
+              <a:t>USPTO</a:t>
+            </a:r>
+            <a:r>
+              <a:rPr lang="ko-KR" altLang="en-US" sz="1560" dirty="0">
+                <a:latin typeface="나눔스퀘어" panose="020B0600000101010101" pitchFamily="50" charset="-127"/>
+                <a:ea typeface="나눔스퀘어" panose="020B0600000101010101" pitchFamily="50" charset="-127"/>
+              </a:rPr>
+              <a:t>의 </a:t>
+            </a:r>
+            <a:r>
+              <a:rPr lang="en-US" altLang="ko-KR" sz="1560" dirty="0">
+                <a:latin typeface="나눔스퀘어" panose="020B0600000101010101" pitchFamily="50" charset="-127"/>
+                <a:ea typeface="나눔스퀘어" panose="020B0600000101010101" pitchFamily="50" charset="-127"/>
+              </a:rPr>
+              <a:t>API query</a:t>
+            </a:r>
+            <a:r>
+              <a:rPr lang="ko-KR" altLang="en-US" sz="1560" dirty="0">
+                <a:latin typeface="나눔스퀘어" panose="020B0600000101010101" pitchFamily="50" charset="-127"/>
+                <a:ea typeface="나눔스퀘어" panose="020B0600000101010101" pitchFamily="50" charset="-127"/>
+              </a:rPr>
+              <a:t>를 활용하여 특허의 세부 텍스트 데이터를 수집</a:t>
+            </a:r>
+            <a:endParaRPr lang="en-US" altLang="ko-KR" sz="1560" dirty="0">
+              <a:latin typeface="나눔스퀘어" panose="020B0600000101010101" pitchFamily="50" charset="-127"/>
+              <a:ea typeface="나눔스퀘어" panose="020B0600000101010101" pitchFamily="50" charset="-127"/>
+            </a:endParaRPr>
+          </a:p>
+          <a:p>
+            <a:pPr>
+              <a:lnSpc>
+                <a:spcPct val="130000"/>
+              </a:lnSpc>
+            </a:pPr>
+            <a:endParaRPr lang="en-US" altLang="ko-KR" sz="1560" dirty="0">
+              <a:latin typeface="나눔스퀘어" panose="020B0600000101010101" pitchFamily="50" charset="-127"/>
+              <a:ea typeface="나눔스퀘어" panose="020B0600000101010101" pitchFamily="50" charset="-127"/>
+            </a:endParaRPr>
+          </a:p>
+          <a:p>
+            <a:pPr>
+              <a:lnSpc>
+                <a:spcPct val="130000"/>
+              </a:lnSpc>
+            </a:pPr>
+            <a:endParaRPr lang="en-US" altLang="ko-KR" sz="1560" dirty="0">
+              <a:latin typeface="나눔스퀘어" panose="020B0600000101010101" pitchFamily="50" charset="-127"/>
+              <a:ea typeface="나눔스퀘어" panose="020B0600000101010101" pitchFamily="50" charset="-127"/>
+            </a:endParaRPr>
+          </a:p>
+          <a:p>
+            <a:pPr>
+              <a:lnSpc>
+                <a:spcPct val="130000"/>
+              </a:lnSpc>
+            </a:pPr>
+            <a:endParaRPr lang="en-US" altLang="ko-KR" sz="1560" dirty="0">
+              <a:latin typeface="나눔스퀘어" panose="020B0600000101010101" pitchFamily="50" charset="-127"/>
+              <a:ea typeface="나눔스퀘어" panose="020B0600000101010101" pitchFamily="50" charset="-127"/>
+            </a:endParaRPr>
+          </a:p>
+          <a:p>
+            <a:pPr>
+              <a:lnSpc>
+                <a:spcPct val="130000"/>
+              </a:lnSpc>
+            </a:pPr>
+            <a:endParaRPr lang="en-US" altLang="ko-KR" sz="1560" dirty="0">
+              <a:latin typeface="나눔스퀘어" panose="020B0600000101010101" pitchFamily="50" charset="-127"/>
+              <a:ea typeface="나눔스퀘어" panose="020B0600000101010101" pitchFamily="50" charset="-127"/>
+            </a:endParaRPr>
+          </a:p>
+          <a:p>
+            <a:pPr>
+              <a:lnSpc>
+                <a:spcPct val="130000"/>
+              </a:lnSpc>
+            </a:pPr>
+            <a:endParaRPr lang="en-US" altLang="ko-KR" sz="1560" dirty="0">
+              <a:latin typeface="나눔스퀘어" panose="020B0600000101010101" pitchFamily="50" charset="-127"/>
+              <a:ea typeface="나눔스퀘어" panose="020B0600000101010101" pitchFamily="50" charset="-127"/>
+            </a:endParaRPr>
+          </a:p>
+          <a:p>
+            <a:pPr marL="742950" lvl="1" indent="-285750">
+              <a:lnSpc>
+                <a:spcPct val="130000"/>
+              </a:lnSpc>
+              <a:buFont typeface="Wingdings" panose="05000000000000000000" pitchFamily="2" charset="2"/>
+              <a:buChar char="§"/>
+            </a:pPr>
+            <a:r>
+              <a:rPr lang="ko-KR" altLang="en-US" sz="1560" dirty="0">
+                <a:latin typeface="나눔스퀘어" panose="020B0600000101010101" pitchFamily="50" charset="-127"/>
+                <a:ea typeface="나눔스퀘어" panose="020B0600000101010101" pitchFamily="50" charset="-127"/>
+              </a:rPr>
+              <a:t>수집된 데이터의 </a:t>
+            </a:r>
+            <a:r>
+              <a:rPr lang="en-US" altLang="ko-KR" sz="1560" dirty="0">
+                <a:latin typeface="나눔스퀘어" panose="020B0600000101010101" pitchFamily="50" charset="-127"/>
+                <a:ea typeface="나눔스퀘어" panose="020B0600000101010101" pitchFamily="50" charset="-127"/>
+              </a:rPr>
+              <a:t>CPC Category</a:t>
+            </a:r>
+            <a:r>
+              <a:rPr lang="ko-KR" altLang="en-US" sz="1560" dirty="0">
+                <a:latin typeface="나눔스퀘어" panose="020B0600000101010101" pitchFamily="50" charset="-127"/>
+                <a:ea typeface="나눔스퀘어" panose="020B0600000101010101" pitchFamily="50" charset="-127"/>
+              </a:rPr>
+              <a:t>에 있는 </a:t>
+            </a:r>
+            <a:r>
+              <a:rPr lang="en-US" altLang="ko-KR" sz="1560" dirty="0" err="1">
+                <a:latin typeface="나눔스퀘어" panose="020B0600000101010101" pitchFamily="50" charset="-127"/>
+                <a:ea typeface="나눔스퀘어" panose="020B0600000101010101" pitchFamily="50" charset="-127"/>
+              </a:rPr>
+              <a:t>Subgroup_id</a:t>
+            </a:r>
+            <a:r>
+              <a:rPr lang="ko-KR" altLang="en-US" sz="1560" dirty="0">
+                <a:latin typeface="나눔스퀘어" panose="020B0600000101010101" pitchFamily="50" charset="-127"/>
+                <a:ea typeface="나눔스퀘어" panose="020B0600000101010101" pitchFamily="50" charset="-127"/>
+              </a:rPr>
+              <a:t>끼리 모아  </a:t>
+            </a:r>
+            <a:r>
+              <a:rPr lang="en-US" altLang="ko-KR" sz="1560" dirty="0">
+                <a:latin typeface="나눔스퀘어" panose="020B0600000101010101" pitchFamily="50" charset="-127"/>
+                <a:ea typeface="나눔스퀘어" panose="020B0600000101010101" pitchFamily="50" charset="-127"/>
+              </a:rPr>
+              <a:t>CPC</a:t>
+            </a:r>
+            <a:r>
+              <a:rPr lang="ko-KR" altLang="en-US" sz="1560" dirty="0">
+                <a:latin typeface="나눔스퀘어" panose="020B0600000101010101" pitchFamily="50" charset="-127"/>
+                <a:ea typeface="나눔스퀘어" panose="020B0600000101010101" pitchFamily="50" charset="-127"/>
               </a:rPr>
               <a:t> </a:t>
             </a:r>
             <a:r>
-              <a:rPr lang="ko-KR" altLang="en-US" b="0" dirty="0">
+              <a:rPr lang="en-US" altLang="ko-KR" sz="1560" dirty="0">
+                <a:latin typeface="나눔스퀘어" panose="020B0600000101010101" pitchFamily="50" charset="-127"/>
+                <a:ea typeface="나눔스퀘어" panose="020B0600000101010101" pitchFamily="50" charset="-127"/>
+              </a:rPr>
+              <a:t>Class</a:t>
+            </a:r>
+            <a:r>
+              <a:rPr lang="ko-KR" altLang="en-US" sz="1560" dirty="0">
+                <a:latin typeface="나눔스퀘어" panose="020B0600000101010101" pitchFamily="50" charset="-127"/>
+                <a:ea typeface="나눔스퀘어" panose="020B0600000101010101" pitchFamily="50" charset="-127"/>
+              </a:rPr>
+              <a:t>에 </a:t>
+            </a:r>
+            <a:r>
+              <a:rPr lang="ko-KR" altLang="en-US" sz="1560" dirty="0" err="1">
+                <a:latin typeface="나눔스퀘어" panose="020B0600000101010101" pitchFamily="50" charset="-127"/>
+                <a:ea typeface="나눔스퀘어" panose="020B0600000101010101" pitchFamily="50" charset="-127"/>
+              </a:rPr>
+              <a:t>동시출현하는</a:t>
+            </a:r>
+            <a:r>
+              <a:rPr lang="ko-KR" altLang="en-US" sz="1560" dirty="0">
+                <a:latin typeface="나눔스퀘어" panose="020B0600000101010101" pitchFamily="50" charset="-127"/>
+                <a:ea typeface="나눔스퀘어" panose="020B0600000101010101" pitchFamily="50" charset="-127"/>
+              </a:rPr>
+              <a:t> 것들을 그룹화</a:t>
+            </a:r>
+            <a:endParaRPr lang="en-US" altLang="ko-KR" sz="1560" dirty="0">
+              <a:latin typeface="나눔스퀘어" panose="020B0600000101010101" pitchFamily="50" charset="-127"/>
+              <a:ea typeface="나눔스퀘어" panose="020B0600000101010101" pitchFamily="50" charset="-127"/>
+            </a:endParaRPr>
+          </a:p>
+          <a:p>
+            <a:pPr marL="742950" lvl="1" indent="-285750">
+              <a:lnSpc>
+                <a:spcPct val="130000"/>
+              </a:lnSpc>
+              <a:buFont typeface="Wingdings" panose="05000000000000000000" pitchFamily="2" charset="2"/>
+              <a:buChar char="§"/>
+            </a:pPr>
+            <a:r>
+              <a:rPr lang="ko-KR" altLang="en-US" sz="1560" dirty="0">
+                <a:latin typeface="나눔스퀘어" panose="020B0600000101010101" pitchFamily="50" charset="-127"/>
+                <a:ea typeface="나눔스퀘어" panose="020B0600000101010101" pitchFamily="50" charset="-127"/>
+              </a:rPr>
+              <a:t>그룹화한 데이터들을 기반으로 </a:t>
+            </a:r>
+            <a:r>
+              <a:rPr lang="ko-KR" altLang="en-US" sz="1560" dirty="0" err="1">
+                <a:latin typeface="나눔스퀘어" panose="020B0600000101010101" pitchFamily="50" charset="-127"/>
+                <a:ea typeface="나눔스퀘어" panose="020B0600000101010101" pitchFamily="50" charset="-127"/>
+              </a:rPr>
+              <a:t>동시출현비율을</a:t>
+            </a:r>
+            <a:r>
+              <a:rPr lang="ko-KR" altLang="en-US" sz="1560" dirty="0">
+                <a:latin typeface="나눔스퀘어" panose="020B0600000101010101" pitchFamily="50" charset="-127"/>
+                <a:ea typeface="나눔스퀘어" panose="020B0600000101010101" pitchFamily="50" charset="-127"/>
+              </a:rPr>
+              <a:t> </a:t>
+            </a:r>
+            <a:r>
+              <a:rPr lang="en-US" altLang="ko-KR" sz="1560" dirty="0">
+                <a:latin typeface="나눔스퀘어" panose="020B0600000101010101" pitchFamily="50" charset="-127"/>
+                <a:ea typeface="나눔스퀘어" panose="020B0600000101010101" pitchFamily="50" charset="-127"/>
+              </a:rPr>
+              <a:t>TF-IDF</a:t>
+            </a:r>
+            <a:r>
+              <a:rPr lang="ko-KR" altLang="en-US" sz="1560" dirty="0">
+                <a:latin typeface="나눔스퀘어" panose="020B0600000101010101" pitchFamily="50" charset="-127"/>
+                <a:ea typeface="나눔스퀘어" panose="020B0600000101010101" pitchFamily="50" charset="-127"/>
+              </a:rPr>
+              <a:t>로 계산</a:t>
+            </a:r>
+            <a:endParaRPr lang="en-US" altLang="ko-KR" sz="1560" dirty="0">
+              <a:latin typeface="나눔스퀘어" panose="020B0600000101010101" pitchFamily="50" charset="-127"/>
+              <a:ea typeface="나눔스퀘어" panose="020B0600000101010101" pitchFamily="50" charset="-127"/>
+            </a:endParaRPr>
+          </a:p>
+          <a:p>
+            <a:pPr marL="1200150" lvl="2" indent="-285750">
+              <a:lnSpc>
+                <a:spcPct val="130000"/>
+              </a:lnSpc>
+              <a:buFont typeface="Wingdings" panose="05000000000000000000" pitchFamily="2" charset="2"/>
+              <a:buChar char="§"/>
+            </a:pPr>
+            <a:r>
+              <a:rPr lang="en-US" altLang="ko-KR" sz="1560" dirty="0">
+                <a:latin typeface="나눔스퀘어" panose="020B0600000101010101" pitchFamily="50" charset="-127"/>
+                <a:ea typeface="나눔스퀘어" panose="020B0600000101010101" pitchFamily="50" charset="-127"/>
+              </a:rPr>
+              <a:t>TF-IDF : </a:t>
+            </a:r>
+            <a:r>
+              <a:rPr lang="ko-KR" altLang="en-US" sz="1560" dirty="0">
+                <a:latin typeface="나눔스퀘어" panose="020B0600000101010101" pitchFamily="50" charset="-127"/>
+                <a:ea typeface="나눔스퀘어" panose="020B0600000101010101" pitchFamily="50" charset="-127"/>
+              </a:rPr>
+              <a:t>여러 문서로 이루어진 문서군이 있을 때 어떤 단어가 특정 문서 내에서 얼마나 중요한지를 나타내는 통계적 수치</a:t>
+            </a:r>
+            <a:endParaRPr lang="en-US" altLang="ko-KR" sz="1560" dirty="0">
+              <a:latin typeface="나눔스퀘어" panose="020B0600000101010101" pitchFamily="50" charset="-127"/>
+              <a:ea typeface="나눔스퀘어" panose="020B0600000101010101" pitchFamily="50" charset="-127"/>
+            </a:endParaRPr>
+          </a:p>
+          <a:p>
+            <a:pPr marL="1200150" lvl="2" indent="-285750">
+              <a:lnSpc>
+                <a:spcPct val="130000"/>
+              </a:lnSpc>
+              <a:buFont typeface="Wingdings" panose="05000000000000000000" pitchFamily="2" charset="2"/>
+              <a:buChar char="§"/>
+            </a:pPr>
+            <a:r>
+              <a:rPr lang="ko-KR" altLang="en-US" sz="1560" dirty="0">
+                <a:latin typeface="나눔스퀘어" panose="020B0600000101010101" pitchFamily="50" charset="-127"/>
+                <a:ea typeface="나눔스퀘어" panose="020B0600000101010101" pitchFamily="50" charset="-127"/>
+              </a:rPr>
+              <a:t>단일 특허 데이터를 </a:t>
+            </a:r>
+            <a:r>
+              <a:rPr lang="en-US" altLang="ko-KR" sz="1560" dirty="0">
+                <a:latin typeface="나눔스퀘어" panose="020B0600000101010101" pitchFamily="50" charset="-127"/>
+                <a:ea typeface="나눔스퀘어" panose="020B0600000101010101" pitchFamily="50" charset="-127"/>
+              </a:rPr>
+              <a:t>‘</a:t>
+            </a:r>
+            <a:r>
+              <a:rPr lang="ko-KR" altLang="en-US" sz="1560" dirty="0">
+                <a:latin typeface="나눔스퀘어" panose="020B0600000101010101" pitchFamily="50" charset="-127"/>
+                <a:ea typeface="나눔스퀘어" panose="020B0600000101010101" pitchFamily="50" charset="-127"/>
+              </a:rPr>
+              <a:t>문서</a:t>
+            </a:r>
+            <a:r>
+              <a:rPr lang="en-US" altLang="ko-KR" sz="1560" dirty="0">
+                <a:latin typeface="나눔스퀘어" panose="020B0600000101010101" pitchFamily="50" charset="-127"/>
+                <a:ea typeface="나눔스퀘어" panose="020B0600000101010101" pitchFamily="50" charset="-127"/>
+              </a:rPr>
+              <a:t>＇</a:t>
+            </a:r>
+            <a:r>
+              <a:rPr lang="ko-KR" altLang="en-US" sz="1560" dirty="0">
+                <a:latin typeface="나눔스퀘어" panose="020B0600000101010101" pitchFamily="50" charset="-127"/>
+                <a:ea typeface="나눔스퀘어" panose="020B0600000101010101" pitchFamily="50" charset="-127"/>
+              </a:rPr>
+              <a:t>로</a:t>
+            </a:r>
+            <a:r>
+              <a:rPr lang="en-US" altLang="ko-KR" sz="1560" dirty="0">
+                <a:latin typeface="나눔스퀘어" panose="020B0600000101010101" pitchFamily="50" charset="-127"/>
+                <a:ea typeface="나눔스퀘어" panose="020B0600000101010101" pitchFamily="50" charset="-127"/>
+              </a:rPr>
+              <a:t>, CPC </a:t>
+            </a:r>
+            <a:r>
+              <a:rPr lang="ko-KR" altLang="en-US" sz="1560" dirty="0">
+                <a:latin typeface="나눔스퀘어" panose="020B0600000101010101" pitchFamily="50" charset="-127"/>
+                <a:ea typeface="나눔스퀘어" panose="020B0600000101010101" pitchFamily="50" charset="-127"/>
+              </a:rPr>
+              <a:t>코드를 </a:t>
+            </a:r>
+            <a:r>
+              <a:rPr lang="en-US" altLang="ko-KR" sz="1560" dirty="0">
+                <a:latin typeface="나눔스퀘어" panose="020B0600000101010101" pitchFamily="50" charset="-127"/>
+                <a:ea typeface="나눔스퀘어" panose="020B0600000101010101" pitchFamily="50" charset="-127"/>
+              </a:rPr>
+              <a:t>‘</a:t>
+            </a:r>
+            <a:r>
+              <a:rPr lang="ko-KR" altLang="en-US" sz="1560" dirty="0">
+                <a:latin typeface="나눔스퀘어" panose="020B0600000101010101" pitchFamily="50" charset="-127"/>
+                <a:ea typeface="나눔스퀘어" panose="020B0600000101010101" pitchFamily="50" charset="-127"/>
+              </a:rPr>
+              <a:t>단어</a:t>
+            </a:r>
+            <a:r>
+              <a:rPr lang="en-US" altLang="ko-KR" sz="1560" dirty="0">
+                <a:latin typeface="나눔스퀘어" panose="020B0600000101010101" pitchFamily="50" charset="-127"/>
+                <a:ea typeface="나눔스퀘어" panose="020B0600000101010101" pitchFamily="50" charset="-127"/>
+              </a:rPr>
+              <a:t>’</a:t>
+            </a:r>
+            <a:r>
+              <a:rPr lang="ko-KR" altLang="en-US" sz="1560" dirty="0">
+                <a:latin typeface="나눔스퀘어" panose="020B0600000101010101" pitchFamily="50" charset="-127"/>
+                <a:ea typeface="나눔스퀘어" panose="020B0600000101010101" pitchFamily="50" charset="-127"/>
+              </a:rPr>
+              <a:t>로 가정</a:t>
+            </a:r>
+            <a:endParaRPr lang="en-US" altLang="ko-KR" sz="1560" dirty="0">
+              <a:latin typeface="나눔스퀘어" panose="020B0600000101010101" pitchFamily="50" charset="-127"/>
+              <a:ea typeface="나눔스퀘어" panose="020B0600000101010101" pitchFamily="50" charset="-127"/>
+            </a:endParaRPr>
+          </a:p>
+          <a:p>
+            <a:pPr marL="1200150" lvl="2" indent="-285750">
+              <a:lnSpc>
+                <a:spcPct val="130000"/>
+              </a:lnSpc>
+              <a:buFont typeface="Wingdings" panose="05000000000000000000" pitchFamily="2" charset="2"/>
+              <a:buChar char="§"/>
+            </a:pPr>
+            <a:r>
+              <a:rPr lang="ko-KR" altLang="en-US" sz="1560" dirty="0">
+                <a:latin typeface="나눔스퀘어" panose="020B0600000101010101" pitchFamily="50" charset="-127"/>
+                <a:ea typeface="나눔스퀘어" panose="020B0600000101010101" pitchFamily="50" charset="-127"/>
+              </a:rPr>
+              <a:t>결과값에 전치행렬을 곱해 </a:t>
+            </a:r>
+            <a:r>
+              <a:rPr lang="en-US" altLang="ko-KR" sz="1560" dirty="0">
+                <a:latin typeface="나눔스퀘어" panose="020B0600000101010101" pitchFamily="50" charset="-127"/>
+                <a:ea typeface="나눔스퀘어" panose="020B0600000101010101" pitchFamily="50" charset="-127"/>
+              </a:rPr>
+              <a:t>Co </a:t>
+            </a:r>
+            <a:r>
+              <a:rPr lang="en-US" altLang="ko-KR" sz="1560" dirty="0" err="1">
+                <a:latin typeface="나눔스퀘어" panose="020B0600000101010101" pitchFamily="50" charset="-127"/>
+                <a:ea typeface="나눔스퀘어" panose="020B0600000101010101" pitchFamily="50" charset="-127"/>
+              </a:rPr>
+              <a:t>occurence</a:t>
+            </a:r>
+            <a:r>
+              <a:rPr lang="en-US" altLang="ko-KR" sz="1560" dirty="0">
+                <a:latin typeface="나눔스퀘어" panose="020B0600000101010101" pitchFamily="50" charset="-127"/>
+                <a:ea typeface="나눔스퀘어" panose="020B0600000101010101" pitchFamily="50" charset="-127"/>
+              </a:rPr>
+              <a:t> matrix</a:t>
+            </a:r>
+            <a:r>
+              <a:rPr lang="ko-KR" altLang="en-US" sz="1560" dirty="0">
+                <a:latin typeface="나눔스퀘어" panose="020B0600000101010101" pitchFamily="50" charset="-127"/>
+                <a:ea typeface="나눔스퀘어" panose="020B0600000101010101" pitchFamily="50" charset="-127"/>
+              </a:rPr>
+              <a:t>를 생성</a:t>
+            </a:r>
+          </a:p>
+        </p:txBody>
+      </p:sp>
+      <p:pic>
+        <p:nvPicPr>
+          <p:cNvPr id="3" name="그림 2">
+            <a:extLst>
+              <a:ext uri="{FF2B5EF4-FFF2-40B4-BE49-F238E27FC236}">
+                <a16:creationId xmlns:a16="http://schemas.microsoft.com/office/drawing/2014/main" id="{737191F7-E033-4C1D-BF19-83E2A8D35296}"/>
+              </a:ext>
+            </a:extLst>
+          </p:cNvPr>
+          <p:cNvPicPr>
+            <a:picLocks noChangeAspect="1"/>
+          </p:cNvPicPr>
+          <p:nvPr/>
+        </p:nvPicPr>
+        <p:blipFill>
+          <a:blip r:embed="rId3">
+            <a:extLst>
+              <a:ext uri="{28A0092B-C50C-407E-A947-70E740481C1C}">
+                <a14:useLocalDpi xmlns:a14="http://schemas.microsoft.com/office/drawing/2010/main" val="0"/>
+              </a:ext>
+            </a:extLst>
+          </a:blip>
+          <a:stretch>
+            <a:fillRect/>
+          </a:stretch>
+        </p:blipFill>
+        <p:spPr>
+          <a:xfrm>
+            <a:off x="1146511" y="2340801"/>
+            <a:ext cx="9721514" cy="1355798"/>
+          </a:xfrm>
+          <a:prstGeom prst="rect">
+            <a:avLst/>
+          </a:prstGeom>
+        </p:spPr>
+      </p:pic>
+      <p:pic>
+        <p:nvPicPr>
+          <p:cNvPr id="1026" name="Picture 2" descr="TF-IDF : SEO에 정말 도움이 될까요? - Affde 마케팅">
+            <a:extLst>
+              <a:ext uri="{FF2B5EF4-FFF2-40B4-BE49-F238E27FC236}">
+                <a16:creationId xmlns:a16="http://schemas.microsoft.com/office/drawing/2014/main" id="{1B972CB1-3D3D-460F-B84E-2EA3601F70AD}"/>
+              </a:ext>
+            </a:extLst>
+          </p:cNvPr>
+          <p:cNvPicPr>
+            <a:picLocks noChangeAspect="1" noChangeArrowheads="1"/>
+          </p:cNvPicPr>
+          <p:nvPr/>
+        </p:nvPicPr>
+        <p:blipFill>
+          <a:blip r:embed="rId4">
+            <a:extLst>
+              <a:ext uri="{28A0092B-C50C-407E-A947-70E740481C1C}">
+                <a14:useLocalDpi xmlns:a14="http://schemas.microsoft.com/office/drawing/2010/main" val="0"/>
+              </a:ext>
+            </a:extLst>
+          </a:blip>
+          <a:srcRect/>
+          <a:stretch>
+            <a:fillRect/>
+          </a:stretch>
+        </p:blipFill>
+        <p:spPr bwMode="auto">
+          <a:xfrm>
+            <a:off x="8515350" y="4780373"/>
+            <a:ext cx="2952751" cy="1970941"/>
+          </a:xfrm>
+          <a:prstGeom prst="rect">
+            <a:avLst/>
+          </a:prstGeom>
+          <a:noFill/>
+          <a:extLst>
+            <a:ext uri="{909E8E84-426E-40DD-AFC4-6F175D3DCCD1}">
+              <a14:hiddenFill xmlns:a14="http://schemas.microsoft.com/office/drawing/2010/main">
                 <a:solidFill>
-                  <a:schemeClr val="tx1"/>
+                  <a:srgbClr val="FFFFFF"/>
                 </a:solidFill>
-              </a:rPr>
-              <a:t>결론</a:t>
-            </a:r>
-          </a:p>
-        </p:txBody>
-      </p:sp>
+              </a14:hiddenFill>
+            </a:ext>
+          </a:extLst>
+        </p:spPr>
+      </p:pic>
     </p:spTree>
     <p:extLst>
       <p:ext uri="{BB962C8B-B14F-4D97-AF65-F5344CB8AC3E}">
-        <p14:creationId xmlns:p14="http://schemas.microsoft.com/office/powerpoint/2010/main" val="3751001381"/>
+        <p14:creationId xmlns:p14="http://schemas.microsoft.com/office/powerpoint/2010/main" val="153379134"/>
       </p:ext>
     </p:extLst>
   </p:cSld>
@@ -4280,6 +5378,253 @@
       </p:grpSpPr>
       <p:sp>
         <p:nvSpPr>
+          <p:cNvPr id="4" name="TextBox 3">
+            <a:extLst>
+              <a:ext uri="{FF2B5EF4-FFF2-40B4-BE49-F238E27FC236}">
+                <a16:creationId xmlns:a16="http://schemas.microsoft.com/office/drawing/2014/main" id="{9E1F1B91-D2F3-46EB-9F24-1C6532A172F4}"/>
+              </a:ext>
+            </a:extLst>
+          </p:cNvPr>
+          <p:cNvSpPr txBox="1"/>
+          <p:nvPr/>
+        </p:nvSpPr>
+        <p:spPr>
+          <a:xfrm>
+            <a:off x="4752249" y="3675136"/>
+            <a:ext cx="3701603" cy="971292"/>
+          </a:xfrm>
+          <a:prstGeom prst="rect">
+            <a:avLst/>
+          </a:prstGeom>
+          <a:noFill/>
+          <a:scene3d>
+            <a:camera prst="obliqueTopLeft"/>
+            <a:lightRig rig="threePt" dir="t"/>
+          </a:scene3d>
+        </p:spPr>
+        <p:txBody>
+          <a:bodyPr wrap="square" rtlCol="0">
+            <a:spAutoFit/>
+          </a:bodyPr>
+          <a:lstStyle/>
+          <a:p>
+            <a:pPr marL="342900" indent="-342900">
+              <a:lnSpc>
+                <a:spcPct val="150000"/>
+              </a:lnSpc>
+              <a:buFontTx/>
+              <a:buChar char="-"/>
+            </a:pPr>
+            <a:r>
+              <a:rPr lang="ko-KR" altLang="en-US" sz="2000" spc="-200" dirty="0">
+                <a:solidFill>
+                  <a:schemeClr val="tx1">
+                    <a:lumMod val="65000"/>
+                    <a:lumOff val="35000"/>
+                  </a:schemeClr>
+                </a:solidFill>
+                <a:latin typeface="나눔스퀘어 Bold" panose="020B0600000101010101" pitchFamily="50" charset="-127"/>
+                <a:ea typeface="나눔스퀘어 Bold" panose="020B0600000101010101" pitchFamily="50" charset="-127"/>
+              </a:rPr>
+              <a:t>주요 과정</a:t>
+            </a:r>
+            <a:endParaRPr lang="en-US" altLang="ko-KR" sz="2000" spc="-200" dirty="0">
+              <a:solidFill>
+                <a:schemeClr val="tx1">
+                  <a:lumMod val="65000"/>
+                  <a:lumOff val="35000"/>
+                </a:schemeClr>
+              </a:solidFill>
+              <a:latin typeface="나눔스퀘어 Bold" panose="020B0600000101010101" pitchFamily="50" charset="-127"/>
+              <a:ea typeface="나눔스퀘어 Bold" panose="020B0600000101010101" pitchFamily="50" charset="-127"/>
+            </a:endParaRPr>
+          </a:p>
+          <a:p>
+            <a:pPr marL="342900" indent="-342900">
+              <a:lnSpc>
+                <a:spcPct val="150000"/>
+              </a:lnSpc>
+              <a:buFontTx/>
+              <a:buChar char="-"/>
+            </a:pPr>
+            <a:r>
+              <a:rPr lang="ko-KR" altLang="en-US" sz="2000" spc="-200" dirty="0">
+                <a:solidFill>
+                  <a:schemeClr val="tx1">
+                    <a:lumMod val="65000"/>
+                    <a:lumOff val="35000"/>
+                  </a:schemeClr>
+                </a:solidFill>
+                <a:latin typeface="나눔스퀘어 Bold" panose="020B0600000101010101" pitchFamily="50" charset="-127"/>
+                <a:ea typeface="나눔스퀘어 Bold" panose="020B0600000101010101" pitchFamily="50" charset="-127"/>
+              </a:rPr>
+              <a:t>분석 절차</a:t>
+            </a:r>
+            <a:endParaRPr lang="en-US" altLang="ko-KR" sz="2000" spc="-200" dirty="0">
+              <a:solidFill>
+                <a:schemeClr val="tx1">
+                  <a:lumMod val="65000"/>
+                  <a:lumOff val="35000"/>
+                </a:schemeClr>
+              </a:solidFill>
+              <a:latin typeface="나눔스퀘어 Bold" panose="020B0600000101010101" pitchFamily="50" charset="-127"/>
+              <a:ea typeface="나눔스퀘어 Bold" panose="020B0600000101010101" pitchFamily="50" charset="-127"/>
+            </a:endParaRPr>
+          </a:p>
+        </p:txBody>
+      </p:sp>
+      <p:sp>
+        <p:nvSpPr>
+          <p:cNvPr id="5" name="TextBox 4">
+            <a:extLst>
+              <a:ext uri="{FF2B5EF4-FFF2-40B4-BE49-F238E27FC236}">
+                <a16:creationId xmlns:a16="http://schemas.microsoft.com/office/drawing/2014/main" id="{7CF166F2-D43B-4D35-AED5-DDFCB8BBA792}"/>
+              </a:ext>
+            </a:extLst>
+          </p:cNvPr>
+          <p:cNvSpPr txBox="1"/>
+          <p:nvPr/>
+        </p:nvSpPr>
+        <p:spPr>
+          <a:xfrm>
+            <a:off x="4186501" y="2771424"/>
+            <a:ext cx="6539558" cy="574773"/>
+          </a:xfrm>
+          <a:prstGeom prst="rect">
+            <a:avLst/>
+          </a:prstGeom>
+          <a:noFill/>
+          <a:scene3d>
+            <a:camera prst="obliqueTopLeft"/>
+            <a:lightRig rig="threePt" dir="t"/>
+          </a:scene3d>
+        </p:spPr>
+        <p:txBody>
+          <a:bodyPr wrap="square" rtlCol="0">
+            <a:spAutoFit/>
+          </a:bodyPr>
+          <a:lstStyle>
+            <a:defPPr>
+              <a:defRPr lang="ko-KR"/>
+            </a:defPPr>
+            <a:lvl1pPr>
+              <a:defRPr sz="3200" b="1" spc="-200">
+                <a:solidFill>
+                  <a:srgbClr val="EA382A"/>
+                </a:solidFill>
+                <a:latin typeface="나눔스퀘어 ExtraBold" panose="020B0600000101010101" pitchFamily="50" charset="-127"/>
+                <a:ea typeface="나눔스퀘어 ExtraBold" panose="020B0600000101010101" pitchFamily="50" charset="-127"/>
+              </a:defRPr>
+            </a:lvl1pPr>
+          </a:lstStyle>
+          <a:p>
+            <a:pPr>
+              <a:lnSpc>
+                <a:spcPct val="130000"/>
+              </a:lnSpc>
+            </a:pPr>
+            <a:r>
+              <a:rPr lang="ko-KR" altLang="en-US" sz="2600" dirty="0">
+                <a:solidFill>
+                  <a:schemeClr val="tx1"/>
+                </a:solidFill>
+              </a:rPr>
+              <a:t>네트워크 분석</a:t>
+            </a:r>
+            <a:endParaRPr lang="en-US" altLang="ko-KR" sz="2600" b="0" dirty="0">
+              <a:solidFill>
+                <a:schemeClr val="tx1"/>
+              </a:solidFill>
+              <a:latin typeface="나눔스퀘어 ExtraBold" panose="020B0600000101010101" pitchFamily="50" charset="-127"/>
+              <a:ea typeface="나눔스퀘어 ExtraBold" panose="020B0600000101010101" pitchFamily="50" charset="-127"/>
+            </a:endParaRPr>
+          </a:p>
+        </p:txBody>
+      </p:sp>
+      <p:sp>
+        <p:nvSpPr>
+          <p:cNvPr id="6" name="TextBox 5">
+            <a:extLst>
+              <a:ext uri="{FF2B5EF4-FFF2-40B4-BE49-F238E27FC236}">
+                <a16:creationId xmlns:a16="http://schemas.microsoft.com/office/drawing/2014/main" id="{D1E0C15C-32BF-426A-B66A-9AC511C7B9DA}"/>
+              </a:ext>
+            </a:extLst>
+          </p:cNvPr>
+          <p:cNvSpPr txBox="1"/>
+          <p:nvPr/>
+        </p:nvSpPr>
+        <p:spPr>
+          <a:xfrm>
+            <a:off x="3500323" y="2798058"/>
+            <a:ext cx="957834" cy="630942"/>
+          </a:xfrm>
+          <a:prstGeom prst="rect">
+            <a:avLst/>
+          </a:prstGeom>
+          <a:noFill/>
+        </p:spPr>
+        <p:txBody>
+          <a:bodyPr wrap="square">
+            <a:spAutoFit/>
+          </a:bodyPr>
+          <a:lstStyle/>
+          <a:p>
+            <a:r>
+              <a:rPr lang="en-US" altLang="ko-KR" sz="3500" dirty="0">
+                <a:solidFill>
+                  <a:schemeClr val="accent5">
+                    <a:lumMod val="75000"/>
+                  </a:schemeClr>
+                </a:solidFill>
+                <a:latin typeface="나눔스퀘어 ExtraBold" panose="020B0600000101010101" pitchFamily="50" charset="-127"/>
+                <a:ea typeface="나눔스퀘어 ExtraBold" panose="020B0600000101010101" pitchFamily="50" charset="-127"/>
+              </a:rPr>
+              <a:t>03</a:t>
+            </a:r>
+            <a:endParaRPr lang="ko-KR" altLang="en-US" sz="3500" dirty="0">
+              <a:solidFill>
+                <a:schemeClr val="accent5">
+                  <a:lumMod val="75000"/>
+                </a:schemeClr>
+              </a:solidFill>
+              <a:latin typeface="나눔스퀘어 ExtraBold" panose="020B0600000101010101" pitchFamily="50" charset="-127"/>
+              <a:ea typeface="나눔스퀘어 ExtraBold" panose="020B0600000101010101" pitchFamily="50" charset="-127"/>
+            </a:endParaRPr>
+          </a:p>
+        </p:txBody>
+      </p:sp>
+    </p:spTree>
+    <p:extLst>
+      <p:ext uri="{BB962C8B-B14F-4D97-AF65-F5344CB8AC3E}">
+        <p14:creationId xmlns:p14="http://schemas.microsoft.com/office/powerpoint/2010/main" val="3155705054"/>
+      </p:ext>
+    </p:extLst>
+  </p:cSld>
+  <p:clrMapOvr>
+    <a:masterClrMapping/>
+  </p:clrMapOvr>
+</p:sld>
+</file>
+
+<file path=ppt/slides/slide12.xml><?xml version="1.0" encoding="utf-8"?>
+<p:sld xmlns:a="http://schemas.openxmlformats.org/drawingml/2006/main" xmlns:r="http://schemas.openxmlformats.org/officeDocument/2006/relationships" xmlns:p="http://schemas.openxmlformats.org/presentationml/2006/main">
+  <p:cSld>
+    <p:spTree>
+      <p:nvGrpSpPr>
+        <p:cNvPr id="1" name=""/>
+        <p:cNvGrpSpPr/>
+        <p:nvPr/>
+      </p:nvGrpSpPr>
+      <p:grpSpPr>
+        <a:xfrm>
+          <a:off x="0" y="0"/>
+          <a:ext cx="0" cy="0"/>
+          <a:chOff x="0" y="0"/>
+          <a:chExt cx="0" cy="0"/>
+        </a:xfrm>
+      </p:grpSpPr>
+      <p:sp>
+        <p:nvSpPr>
           <p:cNvPr id="6" name="직사각형 5">
             <a:extLst>
               <a:ext uri="{FF2B5EF4-FFF2-40B4-BE49-F238E27FC236}">
@@ -4427,7 +5772,7 @@
                 <a:latin typeface="+mj-ea"/>
                 <a:ea typeface="+mj-ea"/>
               </a:rPr>
-              <a:t>06</a:t>
+              <a:t>03</a:t>
             </a:r>
             <a:endParaRPr lang="ko-KR" altLang="en-US" sz="2000" b="1" dirty="0">
               <a:solidFill>
@@ -4472,13 +5817,13 @@
           <a:lstStyle/>
           <a:p>
             <a:r>
-              <a:rPr lang="ko-KR" altLang="en-US" b="1" spc="-150" dirty="0">
+              <a:rPr lang="ko-KR" altLang="en-US" spc="-150" dirty="0">
                 <a:latin typeface="나눔스퀘어 ExtraBold" panose="020B0600000101010101" pitchFamily="50" charset="-127"/>
                 <a:ea typeface="나눔스퀘어 ExtraBold" panose="020B0600000101010101" pitchFamily="50" charset="-127"/>
               </a:rPr>
-              <a:t>참고문헌</a:t>
-            </a:r>
-            <a:endParaRPr lang="en-US" altLang="ko-KR" b="1" spc="-150" dirty="0">
+              <a:t>네트워크 분석</a:t>
+            </a:r>
+            <a:endParaRPr lang="en-US" altLang="ko-KR" spc="-150" dirty="0">
               <a:latin typeface="나눔스퀘어 ExtraBold" panose="020B0600000101010101" pitchFamily="50" charset="-127"/>
               <a:ea typeface="나눔스퀘어 ExtraBold" panose="020B0600000101010101" pitchFamily="50" charset="-127"/>
             </a:endParaRPr>
@@ -4487,10 +5832,64 @@
       </p:sp>
       <p:sp>
         <p:nvSpPr>
-          <p:cNvPr id="9" name="Google Shape;102;p2">
+          <p:cNvPr id="20" name="직사각형 19">
             <a:extLst>
               <a:ext uri="{FF2B5EF4-FFF2-40B4-BE49-F238E27FC236}">
-                <a16:creationId xmlns:a16="http://schemas.microsoft.com/office/drawing/2014/main" id="{165CEA88-9C25-4EF8-A8BA-D6424FAE28CA}"/>
+                <a16:creationId xmlns:a16="http://schemas.microsoft.com/office/drawing/2014/main" id="{FAEBA3CA-307F-4EE5-BB54-D41C7CC69598}"/>
+              </a:ext>
+            </a:extLst>
+          </p:cNvPr>
+          <p:cNvSpPr/>
+          <p:nvPr/>
+        </p:nvSpPr>
+        <p:spPr>
+          <a:xfrm rot="16200000">
+            <a:off x="249220" y="1229249"/>
+            <a:ext cx="360000" cy="54000"/>
+          </a:xfrm>
+          <a:prstGeom prst="rect">
+            <a:avLst/>
+          </a:prstGeom>
+          <a:solidFill>
+            <a:schemeClr val="accent5">
+              <a:lumMod val="75000"/>
+            </a:schemeClr>
+          </a:solidFill>
+          <a:ln>
+            <a:noFill/>
+          </a:ln>
+        </p:spPr>
+        <p:style>
+          <a:lnRef idx="2">
+            <a:schemeClr val="accent1">
+              <a:shade val="50000"/>
+            </a:schemeClr>
+          </a:lnRef>
+          <a:fillRef idx="1">
+            <a:schemeClr val="accent1"/>
+          </a:fillRef>
+          <a:effectRef idx="0">
+            <a:schemeClr val="accent1"/>
+          </a:effectRef>
+          <a:fontRef idx="minor">
+            <a:schemeClr val="lt1"/>
+          </a:fontRef>
+        </p:style>
+        <p:txBody>
+          <a:bodyPr rtlCol="0" anchor="ctr"/>
+          <a:lstStyle/>
+          <a:p>
+            <a:pPr algn="ctr"/>
+            <a:endParaRPr lang="ko-KR" altLang="en-US"/>
+          </a:p>
+        </p:txBody>
+      </p:sp>
+      <p:sp>
+        <p:nvSpPr>
+          <p:cNvPr id="21" name="TextBox 20">
+            <a:extLst>
+              <a:ext uri="{FF2B5EF4-FFF2-40B4-BE49-F238E27FC236}">
+                <a16:creationId xmlns:a16="http://schemas.microsoft.com/office/drawing/2014/main" id="{C4B2761F-9B53-4255-865D-DDAAFE3E265B}"/>
               </a:ext>
             </a:extLst>
           </p:cNvPr>
@@ -4499,94 +5898,2578 @@
         </p:nvSpPr>
         <p:spPr>
           <a:xfrm>
-            <a:off x="670549" y="966456"/>
-            <a:ext cx="10632451" cy="1714275"/>
+            <a:off x="463086" y="974959"/>
+            <a:ext cx="7106638" cy="512961"/>
           </a:xfrm>
           <a:prstGeom prst="rect">
             <a:avLst/>
           </a:prstGeom>
           <a:noFill/>
+        </p:spPr>
+        <p:txBody>
+          <a:bodyPr wrap="square">
+            <a:spAutoFit/>
+          </a:bodyPr>
+          <a:lstStyle/>
+          <a:p>
+            <a:pPr>
+              <a:lnSpc>
+                <a:spcPct val="150000"/>
+              </a:lnSpc>
+            </a:pPr>
+            <a:r>
+              <a:rPr lang="ko-KR" altLang="en-US" sz="2000" spc="-100" dirty="0">
+                <a:ln>
+                  <a:solidFill>
+                    <a:schemeClr val="accent1">
+                      <a:alpha val="0"/>
+                    </a:schemeClr>
+                  </a:solidFill>
+                </a:ln>
+                <a:solidFill>
+                  <a:schemeClr val="tx1">
+                    <a:lumMod val="85000"/>
+                    <a:lumOff val="15000"/>
+                  </a:schemeClr>
+                </a:solidFill>
+                <a:latin typeface="나눔스퀘어_ac ExtraBold" panose="020B0600000101010101" pitchFamily="50" charset="-127"/>
+                <a:ea typeface="나눔스퀘어_ac ExtraBold" panose="020B0600000101010101" pitchFamily="50" charset="-127"/>
+              </a:rPr>
+              <a:t>주요 과정</a:t>
+            </a:r>
+            <a:endParaRPr lang="en-US" altLang="ko-KR" sz="2000" spc="-100" dirty="0">
+              <a:ln>
+                <a:solidFill>
+                  <a:schemeClr val="accent1">
+                    <a:alpha val="0"/>
+                  </a:schemeClr>
+                </a:solidFill>
+              </a:ln>
+              <a:solidFill>
+                <a:schemeClr val="tx1">
+                  <a:lumMod val="85000"/>
+                  <a:lumOff val="15000"/>
+                </a:schemeClr>
+              </a:solidFill>
+              <a:latin typeface="나눔스퀘어_ac ExtraBold" panose="020B0600000101010101" pitchFamily="50" charset="-127"/>
+              <a:ea typeface="나눔스퀘어_ac ExtraBold" panose="020B0600000101010101" pitchFamily="50" charset="-127"/>
+            </a:endParaRPr>
+          </a:p>
+        </p:txBody>
+      </p:sp>
+      <p:sp>
+        <p:nvSpPr>
+          <p:cNvPr id="10" name="TextBox 9">
+            <a:extLst>
+              <a:ext uri="{FF2B5EF4-FFF2-40B4-BE49-F238E27FC236}">
+                <a16:creationId xmlns:a16="http://schemas.microsoft.com/office/drawing/2014/main" id="{A861B075-E2D1-460A-94EB-C4323D9AADE5}"/>
+              </a:ext>
+            </a:extLst>
+          </p:cNvPr>
+          <p:cNvSpPr txBox="1"/>
+          <p:nvPr/>
+        </p:nvSpPr>
+        <p:spPr>
+          <a:xfrm>
+            <a:off x="498981" y="1633246"/>
+            <a:ext cx="11264394" cy="381836"/>
+          </a:xfrm>
+          <a:prstGeom prst="rect">
+            <a:avLst/>
+          </a:prstGeom>
+          <a:noFill/>
+        </p:spPr>
+        <p:txBody>
+          <a:bodyPr wrap="square">
+            <a:spAutoFit/>
+          </a:bodyPr>
+          <a:lstStyle/>
+          <a:p>
+            <a:pPr marL="285750" indent="-285750">
+              <a:lnSpc>
+                <a:spcPct val="130000"/>
+              </a:lnSpc>
+              <a:buFont typeface="Wingdings" panose="05000000000000000000" pitchFamily="2" charset="2"/>
+              <a:buChar char="§"/>
+            </a:pPr>
+            <a:r>
+              <a:rPr lang="ko-KR" altLang="en-US" sz="1560" dirty="0" err="1">
+                <a:latin typeface="나눔스퀘어" panose="020B0600000101010101" pitchFamily="50" charset="-127"/>
+                <a:ea typeface="나눔스퀘어" panose="020B0600000101010101" pitchFamily="50" charset="-127"/>
+              </a:rPr>
+              <a:t>전처리</a:t>
+            </a:r>
+            <a:r>
+              <a:rPr lang="ko-KR" altLang="en-US" sz="1560" dirty="0">
+                <a:latin typeface="나눔스퀘어" panose="020B0600000101010101" pitchFamily="50" charset="-127"/>
+                <a:ea typeface="나눔스퀘어" panose="020B0600000101010101" pitchFamily="50" charset="-127"/>
+              </a:rPr>
+              <a:t> 단계 종료 후 생성된 </a:t>
+            </a:r>
+            <a:r>
+              <a:rPr lang="en-US" altLang="ko-KR" sz="1560" dirty="0">
+                <a:latin typeface="나눔스퀘어" panose="020B0600000101010101" pitchFamily="50" charset="-127"/>
+                <a:ea typeface="나눔스퀘어" panose="020B0600000101010101" pitchFamily="50" charset="-127"/>
+              </a:rPr>
+              <a:t>Co occurrence Matrix</a:t>
+            </a:r>
+            <a:r>
+              <a:rPr lang="ko-KR" altLang="en-US" sz="1560" dirty="0">
+                <a:latin typeface="나눔스퀘어" panose="020B0600000101010101" pitchFamily="50" charset="-127"/>
+                <a:ea typeface="나눔스퀘어" panose="020B0600000101010101" pitchFamily="50" charset="-127"/>
+              </a:rPr>
+              <a:t>를 </a:t>
+            </a:r>
+            <a:r>
+              <a:rPr lang="en-US" altLang="ko-KR" sz="1560" dirty="0">
+                <a:latin typeface="나눔스퀘어" panose="020B0600000101010101" pitchFamily="50" charset="-127"/>
+                <a:ea typeface="나눔스퀘어" panose="020B0600000101010101" pitchFamily="50" charset="-127"/>
+              </a:rPr>
+              <a:t>Gephi</a:t>
+            </a:r>
+            <a:r>
+              <a:rPr lang="ko-KR" altLang="en-US" sz="1560" dirty="0">
+                <a:latin typeface="나눔스퀘어" panose="020B0600000101010101" pitchFamily="50" charset="-127"/>
+                <a:ea typeface="나눔스퀘어" panose="020B0600000101010101" pitchFamily="50" charset="-127"/>
+              </a:rPr>
+              <a:t>를 사용하여 </a:t>
+            </a:r>
+            <a:r>
+              <a:rPr lang="en-US" altLang="ko-KR" sz="1560" dirty="0">
+                <a:latin typeface="나눔스퀘어" panose="020B0600000101010101" pitchFamily="50" charset="-127"/>
+                <a:ea typeface="나눔스퀘어" panose="020B0600000101010101" pitchFamily="50" charset="-127"/>
+              </a:rPr>
+              <a:t>CPC Network</a:t>
+            </a:r>
+            <a:r>
+              <a:rPr lang="ko-KR" altLang="en-US" sz="1560" dirty="0">
+                <a:latin typeface="나눔스퀘어" panose="020B0600000101010101" pitchFamily="50" charset="-127"/>
+                <a:ea typeface="나눔스퀘어" panose="020B0600000101010101" pitchFamily="50" charset="-127"/>
+              </a:rPr>
+              <a:t>를 분석함</a:t>
+            </a:r>
+            <a:endParaRPr lang="en-US" altLang="ko-KR" sz="1560" dirty="0">
+              <a:latin typeface="나눔스퀘어" panose="020B0600000101010101" pitchFamily="50" charset="-127"/>
+              <a:ea typeface="나눔스퀘어" panose="020B0600000101010101" pitchFamily="50" charset="-127"/>
+            </a:endParaRPr>
+          </a:p>
+        </p:txBody>
+      </p:sp>
+      <p:sp>
+        <p:nvSpPr>
+          <p:cNvPr id="13" name="사각형: 둥근 모서리 12">
+            <a:extLst>
+              <a:ext uri="{FF2B5EF4-FFF2-40B4-BE49-F238E27FC236}">
+                <a16:creationId xmlns:a16="http://schemas.microsoft.com/office/drawing/2014/main" id="{D3DE0696-E7D8-4E3B-83B5-4DF65B3F0442}"/>
+              </a:ext>
+            </a:extLst>
+          </p:cNvPr>
+          <p:cNvSpPr/>
+          <p:nvPr/>
+        </p:nvSpPr>
+        <p:spPr>
+          <a:xfrm>
+            <a:off x="2450347" y="3557128"/>
+            <a:ext cx="1546259" cy="1191600"/>
+          </a:xfrm>
+          <a:prstGeom prst="roundRect">
+            <a:avLst/>
+          </a:prstGeom>
+          <a:solidFill>
+            <a:srgbClr val="0A1F62"/>
+          </a:solidFill>
           <a:ln>
             <a:noFill/>
           </a:ln>
         </p:spPr>
-        <p:txBody>
-          <a:bodyPr spcFirstLastPara="1" wrap="square" lIns="91425" tIns="45700" rIns="91425" bIns="45700" anchor="t" anchorCtr="0">
+        <p:style>
+          <a:lnRef idx="2">
+            <a:schemeClr val="accent5">
+              <a:shade val="50000"/>
+            </a:schemeClr>
+          </a:lnRef>
+          <a:fillRef idx="1">
+            <a:schemeClr val="accent5"/>
+          </a:fillRef>
+          <a:effectRef idx="0">
+            <a:schemeClr val="accent5"/>
+          </a:effectRef>
+          <a:fontRef idx="minor">
+            <a:schemeClr val="lt1"/>
+          </a:fontRef>
+        </p:style>
+        <p:txBody>
+          <a:bodyPr rtlCol="0" anchor="ctr"/>
+          <a:lstStyle/>
+          <a:p>
+            <a:pPr algn="ctr"/>
+            <a:r>
+              <a:rPr lang="en-US" altLang="ko-KR" sz="1400" dirty="0">
+                <a:latin typeface="나눔스퀘어 Bold" panose="020B0600000101010101" pitchFamily="50" charset="-127"/>
+                <a:ea typeface="나눔스퀘어 Bold" panose="020B0600000101010101" pitchFamily="50" charset="-127"/>
+              </a:rPr>
+              <a:t>Co occurrence Matrix</a:t>
+            </a:r>
+            <a:r>
+              <a:rPr lang="ko-KR" altLang="en-US" sz="1400" dirty="0">
+                <a:latin typeface="나눔스퀘어 Bold" panose="020B0600000101010101" pitchFamily="50" charset="-127"/>
+                <a:ea typeface="나눔스퀘어 Bold" panose="020B0600000101010101" pitchFamily="50" charset="-127"/>
+              </a:rPr>
+              <a:t>를 </a:t>
+            </a:r>
+            <a:r>
+              <a:rPr lang="en-US" altLang="ko-KR" sz="1400" dirty="0">
+                <a:latin typeface="나눔스퀘어 Bold" panose="020B0600000101010101" pitchFamily="50" charset="-127"/>
+                <a:ea typeface="나눔스퀘어 Bold" panose="020B0600000101010101" pitchFamily="50" charset="-127"/>
+              </a:rPr>
+              <a:t>Gephi</a:t>
+            </a:r>
+            <a:r>
+              <a:rPr lang="ko-KR" altLang="en-US" sz="1400" dirty="0">
+                <a:latin typeface="나눔스퀘어 Bold" panose="020B0600000101010101" pitchFamily="50" charset="-127"/>
+                <a:ea typeface="나눔스퀘어 Bold" panose="020B0600000101010101" pitchFamily="50" charset="-127"/>
+              </a:rPr>
+              <a:t>에 입력 </a:t>
+            </a:r>
+          </a:p>
+        </p:txBody>
+      </p:sp>
+      <p:sp>
+        <p:nvSpPr>
+          <p:cNvPr id="14" name="사각형: 둥근 모서리 13">
+            <a:extLst>
+              <a:ext uri="{FF2B5EF4-FFF2-40B4-BE49-F238E27FC236}">
+                <a16:creationId xmlns:a16="http://schemas.microsoft.com/office/drawing/2014/main" id="{F1E6DE85-3651-48DC-92FF-C9128E79E583}"/>
+              </a:ext>
+            </a:extLst>
+          </p:cNvPr>
+          <p:cNvSpPr/>
+          <p:nvPr/>
+        </p:nvSpPr>
+        <p:spPr>
+          <a:xfrm>
+            <a:off x="4975791" y="2259043"/>
+            <a:ext cx="1546259" cy="1191600"/>
+          </a:xfrm>
+          <a:prstGeom prst="roundRect">
+            <a:avLst/>
+          </a:prstGeom>
+          <a:solidFill>
+            <a:srgbClr val="0A1F62"/>
+          </a:solidFill>
+          <a:ln>
+            <a:noFill/>
+          </a:ln>
+        </p:spPr>
+        <p:style>
+          <a:lnRef idx="2">
+            <a:schemeClr val="accent5">
+              <a:shade val="50000"/>
+            </a:schemeClr>
+          </a:lnRef>
+          <a:fillRef idx="1">
+            <a:schemeClr val="accent5"/>
+          </a:fillRef>
+          <a:effectRef idx="0">
+            <a:schemeClr val="accent5"/>
+          </a:effectRef>
+          <a:fontRef idx="minor">
+            <a:schemeClr val="lt1"/>
+          </a:fontRef>
+        </p:style>
+        <p:txBody>
+          <a:bodyPr rtlCol="0" anchor="ctr"/>
+          <a:lstStyle/>
+          <a:p>
+            <a:pPr algn="ctr"/>
+            <a:r>
+              <a:rPr lang="ko-KR" altLang="en-US" sz="1600" dirty="0">
+                <a:latin typeface="나눔스퀘어 Bold" panose="020B0600000101010101" pitchFamily="50" charset="-127"/>
+                <a:ea typeface="나눔스퀘어 Bold" panose="020B0600000101010101" pitchFamily="50" charset="-127"/>
+              </a:rPr>
+              <a:t>데이터 가공</a:t>
+            </a:r>
+          </a:p>
+        </p:txBody>
+      </p:sp>
+      <p:sp>
+        <p:nvSpPr>
+          <p:cNvPr id="15" name="사각형: 둥근 모서리 14">
+            <a:extLst>
+              <a:ext uri="{FF2B5EF4-FFF2-40B4-BE49-F238E27FC236}">
+                <a16:creationId xmlns:a16="http://schemas.microsoft.com/office/drawing/2014/main" id="{B8B2F983-8029-4501-AE3D-834BB536815D}"/>
+              </a:ext>
+            </a:extLst>
+          </p:cNvPr>
+          <p:cNvSpPr/>
+          <p:nvPr/>
+        </p:nvSpPr>
+        <p:spPr>
+          <a:xfrm>
+            <a:off x="4975791" y="4691441"/>
+            <a:ext cx="1546259" cy="1191600"/>
+          </a:xfrm>
+          <a:prstGeom prst="roundRect">
+            <a:avLst/>
+          </a:prstGeom>
+          <a:solidFill>
+            <a:srgbClr val="0A1F62"/>
+          </a:solidFill>
+          <a:ln>
+            <a:noFill/>
+          </a:ln>
+        </p:spPr>
+        <p:style>
+          <a:lnRef idx="2">
+            <a:schemeClr val="accent5">
+              <a:shade val="50000"/>
+            </a:schemeClr>
+          </a:lnRef>
+          <a:fillRef idx="1">
+            <a:schemeClr val="accent5"/>
+          </a:fillRef>
+          <a:effectRef idx="0">
+            <a:schemeClr val="accent5"/>
+          </a:effectRef>
+          <a:fontRef idx="minor">
+            <a:schemeClr val="lt1"/>
+          </a:fontRef>
+        </p:style>
+        <p:txBody>
+          <a:bodyPr rtlCol="0" anchor="ctr"/>
+          <a:lstStyle/>
+          <a:p>
+            <a:pPr algn="ctr"/>
+            <a:r>
+              <a:rPr lang="ko-KR" altLang="en-US" sz="1600" dirty="0">
+                <a:latin typeface="나눔스퀘어 Bold" panose="020B0600000101010101" pitchFamily="50" charset="-127"/>
+                <a:ea typeface="나눔스퀘어 Bold" panose="020B0600000101010101" pitchFamily="50" charset="-127"/>
+              </a:rPr>
+              <a:t>클러스터 명칭 설정</a:t>
+            </a:r>
+          </a:p>
+        </p:txBody>
+      </p:sp>
+      <p:sp>
+        <p:nvSpPr>
+          <p:cNvPr id="17" name="사각형: 둥근 모서리 16">
+            <a:extLst>
+              <a:ext uri="{FF2B5EF4-FFF2-40B4-BE49-F238E27FC236}">
+                <a16:creationId xmlns:a16="http://schemas.microsoft.com/office/drawing/2014/main" id="{CB694A77-69D0-4406-AD7D-59504D5CAA64}"/>
+              </a:ext>
+            </a:extLst>
+          </p:cNvPr>
+          <p:cNvSpPr/>
+          <p:nvPr/>
+        </p:nvSpPr>
+        <p:spPr>
+          <a:xfrm>
+            <a:off x="7639143" y="3557128"/>
+            <a:ext cx="1546259" cy="1191600"/>
+          </a:xfrm>
+          <a:prstGeom prst="roundRect">
+            <a:avLst/>
+          </a:prstGeom>
+          <a:solidFill>
+            <a:srgbClr val="0A1F62"/>
+          </a:solidFill>
+          <a:ln>
+            <a:noFill/>
+          </a:ln>
+        </p:spPr>
+        <p:style>
+          <a:lnRef idx="2">
+            <a:schemeClr val="accent5">
+              <a:shade val="50000"/>
+            </a:schemeClr>
+          </a:lnRef>
+          <a:fillRef idx="1">
+            <a:schemeClr val="accent5"/>
+          </a:fillRef>
+          <a:effectRef idx="0">
+            <a:schemeClr val="accent5"/>
+          </a:effectRef>
+          <a:fontRef idx="minor">
+            <a:schemeClr val="lt1"/>
+          </a:fontRef>
+        </p:style>
+        <p:txBody>
+          <a:bodyPr rtlCol="0" anchor="ctr"/>
+          <a:lstStyle/>
+          <a:p>
+            <a:pPr algn="ctr"/>
+            <a:r>
+              <a:rPr lang="ko-KR" altLang="en-US" sz="1600" dirty="0">
+                <a:latin typeface="나눔스퀘어 Bold" panose="020B0600000101010101" pitchFamily="50" charset="-127"/>
+                <a:ea typeface="나눔스퀘어 Bold" panose="020B0600000101010101" pitchFamily="50" charset="-127"/>
+              </a:rPr>
+              <a:t>인사이트 도출</a:t>
+            </a:r>
+          </a:p>
+        </p:txBody>
+      </p:sp>
+      <p:sp>
+        <p:nvSpPr>
+          <p:cNvPr id="22" name="화살표: 오른쪽 21">
+            <a:extLst>
+              <a:ext uri="{FF2B5EF4-FFF2-40B4-BE49-F238E27FC236}">
+                <a16:creationId xmlns:a16="http://schemas.microsoft.com/office/drawing/2014/main" id="{5DDD20EE-247E-45A1-9752-D9DC16D66041}"/>
+              </a:ext>
+            </a:extLst>
+          </p:cNvPr>
+          <p:cNvSpPr/>
+          <p:nvPr/>
+        </p:nvSpPr>
+        <p:spPr>
+          <a:xfrm rot="2354633">
+            <a:off x="4320107" y="4977950"/>
+            <a:ext cx="333375" cy="333375"/>
+          </a:xfrm>
+          <a:prstGeom prst="rightArrow">
+            <a:avLst/>
+          </a:prstGeom>
+          <a:solidFill>
+            <a:srgbClr val="0A1F62"/>
+          </a:solidFill>
+          <a:ln>
+            <a:noFill/>
+          </a:ln>
+        </p:spPr>
+        <p:style>
+          <a:lnRef idx="2">
+            <a:schemeClr val="accent1">
+              <a:shade val="50000"/>
+            </a:schemeClr>
+          </a:lnRef>
+          <a:fillRef idx="1">
+            <a:schemeClr val="accent1"/>
+          </a:fillRef>
+          <a:effectRef idx="0">
+            <a:schemeClr val="accent1"/>
+          </a:effectRef>
+          <a:fontRef idx="minor">
+            <a:schemeClr val="lt1"/>
+          </a:fontRef>
+        </p:style>
+        <p:txBody>
+          <a:bodyPr rtlCol="0" anchor="ctr"/>
+          <a:lstStyle/>
+          <a:p>
+            <a:pPr algn="ctr"/>
+            <a:endParaRPr lang="ko-KR" altLang="en-US"/>
+          </a:p>
+        </p:txBody>
+      </p:sp>
+      <p:sp>
+        <p:nvSpPr>
+          <p:cNvPr id="23" name="화살표: 오른쪽 22">
+            <a:extLst>
+              <a:ext uri="{FF2B5EF4-FFF2-40B4-BE49-F238E27FC236}">
+                <a16:creationId xmlns:a16="http://schemas.microsoft.com/office/drawing/2014/main" id="{9D949CAA-EFEE-4A98-AA2B-DAE7582D29D3}"/>
+              </a:ext>
+            </a:extLst>
+          </p:cNvPr>
+          <p:cNvSpPr/>
+          <p:nvPr/>
+        </p:nvSpPr>
+        <p:spPr>
+          <a:xfrm rot="19087052">
+            <a:off x="4320106" y="2955797"/>
+            <a:ext cx="333375" cy="333375"/>
+          </a:xfrm>
+          <a:prstGeom prst="rightArrow">
+            <a:avLst/>
+          </a:prstGeom>
+          <a:solidFill>
+            <a:srgbClr val="0A1F62"/>
+          </a:solidFill>
+          <a:ln>
+            <a:noFill/>
+          </a:ln>
+        </p:spPr>
+        <p:style>
+          <a:lnRef idx="2">
+            <a:schemeClr val="accent1">
+              <a:shade val="50000"/>
+            </a:schemeClr>
+          </a:lnRef>
+          <a:fillRef idx="1">
+            <a:schemeClr val="accent1"/>
+          </a:fillRef>
+          <a:effectRef idx="0">
+            <a:schemeClr val="accent1"/>
+          </a:effectRef>
+          <a:fontRef idx="minor">
+            <a:schemeClr val="lt1"/>
+          </a:fontRef>
+        </p:style>
+        <p:txBody>
+          <a:bodyPr rtlCol="0" anchor="ctr"/>
+          <a:lstStyle/>
+          <a:p>
+            <a:pPr algn="ctr"/>
+            <a:endParaRPr lang="ko-KR" altLang="en-US"/>
+          </a:p>
+        </p:txBody>
+      </p:sp>
+      <p:sp>
+        <p:nvSpPr>
+          <p:cNvPr id="24" name="화살표: 오른쪽 23">
+            <a:extLst>
+              <a:ext uri="{FF2B5EF4-FFF2-40B4-BE49-F238E27FC236}">
+                <a16:creationId xmlns:a16="http://schemas.microsoft.com/office/drawing/2014/main" id="{C14976C1-57F8-480C-8AF8-0C1697A0C508}"/>
+              </a:ext>
+            </a:extLst>
+          </p:cNvPr>
+          <p:cNvSpPr/>
+          <p:nvPr/>
+        </p:nvSpPr>
+        <p:spPr>
+          <a:xfrm rot="2192200">
+            <a:off x="6952345" y="2949031"/>
+            <a:ext cx="333375" cy="333375"/>
+          </a:xfrm>
+          <a:prstGeom prst="rightArrow">
+            <a:avLst/>
+          </a:prstGeom>
+          <a:solidFill>
+            <a:srgbClr val="0A1F62"/>
+          </a:solidFill>
+          <a:ln>
+            <a:noFill/>
+          </a:ln>
+        </p:spPr>
+        <p:style>
+          <a:lnRef idx="2">
+            <a:schemeClr val="accent1">
+              <a:shade val="50000"/>
+            </a:schemeClr>
+          </a:lnRef>
+          <a:fillRef idx="1">
+            <a:schemeClr val="accent1"/>
+          </a:fillRef>
+          <a:effectRef idx="0">
+            <a:schemeClr val="accent1"/>
+          </a:effectRef>
+          <a:fontRef idx="minor">
+            <a:schemeClr val="lt1"/>
+          </a:fontRef>
+        </p:style>
+        <p:txBody>
+          <a:bodyPr rtlCol="0" anchor="ctr"/>
+          <a:lstStyle/>
+          <a:p>
+            <a:pPr algn="ctr"/>
+            <a:endParaRPr lang="ko-KR" altLang="en-US"/>
+          </a:p>
+        </p:txBody>
+      </p:sp>
+      <p:sp>
+        <p:nvSpPr>
+          <p:cNvPr id="29" name="화살표: 오른쪽 28">
+            <a:extLst>
+              <a:ext uri="{FF2B5EF4-FFF2-40B4-BE49-F238E27FC236}">
+                <a16:creationId xmlns:a16="http://schemas.microsoft.com/office/drawing/2014/main" id="{CAF15ACE-7B34-4A49-94C0-5FF904E76AB9}"/>
+              </a:ext>
+            </a:extLst>
+          </p:cNvPr>
+          <p:cNvSpPr/>
+          <p:nvPr/>
+        </p:nvSpPr>
+        <p:spPr>
+          <a:xfrm rot="19163713">
+            <a:off x="6954218" y="4937740"/>
+            <a:ext cx="333375" cy="333375"/>
+          </a:xfrm>
+          <a:prstGeom prst="rightArrow">
+            <a:avLst/>
+          </a:prstGeom>
+          <a:solidFill>
+            <a:srgbClr val="0A1F62"/>
+          </a:solidFill>
+          <a:ln>
+            <a:noFill/>
+          </a:ln>
+        </p:spPr>
+        <p:style>
+          <a:lnRef idx="2">
+            <a:schemeClr val="accent1">
+              <a:shade val="50000"/>
+            </a:schemeClr>
+          </a:lnRef>
+          <a:fillRef idx="1">
+            <a:schemeClr val="accent1"/>
+          </a:fillRef>
+          <a:effectRef idx="0">
+            <a:schemeClr val="accent1"/>
+          </a:effectRef>
+          <a:fontRef idx="minor">
+            <a:schemeClr val="lt1"/>
+          </a:fontRef>
+        </p:style>
+        <p:txBody>
+          <a:bodyPr rtlCol="0" anchor="ctr"/>
+          <a:lstStyle/>
+          <a:p>
+            <a:pPr algn="ctr"/>
+            <a:endParaRPr lang="ko-KR" altLang="en-US"/>
+          </a:p>
+        </p:txBody>
+      </p:sp>
+      <p:sp>
+        <p:nvSpPr>
+          <p:cNvPr id="30" name="TextBox 29">
+            <a:extLst>
+              <a:ext uri="{FF2B5EF4-FFF2-40B4-BE49-F238E27FC236}">
+                <a16:creationId xmlns:a16="http://schemas.microsoft.com/office/drawing/2014/main" id="{7120247D-61BD-4362-A7C1-60500FDA5396}"/>
+              </a:ext>
+            </a:extLst>
+          </p:cNvPr>
+          <p:cNvSpPr txBox="1"/>
+          <p:nvPr/>
+        </p:nvSpPr>
+        <p:spPr>
+          <a:xfrm>
+            <a:off x="5026049" y="6033611"/>
+            <a:ext cx="1621740" cy="523220"/>
+          </a:xfrm>
+          <a:prstGeom prst="rect">
+            <a:avLst/>
+          </a:prstGeom>
+          <a:noFill/>
+        </p:spPr>
+        <p:txBody>
+          <a:bodyPr wrap="square" rtlCol="0">
             <a:spAutoFit/>
           </a:bodyPr>
           <a:lstStyle/>
           <a:p>
+            <a:r>
+              <a:rPr lang="en-US" altLang="ko-KR" sz="1400" spc="-150" dirty="0">
+                <a:latin typeface="나눔스퀘어 Bold" panose="020B0600000101010101" pitchFamily="50" charset="-127"/>
+                <a:ea typeface="나눔스퀘어 Bold" panose="020B0600000101010101" pitchFamily="50" charset="-127"/>
+              </a:rPr>
+              <a:t>CPC  </a:t>
+            </a:r>
+            <a:r>
+              <a:rPr lang="ko-KR" altLang="en-US" sz="1400" spc="-150" dirty="0">
+                <a:latin typeface="나눔스퀘어 Bold" panose="020B0600000101010101" pitchFamily="50" charset="-127"/>
+                <a:ea typeface="나눔스퀘어 Bold" panose="020B0600000101010101" pitchFamily="50" charset="-127"/>
+              </a:rPr>
+              <a:t>분류표에 따른</a:t>
+            </a:r>
+            <a:endParaRPr lang="en-US" altLang="ko-KR" sz="1400" spc="-150" dirty="0">
+              <a:latin typeface="나눔스퀘어 Bold" panose="020B0600000101010101" pitchFamily="50" charset="-127"/>
+              <a:ea typeface="나눔스퀘어 Bold" panose="020B0600000101010101" pitchFamily="50" charset="-127"/>
+            </a:endParaRPr>
+          </a:p>
+          <a:p>
+            <a:r>
+              <a:rPr lang="ko-KR" altLang="en-US" sz="1400" spc="-150" dirty="0">
+                <a:latin typeface="나눔스퀘어 Bold" panose="020B0600000101010101" pitchFamily="50" charset="-127"/>
+                <a:ea typeface="나눔스퀘어 Bold" panose="020B0600000101010101" pitchFamily="50" charset="-127"/>
+              </a:rPr>
+              <a:t>클러스터명 설정</a:t>
+            </a:r>
+            <a:endParaRPr lang="en-US" altLang="ko-KR" sz="1400" spc="-150" dirty="0">
+              <a:latin typeface="나눔스퀘어 Bold" panose="020B0600000101010101" pitchFamily="50" charset="-127"/>
+              <a:ea typeface="나눔스퀘어 Bold" panose="020B0600000101010101" pitchFamily="50" charset="-127"/>
+            </a:endParaRPr>
+          </a:p>
+        </p:txBody>
+      </p:sp>
+      <p:sp>
+        <p:nvSpPr>
+          <p:cNvPr id="31" name="TextBox 30">
+            <a:extLst>
+              <a:ext uri="{FF2B5EF4-FFF2-40B4-BE49-F238E27FC236}">
+                <a16:creationId xmlns:a16="http://schemas.microsoft.com/office/drawing/2014/main" id="{A251507B-7828-4B38-B32A-867F92E0F83E}"/>
+              </a:ext>
+            </a:extLst>
+          </p:cNvPr>
+          <p:cNvSpPr txBox="1"/>
+          <p:nvPr/>
+        </p:nvSpPr>
+        <p:spPr>
+          <a:xfrm>
+            <a:off x="5007004" y="3592973"/>
+            <a:ext cx="1621740" cy="523220"/>
+          </a:xfrm>
+          <a:prstGeom prst="rect">
+            <a:avLst/>
+          </a:prstGeom>
+          <a:noFill/>
+        </p:spPr>
+        <p:txBody>
+          <a:bodyPr wrap="square" rtlCol="0">
+            <a:spAutoFit/>
+          </a:bodyPr>
+          <a:lstStyle/>
+          <a:p>
+            <a:r>
+              <a:rPr lang="ko-KR" altLang="en-US" sz="1400" spc="-150" dirty="0">
+                <a:latin typeface="나눔스퀘어 Bold" panose="020B0600000101010101" pitchFamily="50" charset="-127"/>
+                <a:ea typeface="나눔스퀘어 Bold" panose="020B0600000101010101" pitchFamily="50" charset="-127"/>
+              </a:rPr>
+              <a:t>불필요한 노드들을 </a:t>
+            </a:r>
+            <a:endParaRPr lang="en-US" altLang="ko-KR" sz="1400" spc="-150" dirty="0">
+              <a:latin typeface="나눔스퀘어 Bold" panose="020B0600000101010101" pitchFamily="50" charset="-127"/>
+              <a:ea typeface="나눔스퀘어 Bold" panose="020B0600000101010101" pitchFamily="50" charset="-127"/>
+            </a:endParaRPr>
+          </a:p>
+          <a:p>
+            <a:r>
+              <a:rPr lang="ko-KR" altLang="en-US" sz="1400" spc="-150" dirty="0">
+                <a:latin typeface="나눔스퀘어 Bold" panose="020B0600000101010101" pitchFamily="50" charset="-127"/>
+                <a:ea typeface="나눔스퀘어 Bold" panose="020B0600000101010101" pitchFamily="50" charset="-127"/>
+              </a:rPr>
+              <a:t>삭제하여 가시성 확보</a:t>
+            </a:r>
+            <a:endParaRPr lang="en-US" altLang="ko-KR" sz="1400" spc="-150" dirty="0">
+              <a:latin typeface="나눔스퀘어 Bold" panose="020B0600000101010101" pitchFamily="50" charset="-127"/>
+              <a:ea typeface="나눔스퀘어 Bold" panose="020B0600000101010101" pitchFamily="50" charset="-127"/>
+            </a:endParaRPr>
+          </a:p>
+        </p:txBody>
+      </p:sp>
+    </p:spTree>
+    <p:extLst>
+      <p:ext uri="{BB962C8B-B14F-4D97-AF65-F5344CB8AC3E}">
+        <p14:creationId xmlns:p14="http://schemas.microsoft.com/office/powerpoint/2010/main" val="3082682647"/>
+      </p:ext>
+    </p:extLst>
+  </p:cSld>
+  <p:clrMapOvr>
+    <a:masterClrMapping/>
+  </p:clrMapOvr>
+</p:sld>
+</file>
+
+<file path=ppt/slides/slide13.xml><?xml version="1.0" encoding="utf-8"?>
+<p:sld xmlns:a="http://schemas.openxmlformats.org/drawingml/2006/main" xmlns:r="http://schemas.openxmlformats.org/officeDocument/2006/relationships" xmlns:p="http://schemas.openxmlformats.org/presentationml/2006/main">
+  <p:cSld>
+    <p:spTree>
+      <p:nvGrpSpPr>
+        <p:cNvPr id="1" name=""/>
+        <p:cNvGrpSpPr/>
+        <p:nvPr/>
+      </p:nvGrpSpPr>
+      <p:grpSpPr>
+        <a:xfrm>
+          <a:off x="0" y="0"/>
+          <a:ext cx="0" cy="0"/>
+          <a:chOff x="0" y="0"/>
+          <a:chExt cx="0" cy="0"/>
+        </a:xfrm>
+      </p:grpSpPr>
+      <p:sp>
+        <p:nvSpPr>
+          <p:cNvPr id="6" name="직사각형 5">
+            <a:extLst>
+              <a:ext uri="{FF2B5EF4-FFF2-40B4-BE49-F238E27FC236}">
+                <a16:creationId xmlns:a16="http://schemas.microsoft.com/office/drawing/2014/main" id="{BDC502AC-7AC2-47BC-847A-9F104A28D9E0}"/>
+              </a:ext>
+            </a:extLst>
+          </p:cNvPr>
+          <p:cNvSpPr/>
+          <p:nvPr/>
+        </p:nvSpPr>
+        <p:spPr>
+          <a:xfrm>
+            <a:off x="882220" y="215073"/>
+            <a:ext cx="10980000" cy="52421"/>
+          </a:xfrm>
+          <a:prstGeom prst="rect">
+            <a:avLst/>
+          </a:prstGeom>
+          <a:solidFill>
+            <a:schemeClr val="accent5">
+              <a:lumMod val="75000"/>
+            </a:schemeClr>
+          </a:solidFill>
+          <a:ln>
+            <a:noFill/>
+          </a:ln>
+        </p:spPr>
+        <p:style>
+          <a:lnRef idx="2">
+            <a:schemeClr val="accent1">
+              <a:shade val="50000"/>
+            </a:schemeClr>
+          </a:lnRef>
+          <a:fillRef idx="1">
+            <a:schemeClr val="accent1"/>
+          </a:fillRef>
+          <a:effectRef idx="0">
+            <a:schemeClr val="accent1"/>
+          </a:effectRef>
+          <a:fontRef idx="minor">
+            <a:schemeClr val="lt1"/>
+          </a:fontRef>
+        </p:style>
+        <p:txBody>
+          <a:bodyPr rtlCol="0" anchor="ctr"/>
+          <a:lstStyle/>
+          <a:p>
+            <a:pPr algn="ctr"/>
+            <a:endParaRPr lang="ko-KR" altLang="en-US" sz="2800"/>
+          </a:p>
+        </p:txBody>
+      </p:sp>
+      <p:sp>
+        <p:nvSpPr>
+          <p:cNvPr id="7" name="직사각형 6">
+            <a:extLst>
+              <a:ext uri="{FF2B5EF4-FFF2-40B4-BE49-F238E27FC236}">
+                <a16:creationId xmlns:a16="http://schemas.microsoft.com/office/drawing/2014/main" id="{40B07F0E-6B61-4AC8-A90F-498542C26473}"/>
+              </a:ext>
+            </a:extLst>
+          </p:cNvPr>
+          <p:cNvSpPr/>
+          <p:nvPr/>
+        </p:nvSpPr>
+        <p:spPr>
+          <a:xfrm>
+            <a:off x="231744" y="215073"/>
+            <a:ext cx="540000" cy="540000"/>
+          </a:xfrm>
+          <a:prstGeom prst="rect">
+            <a:avLst/>
+          </a:prstGeom>
+          <a:solidFill>
+            <a:schemeClr val="accent5">
+              <a:lumMod val="75000"/>
+            </a:schemeClr>
+          </a:solidFill>
+          <a:ln>
+            <a:noFill/>
+          </a:ln>
+        </p:spPr>
+        <p:style>
+          <a:lnRef idx="2">
+            <a:schemeClr val="accent1">
+              <a:shade val="50000"/>
+            </a:schemeClr>
+          </a:lnRef>
+          <a:fillRef idx="1">
+            <a:schemeClr val="accent1"/>
+          </a:fillRef>
+          <a:effectRef idx="0">
+            <a:schemeClr val="accent1"/>
+          </a:effectRef>
+          <a:fontRef idx="minor">
+            <a:schemeClr val="lt1"/>
+          </a:fontRef>
+        </p:style>
+        <p:txBody>
+          <a:bodyPr rtlCol="0" anchor="ctr"/>
+          <a:lstStyle/>
+          <a:p>
+            <a:pPr algn="ctr"/>
+            <a:endParaRPr lang="ko-KR" altLang="en-US" sz="2800" dirty="0"/>
+          </a:p>
+        </p:txBody>
+      </p:sp>
+      <p:sp>
+        <p:nvSpPr>
+          <p:cNvPr id="8" name="TextBox 7">
+            <a:extLst>
+              <a:ext uri="{FF2B5EF4-FFF2-40B4-BE49-F238E27FC236}">
+                <a16:creationId xmlns:a16="http://schemas.microsoft.com/office/drawing/2014/main" id="{44DF7A44-7F11-4E0A-BF13-5A45F37F8653}"/>
+              </a:ext>
+            </a:extLst>
+          </p:cNvPr>
+          <p:cNvSpPr txBox="1"/>
+          <p:nvPr/>
+        </p:nvSpPr>
+        <p:spPr>
+          <a:xfrm>
+            <a:off x="165519" y="271708"/>
+            <a:ext cx="648072" cy="400110"/>
+          </a:xfrm>
+          <a:prstGeom prst="rect">
+            <a:avLst/>
+          </a:prstGeom>
+          <a:noFill/>
+          <a:scene3d>
+            <a:camera prst="obliqueTopLeft"/>
+            <a:lightRig rig="threePt" dir="t"/>
+          </a:scene3d>
+        </p:spPr>
+        <p:txBody>
+          <a:bodyPr wrap="square" rtlCol="0">
+            <a:spAutoFit/>
+          </a:bodyPr>
+          <a:lstStyle/>
+          <a:p>
+            <a:pPr algn="ctr"/>
+            <a:r>
+              <a:rPr lang="en-US" altLang="ko-KR" sz="2000" b="1" dirty="0">
+                <a:solidFill>
+                  <a:schemeClr val="bg1"/>
+                </a:solidFill>
+                <a:latin typeface="+mj-ea"/>
+                <a:ea typeface="+mj-ea"/>
+              </a:rPr>
+              <a:t>03</a:t>
+            </a:r>
+            <a:endParaRPr lang="ko-KR" altLang="en-US" sz="2000" b="1" dirty="0">
+              <a:solidFill>
+                <a:schemeClr val="bg1"/>
+              </a:solidFill>
+              <a:latin typeface="+mj-ea"/>
+              <a:ea typeface="+mj-ea"/>
+            </a:endParaRPr>
+          </a:p>
+        </p:txBody>
+      </p:sp>
+      <p:sp>
+        <p:nvSpPr>
+          <p:cNvPr id="11" name="TextBox 10">
+            <a:extLst>
+              <a:ext uri="{FF2B5EF4-FFF2-40B4-BE49-F238E27FC236}">
+                <a16:creationId xmlns:a16="http://schemas.microsoft.com/office/drawing/2014/main" id="{714C3D1B-324D-4C40-88A6-9C1B08C51DA0}"/>
+              </a:ext>
+            </a:extLst>
+          </p:cNvPr>
+          <p:cNvSpPr txBox="1"/>
+          <p:nvPr/>
+        </p:nvSpPr>
+        <p:spPr>
+          <a:xfrm>
+            <a:off x="819475" y="418460"/>
+            <a:ext cx="3539968" cy="369332"/>
+          </a:xfrm>
+          <a:prstGeom prst="rect">
+            <a:avLst/>
+          </a:prstGeom>
+          <a:noFill/>
+          <a:scene3d>
+            <a:camera prst="obliqueTopLeft"/>
+            <a:lightRig rig="threePt" dir="t"/>
+          </a:scene3d>
+        </p:spPr>
+        <p:txBody>
+          <a:bodyPr wrap="square" rtlCol="0">
+            <a:spAutoFit/>
+          </a:bodyPr>
+          <a:lstStyle/>
+          <a:p>
+            <a:r>
+              <a:rPr lang="ko-KR" altLang="en-US" spc="-150" dirty="0">
+                <a:latin typeface="나눔스퀘어 ExtraBold" panose="020B0600000101010101" pitchFamily="50" charset="-127"/>
+                <a:ea typeface="나눔스퀘어 ExtraBold" panose="020B0600000101010101" pitchFamily="50" charset="-127"/>
+              </a:rPr>
+              <a:t>네트워크 분석</a:t>
+            </a:r>
+            <a:endParaRPr lang="en-US" altLang="ko-KR" spc="-150" dirty="0">
+              <a:latin typeface="나눔스퀘어 ExtraBold" panose="020B0600000101010101" pitchFamily="50" charset="-127"/>
+              <a:ea typeface="나눔스퀘어 ExtraBold" panose="020B0600000101010101" pitchFamily="50" charset="-127"/>
+            </a:endParaRPr>
+          </a:p>
+        </p:txBody>
+      </p:sp>
+      <p:sp>
+        <p:nvSpPr>
+          <p:cNvPr id="20" name="직사각형 19">
+            <a:extLst>
+              <a:ext uri="{FF2B5EF4-FFF2-40B4-BE49-F238E27FC236}">
+                <a16:creationId xmlns:a16="http://schemas.microsoft.com/office/drawing/2014/main" id="{FAEBA3CA-307F-4EE5-BB54-D41C7CC69598}"/>
+              </a:ext>
+            </a:extLst>
+          </p:cNvPr>
+          <p:cNvSpPr/>
+          <p:nvPr/>
+        </p:nvSpPr>
+        <p:spPr>
+          <a:xfrm rot="16200000">
+            <a:off x="249220" y="1229249"/>
+            <a:ext cx="360000" cy="54000"/>
+          </a:xfrm>
+          <a:prstGeom prst="rect">
+            <a:avLst/>
+          </a:prstGeom>
+          <a:solidFill>
+            <a:schemeClr val="accent5">
+              <a:lumMod val="75000"/>
+            </a:schemeClr>
+          </a:solidFill>
+          <a:ln>
+            <a:noFill/>
+          </a:ln>
+        </p:spPr>
+        <p:style>
+          <a:lnRef idx="2">
+            <a:schemeClr val="accent1">
+              <a:shade val="50000"/>
+            </a:schemeClr>
+          </a:lnRef>
+          <a:fillRef idx="1">
+            <a:schemeClr val="accent1"/>
+          </a:fillRef>
+          <a:effectRef idx="0">
+            <a:schemeClr val="accent1"/>
+          </a:effectRef>
+          <a:fontRef idx="minor">
+            <a:schemeClr val="lt1"/>
+          </a:fontRef>
+        </p:style>
+        <p:txBody>
+          <a:bodyPr rtlCol="0" anchor="ctr"/>
+          <a:lstStyle/>
+          <a:p>
+            <a:pPr algn="ctr"/>
+            <a:endParaRPr lang="ko-KR" altLang="en-US"/>
+          </a:p>
+        </p:txBody>
+      </p:sp>
+      <p:sp>
+        <p:nvSpPr>
+          <p:cNvPr id="21" name="TextBox 20">
+            <a:extLst>
+              <a:ext uri="{FF2B5EF4-FFF2-40B4-BE49-F238E27FC236}">
+                <a16:creationId xmlns:a16="http://schemas.microsoft.com/office/drawing/2014/main" id="{C4B2761F-9B53-4255-865D-DDAAFE3E265B}"/>
+              </a:ext>
+            </a:extLst>
+          </p:cNvPr>
+          <p:cNvSpPr txBox="1"/>
+          <p:nvPr/>
+        </p:nvSpPr>
+        <p:spPr>
+          <a:xfrm>
+            <a:off x="463086" y="974959"/>
+            <a:ext cx="7106638" cy="512961"/>
+          </a:xfrm>
+          <a:prstGeom prst="rect">
+            <a:avLst/>
+          </a:prstGeom>
+          <a:noFill/>
+        </p:spPr>
+        <p:txBody>
+          <a:bodyPr wrap="square">
+            <a:spAutoFit/>
+          </a:bodyPr>
+          <a:lstStyle/>
+          <a:p>
             <a:pPr>
+              <a:lnSpc>
+                <a:spcPct val="150000"/>
+              </a:lnSpc>
+            </a:pPr>
+            <a:r>
+              <a:rPr lang="ko-KR" altLang="en-US" sz="2000" spc="-100" dirty="0">
+                <a:ln>
+                  <a:solidFill>
+                    <a:schemeClr val="accent1">
+                      <a:alpha val="0"/>
+                    </a:schemeClr>
+                  </a:solidFill>
+                </a:ln>
+                <a:solidFill>
+                  <a:schemeClr val="tx1">
+                    <a:lumMod val="85000"/>
+                    <a:lumOff val="15000"/>
+                  </a:schemeClr>
+                </a:solidFill>
+                <a:latin typeface="나눔스퀘어_ac ExtraBold" panose="020B0600000101010101" pitchFamily="50" charset="-127"/>
+                <a:ea typeface="나눔스퀘어_ac ExtraBold" panose="020B0600000101010101" pitchFamily="50" charset="-127"/>
+              </a:rPr>
+              <a:t>분석 절차</a:t>
+            </a:r>
+            <a:r>
+              <a:rPr lang="en-US" altLang="ko-KR" sz="2000" spc="-100" dirty="0">
+                <a:ln>
+                  <a:solidFill>
+                    <a:schemeClr val="accent1">
+                      <a:alpha val="0"/>
+                    </a:schemeClr>
+                  </a:solidFill>
+                </a:ln>
+                <a:solidFill>
+                  <a:schemeClr val="tx1">
+                    <a:lumMod val="85000"/>
+                    <a:lumOff val="15000"/>
+                  </a:schemeClr>
+                </a:solidFill>
+                <a:latin typeface="나눔스퀘어_ac ExtraBold" panose="020B0600000101010101" pitchFamily="50" charset="-127"/>
+                <a:ea typeface="나눔스퀘어_ac ExtraBold" panose="020B0600000101010101" pitchFamily="50" charset="-127"/>
+              </a:rPr>
+              <a:t>(1)</a:t>
+            </a:r>
+          </a:p>
+        </p:txBody>
+      </p:sp>
+      <p:sp>
+        <p:nvSpPr>
+          <p:cNvPr id="10" name="TextBox 9">
+            <a:extLst>
+              <a:ext uri="{FF2B5EF4-FFF2-40B4-BE49-F238E27FC236}">
+                <a16:creationId xmlns:a16="http://schemas.microsoft.com/office/drawing/2014/main" id="{A861B075-E2D1-460A-94EB-C4323D9AADE5}"/>
+              </a:ext>
+            </a:extLst>
+          </p:cNvPr>
+          <p:cNvSpPr txBox="1"/>
+          <p:nvPr/>
+        </p:nvSpPr>
+        <p:spPr>
+          <a:xfrm>
+            <a:off x="498981" y="1633246"/>
+            <a:ext cx="11264394" cy="693908"/>
+          </a:xfrm>
+          <a:prstGeom prst="rect">
+            <a:avLst/>
+          </a:prstGeom>
+          <a:noFill/>
+        </p:spPr>
+        <p:txBody>
+          <a:bodyPr wrap="square">
+            <a:spAutoFit/>
+          </a:bodyPr>
+          <a:lstStyle/>
+          <a:p>
+            <a:pPr marL="285750" indent="-285750">
               <a:lnSpc>
                 <a:spcPct val="130000"/>
               </a:lnSpc>
+              <a:buFont typeface="Wingdings" panose="05000000000000000000" pitchFamily="2" charset="2"/>
+              <a:buChar char="§"/>
             </a:pPr>
             <a:r>
-              <a:rPr lang="en-US" altLang="ko-KR" dirty="0">
-                <a:latin typeface="나눔스퀘어 ExtraBold" panose="020B0600000101010101" pitchFamily="50" charset="-127"/>
-                <a:ea typeface="나눔스퀘어 ExtraBold" panose="020B0600000101010101" pitchFamily="50" charset="-127"/>
-                <a:cs typeface="굴림" panose="020B0600000101010101" pitchFamily="50" charset="-127"/>
-              </a:rPr>
-              <a:t>Paper</a:t>
-            </a:r>
-            <a:endParaRPr lang="en-US" altLang="ko-KR" sz="1600" dirty="0">
-              <a:latin typeface="나눔스퀘어" panose="020B0600000101010101" pitchFamily="50" charset="-127"/>
-              <a:ea typeface="나눔스퀘어" panose="020B0600000101010101" pitchFamily="50" charset="-127"/>
-              <a:cs typeface="굴림" panose="020B0600000101010101" pitchFamily="50" charset="-127"/>
-            </a:endParaRPr>
-          </a:p>
-          <a:p>
-            <a:endParaRPr lang="en-US" altLang="ko-KR" sz="1600" dirty="0">
-              <a:solidFill>
-                <a:srgbClr val="222222"/>
-              </a:solidFill>
-              <a:latin typeface="나눔스퀘어 ExtraBold" panose="020B0600000101010101" pitchFamily="50" charset="-127"/>
-              <a:ea typeface="나눔스퀘어 ExtraBold" panose="020B0600000101010101" pitchFamily="50" charset="-127"/>
-              <a:cs typeface="굴림" panose="020B0600000101010101" pitchFamily="50" charset="-127"/>
-            </a:endParaRPr>
-          </a:p>
-          <a:p>
-            <a:endParaRPr lang="en-US" altLang="ko-KR" sz="1600" dirty="0">
-              <a:solidFill>
-                <a:srgbClr val="222222"/>
-              </a:solidFill>
-              <a:latin typeface="나눔스퀘어 ExtraBold" panose="020B0600000101010101" pitchFamily="50" charset="-127"/>
-              <a:ea typeface="나눔스퀘어 ExtraBold" panose="020B0600000101010101" pitchFamily="50" charset="-127"/>
-              <a:cs typeface="굴림" panose="020B0600000101010101" pitchFamily="50" charset="-127"/>
-            </a:endParaRPr>
-          </a:p>
-          <a:p>
-            <a:r>
-              <a:rPr lang="en-US" altLang="ko-KR" dirty="0">
-                <a:latin typeface="나눔스퀘어 ExtraBold" panose="020B0600000101010101" pitchFamily="50" charset="-127"/>
-                <a:ea typeface="나눔스퀘어 ExtraBold" panose="020B0600000101010101" pitchFamily="50" charset="-127"/>
-              </a:rPr>
-              <a:t>Reference</a:t>
-            </a:r>
-          </a:p>
-          <a:p>
-            <a:pPr marL="285750" indent="-285750">
-              <a:buFontTx/>
-              <a:buChar char="-"/>
-            </a:pPr>
-            <a:endParaRPr lang="ko-KR" altLang="en-US" sz="1600" dirty="0">
-              <a:solidFill>
-                <a:srgbClr val="222222"/>
-              </a:solidFill>
+              <a:rPr lang="ko-KR" altLang="en-US" sz="1560" dirty="0" err="1">
+                <a:latin typeface="나눔스퀘어" panose="020B0600000101010101" pitchFamily="50" charset="-127"/>
+                <a:ea typeface="나눔스퀘어" panose="020B0600000101010101" pitchFamily="50" charset="-127"/>
+              </a:rPr>
+              <a:t>전처리</a:t>
+            </a:r>
+            <a:r>
+              <a:rPr lang="ko-KR" altLang="en-US" sz="1560" dirty="0">
+                <a:latin typeface="나눔스퀘어" panose="020B0600000101010101" pitchFamily="50" charset="-127"/>
+                <a:ea typeface="나눔스퀘어" panose="020B0600000101010101" pitchFamily="50" charset="-127"/>
+              </a:rPr>
+              <a:t> 단계 종료 후 생성된 </a:t>
+            </a:r>
+            <a:r>
+              <a:rPr lang="en-US" altLang="ko-KR" sz="1560" dirty="0">
+                <a:latin typeface="나눔스퀘어" panose="020B0600000101010101" pitchFamily="50" charset="-127"/>
+                <a:ea typeface="나눔스퀘어" panose="020B0600000101010101" pitchFamily="50" charset="-127"/>
+              </a:rPr>
+              <a:t>Co occurrence Matrix</a:t>
+            </a:r>
+            <a:r>
+              <a:rPr lang="ko-KR" altLang="en-US" sz="1560" dirty="0">
+                <a:latin typeface="나눔스퀘어" panose="020B0600000101010101" pitchFamily="50" charset="-127"/>
+                <a:ea typeface="나눔스퀘어" panose="020B0600000101010101" pitchFamily="50" charset="-127"/>
+              </a:rPr>
+              <a:t>를 </a:t>
+            </a:r>
+            <a:r>
+              <a:rPr lang="en-US" altLang="ko-KR" sz="1560" dirty="0">
+                <a:latin typeface="나눔스퀘어" panose="020B0600000101010101" pitchFamily="50" charset="-127"/>
+                <a:ea typeface="나눔스퀘어" panose="020B0600000101010101" pitchFamily="50" charset="-127"/>
+              </a:rPr>
+              <a:t>Gephi</a:t>
+            </a:r>
+            <a:r>
+              <a:rPr lang="ko-KR" altLang="en-US" sz="1560" dirty="0">
+                <a:latin typeface="나눔스퀘어" panose="020B0600000101010101" pitchFamily="50" charset="-127"/>
+                <a:ea typeface="나눔스퀘어" panose="020B0600000101010101" pitchFamily="50" charset="-127"/>
+              </a:rPr>
+              <a:t>를 사용하여 </a:t>
+            </a:r>
+            <a:r>
+              <a:rPr lang="en-US" altLang="ko-KR" sz="1560" dirty="0">
+                <a:latin typeface="나눔스퀘어" panose="020B0600000101010101" pitchFamily="50" charset="-127"/>
+                <a:ea typeface="나눔스퀘어" panose="020B0600000101010101" pitchFamily="50" charset="-127"/>
+              </a:rPr>
+              <a:t>CPC Network</a:t>
+            </a:r>
+            <a:r>
+              <a:rPr lang="ko-KR" altLang="en-US" sz="1560" dirty="0">
+                <a:latin typeface="나눔스퀘어" panose="020B0600000101010101" pitchFamily="50" charset="-127"/>
+                <a:ea typeface="나눔스퀘어" panose="020B0600000101010101" pitchFamily="50" charset="-127"/>
+              </a:rPr>
+              <a:t>를 분석</a:t>
+            </a:r>
+            <a:endParaRPr lang="en-US" altLang="ko-KR" sz="1560" dirty="0">
               <a:latin typeface="나눔스퀘어" panose="020B0600000101010101" pitchFamily="50" charset="-127"/>
               <a:ea typeface="나눔스퀘어" panose="020B0600000101010101" pitchFamily="50" charset="-127"/>
             </a:endParaRPr>
           </a:p>
           <a:p>
-            <a:pPr marL="285750" indent="-285750">
-              <a:buFontTx/>
-              <a:buChar char="-"/>
+            <a:pPr marL="742950" lvl="1" indent="-285750">
+              <a:lnSpc>
+                <a:spcPct val="130000"/>
+              </a:lnSpc>
+              <a:buFont typeface="Wingdings" panose="05000000000000000000" pitchFamily="2" charset="2"/>
+              <a:buChar char="§"/>
             </a:pPr>
-            <a:endParaRPr lang="en-US" altLang="ko-KR" sz="1600" dirty="0">
-              <a:effectLst/>
+            <a:r>
+              <a:rPr lang="en-US" altLang="ko-KR" sz="1560" dirty="0">
+                <a:latin typeface="나눔스퀘어" panose="020B0600000101010101" pitchFamily="50" charset="-127"/>
+                <a:ea typeface="나눔스퀘어" panose="020B0600000101010101" pitchFamily="50" charset="-127"/>
+              </a:rPr>
+              <a:t>Gephi</a:t>
+            </a:r>
+            <a:r>
+              <a:rPr lang="ko-KR" altLang="en-US" sz="1560" dirty="0">
+                <a:latin typeface="나눔스퀘어" panose="020B0600000101010101" pitchFamily="50" charset="-127"/>
+                <a:ea typeface="나눔스퀘어" panose="020B0600000101010101" pitchFamily="50" charset="-127"/>
+              </a:rPr>
+              <a:t>에 데이터를 입력한 뒤 </a:t>
+            </a:r>
+            <a:r>
+              <a:rPr lang="en-US" altLang="ko-KR" sz="1560" dirty="0">
+                <a:latin typeface="나눔스퀘어" panose="020B0600000101010101" pitchFamily="50" charset="-127"/>
+                <a:ea typeface="나눔스퀘어" panose="020B0600000101010101" pitchFamily="50" charset="-127"/>
+              </a:rPr>
+              <a:t>Color, Size </a:t>
+            </a:r>
+            <a:r>
+              <a:rPr lang="ko-KR" altLang="en-US" sz="1560" dirty="0">
+                <a:latin typeface="나눔스퀘어" panose="020B0600000101010101" pitchFamily="50" charset="-127"/>
+                <a:ea typeface="나눔스퀘어" panose="020B0600000101010101" pitchFamily="50" charset="-127"/>
+              </a:rPr>
+              <a:t>등의 </a:t>
+            </a:r>
+            <a:r>
+              <a:rPr lang="en-US" altLang="ko-KR" sz="1560" dirty="0">
+                <a:latin typeface="나눔스퀘어" panose="020B0600000101010101" pitchFamily="50" charset="-127"/>
+                <a:ea typeface="나눔스퀘어" panose="020B0600000101010101" pitchFamily="50" charset="-127"/>
+              </a:rPr>
+              <a:t>Parameter</a:t>
+            </a:r>
+            <a:r>
+              <a:rPr lang="ko-KR" altLang="en-US" sz="1560" dirty="0">
+                <a:latin typeface="나눔스퀘어" panose="020B0600000101010101" pitchFamily="50" charset="-127"/>
+                <a:ea typeface="나눔스퀘어" panose="020B0600000101010101" pitchFamily="50" charset="-127"/>
+              </a:rPr>
+              <a:t>를 설정하여 </a:t>
+            </a:r>
+            <a:r>
+              <a:rPr lang="en-US" altLang="ko-KR" sz="1560" dirty="0">
+                <a:latin typeface="나눔스퀘어" panose="020B0600000101010101" pitchFamily="50" charset="-127"/>
+                <a:ea typeface="나눔스퀘어" panose="020B0600000101010101" pitchFamily="50" charset="-127"/>
+              </a:rPr>
+              <a:t>Undirected Network Graph </a:t>
+            </a:r>
+            <a:r>
+              <a:rPr lang="ko-KR" altLang="en-US" sz="1560" dirty="0">
+                <a:latin typeface="나눔스퀘어" panose="020B0600000101010101" pitchFamily="50" charset="-127"/>
+                <a:ea typeface="나눔스퀘어" panose="020B0600000101010101" pitchFamily="50" charset="-127"/>
+              </a:rPr>
+              <a:t>이미지 생성</a:t>
+            </a:r>
+            <a:endParaRPr lang="en-US" altLang="ko-KR" sz="1560" dirty="0">
               <a:latin typeface="나눔스퀘어" panose="020B0600000101010101" pitchFamily="50" charset="-127"/>
               <a:ea typeface="나눔스퀘어" panose="020B0600000101010101" pitchFamily="50" charset="-127"/>
-              <a:cs typeface="굴림" panose="020B0600000101010101" pitchFamily="50" charset="-127"/>
+            </a:endParaRPr>
+          </a:p>
+        </p:txBody>
+      </p:sp>
+      <p:pic>
+        <p:nvPicPr>
+          <p:cNvPr id="4" name="그림 3">
+            <a:extLst>
+              <a:ext uri="{FF2B5EF4-FFF2-40B4-BE49-F238E27FC236}">
+                <a16:creationId xmlns:a16="http://schemas.microsoft.com/office/drawing/2014/main" id="{DA4536B7-5137-4D7A-A493-5CAFC04DF69B}"/>
+              </a:ext>
+            </a:extLst>
+          </p:cNvPr>
+          <p:cNvPicPr>
+            <a:picLocks noChangeAspect="1"/>
+          </p:cNvPicPr>
+          <p:nvPr/>
+        </p:nvPicPr>
+        <p:blipFill>
+          <a:blip r:embed="rId3">
+            <a:extLst>
+              <a:ext uri="{28A0092B-C50C-407E-A947-70E740481C1C}">
+                <a14:useLocalDpi xmlns:a14="http://schemas.microsoft.com/office/drawing/2010/main" val="0"/>
+              </a:ext>
+            </a:extLst>
+          </a:blip>
+          <a:stretch>
+            <a:fillRect/>
+          </a:stretch>
+        </p:blipFill>
+        <p:spPr>
+          <a:xfrm>
+            <a:off x="1341920" y="2472480"/>
+            <a:ext cx="4789258" cy="3275876"/>
+          </a:xfrm>
+          <a:prstGeom prst="rect">
+            <a:avLst/>
+          </a:prstGeom>
+        </p:spPr>
+      </p:pic>
+      <p:pic>
+        <p:nvPicPr>
+          <p:cNvPr id="9" name="그림 8">
+            <a:extLst>
+              <a:ext uri="{FF2B5EF4-FFF2-40B4-BE49-F238E27FC236}">
+                <a16:creationId xmlns:a16="http://schemas.microsoft.com/office/drawing/2014/main" id="{56E8084A-C038-4235-AF2B-E30EB4628E98}"/>
+              </a:ext>
+            </a:extLst>
+          </p:cNvPr>
+          <p:cNvPicPr>
+            <a:picLocks noChangeAspect="1"/>
+          </p:cNvPicPr>
+          <p:nvPr/>
+        </p:nvPicPr>
+        <p:blipFill>
+          <a:blip r:embed="rId4">
+            <a:extLst>
+              <a:ext uri="{28A0092B-C50C-407E-A947-70E740481C1C}">
+                <a14:useLocalDpi xmlns:a14="http://schemas.microsoft.com/office/drawing/2010/main" val="0"/>
+              </a:ext>
+            </a:extLst>
+          </a:blip>
+          <a:stretch>
+            <a:fillRect/>
+          </a:stretch>
+        </p:blipFill>
+        <p:spPr>
+          <a:xfrm>
+            <a:off x="7155649" y="2568034"/>
+            <a:ext cx="3516102" cy="3180322"/>
+          </a:xfrm>
+          <a:prstGeom prst="rect">
+            <a:avLst/>
+          </a:prstGeom>
+        </p:spPr>
+      </p:pic>
+      <p:sp>
+        <p:nvSpPr>
+          <p:cNvPr id="26" name="TextBox 25">
+            <a:extLst>
+              <a:ext uri="{FF2B5EF4-FFF2-40B4-BE49-F238E27FC236}">
+                <a16:creationId xmlns:a16="http://schemas.microsoft.com/office/drawing/2014/main" id="{1ACBAA44-F8E2-4F7B-9D52-7D380F01ABEC}"/>
+              </a:ext>
+            </a:extLst>
+          </p:cNvPr>
+          <p:cNvSpPr txBox="1"/>
+          <p:nvPr/>
+        </p:nvSpPr>
+        <p:spPr>
+          <a:xfrm>
+            <a:off x="2699603" y="5748356"/>
+            <a:ext cx="1939072" cy="523220"/>
+          </a:xfrm>
+          <a:prstGeom prst="rect">
+            <a:avLst/>
+          </a:prstGeom>
+          <a:noFill/>
+        </p:spPr>
+        <p:txBody>
+          <a:bodyPr wrap="square" rtlCol="0">
+            <a:spAutoFit/>
+          </a:bodyPr>
+          <a:lstStyle/>
+          <a:p>
+            <a:pPr algn="ctr"/>
+            <a:r>
+              <a:rPr lang="en-US" altLang="ko-KR" sz="1400" spc="-150" dirty="0">
+                <a:latin typeface="나눔스퀘어 Bold" panose="020B0600000101010101" pitchFamily="50" charset="-127"/>
+                <a:ea typeface="나눔스퀘어 Bold" panose="020B0600000101010101" pitchFamily="50" charset="-127"/>
+              </a:rPr>
+              <a:t>Keyword ‘Aerosol’ </a:t>
+            </a:r>
+            <a:r>
+              <a:rPr lang="ko-KR" altLang="en-US" sz="1400" spc="-150" dirty="0">
+                <a:latin typeface="나눔스퀘어 Bold" panose="020B0600000101010101" pitchFamily="50" charset="-127"/>
+                <a:ea typeface="나눔스퀘어 Bold" panose="020B0600000101010101" pitchFamily="50" charset="-127"/>
+              </a:rPr>
+              <a:t>에 대한 </a:t>
+            </a:r>
+            <a:r>
+              <a:rPr lang="en-US" altLang="ko-KR" sz="1400" spc="-150" dirty="0">
+                <a:latin typeface="나눔스퀘어 Bold" panose="020B0600000101010101" pitchFamily="50" charset="-127"/>
+                <a:ea typeface="나눔스퀘어 Bold" panose="020B0600000101010101" pitchFamily="50" charset="-127"/>
+              </a:rPr>
+              <a:t>Network Graph</a:t>
+            </a:r>
+          </a:p>
+        </p:txBody>
+      </p:sp>
+      <p:sp>
+        <p:nvSpPr>
+          <p:cNvPr id="27" name="TextBox 26">
+            <a:extLst>
+              <a:ext uri="{FF2B5EF4-FFF2-40B4-BE49-F238E27FC236}">
+                <a16:creationId xmlns:a16="http://schemas.microsoft.com/office/drawing/2014/main" id="{D5FB6BD3-CD6F-4252-89A6-1FC1A5FEB70B}"/>
+              </a:ext>
+            </a:extLst>
+          </p:cNvPr>
+          <p:cNvSpPr txBox="1"/>
+          <p:nvPr/>
+        </p:nvSpPr>
+        <p:spPr>
+          <a:xfrm>
+            <a:off x="7944164" y="5748356"/>
+            <a:ext cx="1939072" cy="523220"/>
+          </a:xfrm>
+          <a:prstGeom prst="rect">
+            <a:avLst/>
+          </a:prstGeom>
+          <a:noFill/>
+        </p:spPr>
+        <p:txBody>
+          <a:bodyPr wrap="square" rtlCol="0">
+            <a:spAutoFit/>
+          </a:bodyPr>
+          <a:lstStyle/>
+          <a:p>
+            <a:pPr algn="ctr"/>
+            <a:r>
+              <a:rPr lang="en-US" altLang="ko-KR" sz="1400" spc="-150" dirty="0">
+                <a:latin typeface="나눔스퀘어 Bold" panose="020B0600000101010101" pitchFamily="50" charset="-127"/>
+                <a:ea typeface="나눔스퀘어 Bold" panose="020B0600000101010101" pitchFamily="50" charset="-127"/>
+              </a:rPr>
+              <a:t>Keyword ‘Aramid’ </a:t>
+            </a:r>
+            <a:r>
+              <a:rPr lang="ko-KR" altLang="en-US" sz="1400" spc="-150" dirty="0">
+                <a:latin typeface="나눔스퀘어 Bold" panose="020B0600000101010101" pitchFamily="50" charset="-127"/>
+                <a:ea typeface="나눔스퀘어 Bold" panose="020B0600000101010101" pitchFamily="50" charset="-127"/>
+              </a:rPr>
+              <a:t>에 대한 </a:t>
+            </a:r>
+            <a:r>
+              <a:rPr lang="en-US" altLang="ko-KR" sz="1400" spc="-150" dirty="0">
+                <a:latin typeface="나눔스퀘어 Bold" panose="020B0600000101010101" pitchFamily="50" charset="-127"/>
+                <a:ea typeface="나눔스퀘어 Bold" panose="020B0600000101010101" pitchFamily="50" charset="-127"/>
+              </a:rPr>
+              <a:t>Network Graph</a:t>
+            </a:r>
+          </a:p>
+        </p:txBody>
+      </p:sp>
+    </p:spTree>
+    <p:extLst>
+      <p:ext uri="{BB962C8B-B14F-4D97-AF65-F5344CB8AC3E}">
+        <p14:creationId xmlns:p14="http://schemas.microsoft.com/office/powerpoint/2010/main" val="2045642839"/>
+      </p:ext>
+    </p:extLst>
+  </p:cSld>
+  <p:clrMapOvr>
+    <a:masterClrMapping/>
+  </p:clrMapOvr>
+</p:sld>
+</file>
+
+<file path=ppt/slides/slide14.xml><?xml version="1.0" encoding="utf-8"?>
+<p:sld xmlns:a="http://schemas.openxmlformats.org/drawingml/2006/main" xmlns:r="http://schemas.openxmlformats.org/officeDocument/2006/relationships" xmlns:p="http://schemas.openxmlformats.org/presentationml/2006/main">
+  <p:cSld>
+    <p:spTree>
+      <p:nvGrpSpPr>
+        <p:cNvPr id="1" name=""/>
+        <p:cNvGrpSpPr/>
+        <p:nvPr/>
+      </p:nvGrpSpPr>
+      <p:grpSpPr>
+        <a:xfrm>
+          <a:off x="0" y="0"/>
+          <a:ext cx="0" cy="0"/>
+          <a:chOff x="0" y="0"/>
+          <a:chExt cx="0" cy="0"/>
+        </a:xfrm>
+      </p:grpSpPr>
+      <p:sp>
+        <p:nvSpPr>
+          <p:cNvPr id="6" name="직사각형 5">
+            <a:extLst>
+              <a:ext uri="{FF2B5EF4-FFF2-40B4-BE49-F238E27FC236}">
+                <a16:creationId xmlns:a16="http://schemas.microsoft.com/office/drawing/2014/main" id="{BDC502AC-7AC2-47BC-847A-9F104A28D9E0}"/>
+              </a:ext>
+            </a:extLst>
+          </p:cNvPr>
+          <p:cNvSpPr/>
+          <p:nvPr/>
+        </p:nvSpPr>
+        <p:spPr>
+          <a:xfrm>
+            <a:off x="882220" y="215073"/>
+            <a:ext cx="10980000" cy="52421"/>
+          </a:xfrm>
+          <a:prstGeom prst="rect">
+            <a:avLst/>
+          </a:prstGeom>
+          <a:solidFill>
+            <a:schemeClr val="accent5">
+              <a:lumMod val="75000"/>
+            </a:schemeClr>
+          </a:solidFill>
+          <a:ln>
+            <a:noFill/>
+          </a:ln>
+        </p:spPr>
+        <p:style>
+          <a:lnRef idx="2">
+            <a:schemeClr val="accent1">
+              <a:shade val="50000"/>
+            </a:schemeClr>
+          </a:lnRef>
+          <a:fillRef idx="1">
+            <a:schemeClr val="accent1"/>
+          </a:fillRef>
+          <a:effectRef idx="0">
+            <a:schemeClr val="accent1"/>
+          </a:effectRef>
+          <a:fontRef idx="minor">
+            <a:schemeClr val="lt1"/>
+          </a:fontRef>
+        </p:style>
+        <p:txBody>
+          <a:bodyPr rtlCol="0" anchor="ctr"/>
+          <a:lstStyle/>
+          <a:p>
+            <a:pPr algn="ctr"/>
+            <a:endParaRPr lang="ko-KR" altLang="en-US" sz="2800"/>
+          </a:p>
+        </p:txBody>
+      </p:sp>
+      <p:sp>
+        <p:nvSpPr>
+          <p:cNvPr id="7" name="직사각형 6">
+            <a:extLst>
+              <a:ext uri="{FF2B5EF4-FFF2-40B4-BE49-F238E27FC236}">
+                <a16:creationId xmlns:a16="http://schemas.microsoft.com/office/drawing/2014/main" id="{40B07F0E-6B61-4AC8-A90F-498542C26473}"/>
+              </a:ext>
+            </a:extLst>
+          </p:cNvPr>
+          <p:cNvSpPr/>
+          <p:nvPr/>
+        </p:nvSpPr>
+        <p:spPr>
+          <a:xfrm>
+            <a:off x="231744" y="215073"/>
+            <a:ext cx="540000" cy="540000"/>
+          </a:xfrm>
+          <a:prstGeom prst="rect">
+            <a:avLst/>
+          </a:prstGeom>
+          <a:solidFill>
+            <a:schemeClr val="accent5">
+              <a:lumMod val="75000"/>
+            </a:schemeClr>
+          </a:solidFill>
+          <a:ln>
+            <a:noFill/>
+          </a:ln>
+        </p:spPr>
+        <p:style>
+          <a:lnRef idx="2">
+            <a:schemeClr val="accent1">
+              <a:shade val="50000"/>
+            </a:schemeClr>
+          </a:lnRef>
+          <a:fillRef idx="1">
+            <a:schemeClr val="accent1"/>
+          </a:fillRef>
+          <a:effectRef idx="0">
+            <a:schemeClr val="accent1"/>
+          </a:effectRef>
+          <a:fontRef idx="minor">
+            <a:schemeClr val="lt1"/>
+          </a:fontRef>
+        </p:style>
+        <p:txBody>
+          <a:bodyPr rtlCol="0" anchor="ctr"/>
+          <a:lstStyle/>
+          <a:p>
+            <a:pPr algn="ctr"/>
+            <a:endParaRPr lang="ko-KR" altLang="en-US" sz="2800" dirty="0"/>
+          </a:p>
+        </p:txBody>
+      </p:sp>
+      <p:sp>
+        <p:nvSpPr>
+          <p:cNvPr id="8" name="TextBox 7">
+            <a:extLst>
+              <a:ext uri="{FF2B5EF4-FFF2-40B4-BE49-F238E27FC236}">
+                <a16:creationId xmlns:a16="http://schemas.microsoft.com/office/drawing/2014/main" id="{44DF7A44-7F11-4E0A-BF13-5A45F37F8653}"/>
+              </a:ext>
+            </a:extLst>
+          </p:cNvPr>
+          <p:cNvSpPr txBox="1"/>
+          <p:nvPr/>
+        </p:nvSpPr>
+        <p:spPr>
+          <a:xfrm>
+            <a:off x="165519" y="271708"/>
+            <a:ext cx="648072" cy="400110"/>
+          </a:xfrm>
+          <a:prstGeom prst="rect">
+            <a:avLst/>
+          </a:prstGeom>
+          <a:noFill/>
+          <a:scene3d>
+            <a:camera prst="obliqueTopLeft"/>
+            <a:lightRig rig="threePt" dir="t"/>
+          </a:scene3d>
+        </p:spPr>
+        <p:txBody>
+          <a:bodyPr wrap="square" rtlCol="0">
+            <a:spAutoFit/>
+          </a:bodyPr>
+          <a:lstStyle/>
+          <a:p>
+            <a:pPr algn="ctr"/>
+            <a:r>
+              <a:rPr lang="en-US" altLang="ko-KR" sz="2000" b="1" dirty="0">
+                <a:solidFill>
+                  <a:schemeClr val="bg1"/>
+                </a:solidFill>
+                <a:latin typeface="+mj-ea"/>
+                <a:ea typeface="+mj-ea"/>
+              </a:rPr>
+              <a:t>03</a:t>
+            </a:r>
+            <a:endParaRPr lang="ko-KR" altLang="en-US" sz="2000" b="1" dirty="0">
+              <a:solidFill>
+                <a:schemeClr val="bg1"/>
+              </a:solidFill>
+              <a:latin typeface="+mj-ea"/>
+              <a:ea typeface="+mj-ea"/>
+            </a:endParaRPr>
+          </a:p>
+        </p:txBody>
+      </p:sp>
+      <p:sp>
+        <p:nvSpPr>
+          <p:cNvPr id="11" name="TextBox 10">
+            <a:extLst>
+              <a:ext uri="{FF2B5EF4-FFF2-40B4-BE49-F238E27FC236}">
+                <a16:creationId xmlns:a16="http://schemas.microsoft.com/office/drawing/2014/main" id="{714C3D1B-324D-4C40-88A6-9C1B08C51DA0}"/>
+              </a:ext>
+            </a:extLst>
+          </p:cNvPr>
+          <p:cNvSpPr txBox="1"/>
+          <p:nvPr/>
+        </p:nvSpPr>
+        <p:spPr>
+          <a:xfrm>
+            <a:off x="819475" y="418460"/>
+            <a:ext cx="3539968" cy="369332"/>
+          </a:xfrm>
+          <a:prstGeom prst="rect">
+            <a:avLst/>
+          </a:prstGeom>
+          <a:noFill/>
+          <a:scene3d>
+            <a:camera prst="obliqueTopLeft"/>
+            <a:lightRig rig="threePt" dir="t"/>
+          </a:scene3d>
+        </p:spPr>
+        <p:txBody>
+          <a:bodyPr wrap="square" rtlCol="0">
+            <a:spAutoFit/>
+          </a:bodyPr>
+          <a:lstStyle/>
+          <a:p>
+            <a:r>
+              <a:rPr lang="ko-KR" altLang="en-US" spc="-150" dirty="0">
+                <a:latin typeface="나눔스퀘어 ExtraBold" panose="020B0600000101010101" pitchFamily="50" charset="-127"/>
+                <a:ea typeface="나눔스퀘어 ExtraBold" panose="020B0600000101010101" pitchFamily="50" charset="-127"/>
+              </a:rPr>
+              <a:t>네트워크 분석</a:t>
+            </a:r>
+            <a:endParaRPr lang="en-US" altLang="ko-KR" spc="-150" dirty="0">
+              <a:latin typeface="나눔스퀘어 ExtraBold" panose="020B0600000101010101" pitchFamily="50" charset="-127"/>
+              <a:ea typeface="나눔스퀘어 ExtraBold" panose="020B0600000101010101" pitchFamily="50" charset="-127"/>
+            </a:endParaRPr>
+          </a:p>
+        </p:txBody>
+      </p:sp>
+      <p:sp>
+        <p:nvSpPr>
+          <p:cNvPr id="20" name="직사각형 19">
+            <a:extLst>
+              <a:ext uri="{FF2B5EF4-FFF2-40B4-BE49-F238E27FC236}">
+                <a16:creationId xmlns:a16="http://schemas.microsoft.com/office/drawing/2014/main" id="{FAEBA3CA-307F-4EE5-BB54-D41C7CC69598}"/>
+              </a:ext>
+            </a:extLst>
+          </p:cNvPr>
+          <p:cNvSpPr/>
+          <p:nvPr/>
+        </p:nvSpPr>
+        <p:spPr>
+          <a:xfrm rot="16200000">
+            <a:off x="249220" y="1229249"/>
+            <a:ext cx="360000" cy="54000"/>
+          </a:xfrm>
+          <a:prstGeom prst="rect">
+            <a:avLst/>
+          </a:prstGeom>
+          <a:solidFill>
+            <a:schemeClr val="accent5">
+              <a:lumMod val="75000"/>
+            </a:schemeClr>
+          </a:solidFill>
+          <a:ln>
+            <a:noFill/>
+          </a:ln>
+        </p:spPr>
+        <p:style>
+          <a:lnRef idx="2">
+            <a:schemeClr val="accent1">
+              <a:shade val="50000"/>
+            </a:schemeClr>
+          </a:lnRef>
+          <a:fillRef idx="1">
+            <a:schemeClr val="accent1"/>
+          </a:fillRef>
+          <a:effectRef idx="0">
+            <a:schemeClr val="accent1"/>
+          </a:effectRef>
+          <a:fontRef idx="minor">
+            <a:schemeClr val="lt1"/>
+          </a:fontRef>
+        </p:style>
+        <p:txBody>
+          <a:bodyPr rtlCol="0" anchor="ctr"/>
+          <a:lstStyle/>
+          <a:p>
+            <a:pPr algn="ctr"/>
+            <a:endParaRPr lang="ko-KR" altLang="en-US"/>
+          </a:p>
+        </p:txBody>
+      </p:sp>
+      <p:sp>
+        <p:nvSpPr>
+          <p:cNvPr id="21" name="TextBox 20">
+            <a:extLst>
+              <a:ext uri="{FF2B5EF4-FFF2-40B4-BE49-F238E27FC236}">
+                <a16:creationId xmlns:a16="http://schemas.microsoft.com/office/drawing/2014/main" id="{C4B2761F-9B53-4255-865D-DDAAFE3E265B}"/>
+              </a:ext>
+            </a:extLst>
+          </p:cNvPr>
+          <p:cNvSpPr txBox="1"/>
+          <p:nvPr/>
+        </p:nvSpPr>
+        <p:spPr>
+          <a:xfrm>
+            <a:off x="463086" y="974959"/>
+            <a:ext cx="7106638" cy="512961"/>
+          </a:xfrm>
+          <a:prstGeom prst="rect">
+            <a:avLst/>
+          </a:prstGeom>
+          <a:noFill/>
+        </p:spPr>
+        <p:txBody>
+          <a:bodyPr wrap="square">
+            <a:spAutoFit/>
+          </a:bodyPr>
+          <a:lstStyle/>
+          <a:p>
+            <a:pPr>
+              <a:lnSpc>
+                <a:spcPct val="150000"/>
+              </a:lnSpc>
+            </a:pPr>
+            <a:r>
+              <a:rPr lang="ko-KR" altLang="en-US" sz="2000" spc="-100" dirty="0">
+                <a:ln>
+                  <a:solidFill>
+                    <a:schemeClr val="accent1">
+                      <a:alpha val="0"/>
+                    </a:schemeClr>
+                  </a:solidFill>
+                </a:ln>
+                <a:solidFill>
+                  <a:schemeClr val="tx1">
+                    <a:lumMod val="85000"/>
+                    <a:lumOff val="15000"/>
+                  </a:schemeClr>
+                </a:solidFill>
+                <a:latin typeface="나눔스퀘어_ac ExtraBold" panose="020B0600000101010101" pitchFamily="50" charset="-127"/>
+                <a:ea typeface="나눔스퀘어_ac ExtraBold" panose="020B0600000101010101" pitchFamily="50" charset="-127"/>
+              </a:rPr>
+              <a:t>분석 절차</a:t>
+            </a:r>
+            <a:r>
+              <a:rPr lang="en-US" altLang="ko-KR" sz="2000" spc="-100" dirty="0">
+                <a:ln>
+                  <a:solidFill>
+                    <a:schemeClr val="accent1">
+                      <a:alpha val="0"/>
+                    </a:schemeClr>
+                  </a:solidFill>
+                </a:ln>
+                <a:solidFill>
+                  <a:schemeClr val="tx1">
+                    <a:lumMod val="85000"/>
+                    <a:lumOff val="15000"/>
+                  </a:schemeClr>
+                </a:solidFill>
+                <a:latin typeface="나눔스퀘어_ac ExtraBold" panose="020B0600000101010101" pitchFamily="50" charset="-127"/>
+                <a:ea typeface="나눔스퀘어_ac ExtraBold" panose="020B0600000101010101" pitchFamily="50" charset="-127"/>
+              </a:rPr>
+              <a:t>(2)</a:t>
+            </a:r>
+          </a:p>
+        </p:txBody>
+      </p:sp>
+      <p:sp>
+        <p:nvSpPr>
+          <p:cNvPr id="10" name="TextBox 9">
+            <a:extLst>
+              <a:ext uri="{FF2B5EF4-FFF2-40B4-BE49-F238E27FC236}">
+                <a16:creationId xmlns:a16="http://schemas.microsoft.com/office/drawing/2014/main" id="{A861B075-E2D1-460A-94EB-C4323D9AADE5}"/>
+              </a:ext>
+            </a:extLst>
+          </p:cNvPr>
+          <p:cNvSpPr txBox="1"/>
+          <p:nvPr/>
+        </p:nvSpPr>
+        <p:spPr>
+          <a:xfrm>
+            <a:off x="498981" y="1633246"/>
+            <a:ext cx="5314862" cy="1318053"/>
+          </a:xfrm>
+          <a:prstGeom prst="rect">
+            <a:avLst/>
+          </a:prstGeom>
+          <a:noFill/>
+        </p:spPr>
+        <p:txBody>
+          <a:bodyPr wrap="square">
+            <a:spAutoFit/>
+          </a:bodyPr>
+          <a:lstStyle/>
+          <a:p>
+            <a:pPr marL="285750" indent="-285750">
+              <a:lnSpc>
+                <a:spcPct val="130000"/>
+              </a:lnSpc>
+              <a:buFont typeface="Wingdings" panose="05000000000000000000" pitchFamily="2" charset="2"/>
+              <a:buChar char="§"/>
+            </a:pPr>
+            <a:r>
+              <a:rPr lang="ko-KR" altLang="en-US" sz="1560" dirty="0">
+                <a:latin typeface="나눔스퀘어" panose="020B0600000101010101" pitchFamily="50" charset="-127"/>
+                <a:ea typeface="나눔스퀘어" panose="020B0600000101010101" pitchFamily="50" charset="-127"/>
+              </a:rPr>
+              <a:t>클러스터 명칭 설정</a:t>
+            </a:r>
+            <a:endParaRPr lang="en-US" altLang="ko-KR" sz="1560" dirty="0">
+              <a:latin typeface="나눔스퀘어" panose="020B0600000101010101" pitchFamily="50" charset="-127"/>
+              <a:ea typeface="나눔스퀘어" panose="020B0600000101010101" pitchFamily="50" charset="-127"/>
+            </a:endParaRPr>
+          </a:p>
+          <a:p>
+            <a:pPr marL="742950" lvl="1" indent="-285750">
+              <a:lnSpc>
+                <a:spcPct val="130000"/>
+              </a:lnSpc>
+              <a:buFont typeface="Wingdings" panose="05000000000000000000" pitchFamily="2" charset="2"/>
+              <a:buChar char="§"/>
+            </a:pPr>
+            <a:r>
+              <a:rPr lang="ko-KR" altLang="en-US" sz="1560" dirty="0">
+                <a:latin typeface="나눔스퀘어" panose="020B0600000101010101" pitchFamily="50" charset="-127"/>
+                <a:ea typeface="나눔스퀘어" panose="020B0600000101010101" pitchFamily="50" charset="-127"/>
+              </a:rPr>
+              <a:t>분류된 </a:t>
+            </a:r>
+            <a:r>
+              <a:rPr lang="en-US" altLang="ko-KR" sz="1560" dirty="0">
+                <a:latin typeface="나눔스퀘어" panose="020B0600000101010101" pitchFamily="50" charset="-127"/>
+                <a:ea typeface="나눔스퀘어" panose="020B0600000101010101" pitchFamily="50" charset="-127"/>
+              </a:rPr>
+              <a:t>CPC </a:t>
+            </a:r>
+            <a:r>
+              <a:rPr lang="ko-KR" altLang="en-US" sz="1560" dirty="0">
+                <a:latin typeface="나눔스퀘어" panose="020B0600000101010101" pitchFamily="50" charset="-127"/>
+                <a:ea typeface="나눔스퀘어" panose="020B0600000101010101" pitchFamily="50" charset="-127"/>
+              </a:rPr>
+              <a:t>코드에 해당하는 텍스트 매칭 필요</a:t>
+            </a:r>
+            <a:endParaRPr lang="en-US" altLang="ko-KR" sz="1560" dirty="0">
+              <a:latin typeface="나눔스퀘어" panose="020B0600000101010101" pitchFamily="50" charset="-127"/>
+              <a:ea typeface="나눔스퀘어" panose="020B0600000101010101" pitchFamily="50" charset="-127"/>
+            </a:endParaRPr>
+          </a:p>
+          <a:p>
+            <a:pPr marL="742950" lvl="1" indent="-285750">
+              <a:lnSpc>
+                <a:spcPct val="130000"/>
+              </a:lnSpc>
+              <a:buFont typeface="Wingdings" panose="05000000000000000000" pitchFamily="2" charset="2"/>
+              <a:buChar char="§"/>
+            </a:pPr>
+            <a:r>
+              <a:rPr lang="ko-KR" altLang="en-US" sz="1560" dirty="0">
+                <a:latin typeface="나눔스퀘어" panose="020B0600000101010101" pitchFamily="50" charset="-127"/>
+                <a:ea typeface="나눔스퀘어" panose="020B0600000101010101" pitchFamily="50" charset="-127"/>
+              </a:rPr>
+              <a:t>코드의 값에 해당되는 내용을 번역 </a:t>
+            </a:r>
+            <a:r>
+              <a:rPr lang="en-US" altLang="ko-KR" sz="1560" dirty="0">
+                <a:latin typeface="나눔스퀘어" panose="020B0600000101010101" pitchFamily="50" charset="-127"/>
+                <a:ea typeface="나눔스퀘어" panose="020B0600000101010101" pitchFamily="50" charset="-127"/>
+              </a:rPr>
+              <a:t>column</a:t>
+            </a:r>
+            <a:r>
+              <a:rPr lang="ko-KR" altLang="en-US" sz="1560" dirty="0">
+                <a:latin typeface="나눔스퀘어" panose="020B0600000101010101" pitchFamily="50" charset="-127"/>
+                <a:ea typeface="나눔스퀘어" panose="020B0600000101010101" pitchFamily="50" charset="-127"/>
+              </a:rPr>
+              <a:t>에서 찾은 뒤 코드 값 대신 삽입</a:t>
+            </a:r>
+            <a:endParaRPr lang="en-US" altLang="ko-KR" sz="1560" dirty="0">
+              <a:latin typeface="나눔스퀘어" panose="020B0600000101010101" pitchFamily="50" charset="-127"/>
+              <a:ea typeface="나눔스퀘어" panose="020B0600000101010101" pitchFamily="50" charset="-127"/>
+            </a:endParaRPr>
+          </a:p>
+        </p:txBody>
+      </p:sp>
+      <p:pic>
+        <p:nvPicPr>
+          <p:cNvPr id="3" name="그림 2" descr="텍스트이(가) 표시된 사진&#10;&#10;자동 생성된 설명">
+            <a:extLst>
+              <a:ext uri="{FF2B5EF4-FFF2-40B4-BE49-F238E27FC236}">
+                <a16:creationId xmlns:a16="http://schemas.microsoft.com/office/drawing/2014/main" id="{9CC5C8C0-47B0-4A25-898F-5C1372751093}"/>
+              </a:ext>
+            </a:extLst>
+          </p:cNvPr>
+          <p:cNvPicPr>
+            <a:picLocks noChangeAspect="1"/>
+          </p:cNvPicPr>
+          <p:nvPr/>
+        </p:nvPicPr>
+        <p:blipFill>
+          <a:blip r:embed="rId3">
+            <a:extLst>
+              <a:ext uri="{28A0092B-C50C-407E-A947-70E740481C1C}">
+                <a14:useLocalDpi xmlns:a14="http://schemas.microsoft.com/office/drawing/2010/main" val="0"/>
+              </a:ext>
+            </a:extLst>
+          </a:blip>
+          <a:stretch>
+            <a:fillRect/>
+          </a:stretch>
+        </p:blipFill>
+        <p:spPr>
+          <a:xfrm>
+            <a:off x="5813843" y="1872149"/>
+            <a:ext cx="6134102" cy="1466460"/>
+          </a:xfrm>
+          <a:prstGeom prst="rect">
+            <a:avLst/>
+          </a:prstGeom>
+        </p:spPr>
+      </p:pic>
+      <p:sp>
+        <p:nvSpPr>
+          <p:cNvPr id="15" name="TextBox 14">
+            <a:extLst>
+              <a:ext uri="{FF2B5EF4-FFF2-40B4-BE49-F238E27FC236}">
+                <a16:creationId xmlns:a16="http://schemas.microsoft.com/office/drawing/2014/main" id="{ECC32E67-8EEE-4ABC-92D3-27FAA6E65961}"/>
+              </a:ext>
+            </a:extLst>
+          </p:cNvPr>
+          <p:cNvSpPr txBox="1"/>
+          <p:nvPr/>
+        </p:nvSpPr>
+        <p:spPr>
+          <a:xfrm>
+            <a:off x="5813842" y="4252621"/>
+            <a:ext cx="6048377" cy="1630126"/>
+          </a:xfrm>
+          <a:prstGeom prst="rect">
+            <a:avLst/>
+          </a:prstGeom>
+          <a:noFill/>
+        </p:spPr>
+        <p:txBody>
+          <a:bodyPr wrap="square">
+            <a:spAutoFit/>
+          </a:bodyPr>
+          <a:lstStyle/>
+          <a:p>
+            <a:pPr marL="285750" indent="-285750">
+              <a:lnSpc>
+                <a:spcPct val="130000"/>
+              </a:lnSpc>
+              <a:buFont typeface="Wingdings" panose="05000000000000000000" pitchFamily="2" charset="2"/>
+              <a:buChar char="§"/>
+            </a:pPr>
+            <a:r>
+              <a:rPr lang="ko-KR" altLang="en-US" sz="1560" dirty="0">
+                <a:latin typeface="나눔스퀘어" panose="020B0600000101010101" pitchFamily="50" charset="-127"/>
+                <a:ea typeface="나눔스퀘어" panose="020B0600000101010101" pitchFamily="50" charset="-127"/>
+              </a:rPr>
+              <a:t>데이터 가공</a:t>
+            </a:r>
+            <a:endParaRPr lang="en-US" altLang="ko-KR" sz="1560" dirty="0">
+              <a:latin typeface="나눔스퀘어" panose="020B0600000101010101" pitchFamily="50" charset="-127"/>
+              <a:ea typeface="나눔스퀘어" panose="020B0600000101010101" pitchFamily="50" charset="-127"/>
+            </a:endParaRPr>
+          </a:p>
+          <a:p>
+            <a:pPr marL="742950" lvl="1" indent="-285750">
+              <a:lnSpc>
+                <a:spcPct val="130000"/>
+              </a:lnSpc>
+              <a:buFont typeface="Wingdings" panose="05000000000000000000" pitchFamily="2" charset="2"/>
+              <a:buChar char="§"/>
+            </a:pPr>
+            <a:r>
+              <a:rPr lang="ko-KR" altLang="en-US" sz="1560" dirty="0">
+                <a:latin typeface="나눔스퀘어" panose="020B0600000101010101" pitchFamily="50" charset="-127"/>
+                <a:ea typeface="나눔스퀘어" panose="020B0600000101010101" pitchFamily="50" charset="-127"/>
+              </a:rPr>
+              <a:t>특정 키워드의 경우 </a:t>
+            </a:r>
+            <a:r>
+              <a:rPr lang="en-US" altLang="ko-KR" sz="1560" dirty="0">
+                <a:latin typeface="나눔스퀘어" panose="020B0600000101010101" pitchFamily="50" charset="-127"/>
+                <a:ea typeface="나눔스퀘어" panose="020B0600000101010101" pitchFamily="50" charset="-127"/>
+              </a:rPr>
+              <a:t>Node</a:t>
+            </a:r>
+            <a:r>
+              <a:rPr lang="ko-KR" altLang="en-US" sz="1560" dirty="0">
+                <a:latin typeface="나눔스퀘어" panose="020B0600000101010101" pitchFamily="50" charset="-127"/>
+                <a:ea typeface="나눔스퀘어" panose="020B0600000101010101" pitchFamily="50" charset="-127"/>
+              </a:rPr>
+              <a:t>값이 너무 많아 시각화 및 인사이트를 찾는 데 어려움이 있음</a:t>
+            </a:r>
+            <a:endParaRPr lang="en-US" altLang="ko-KR" sz="1560" dirty="0">
+              <a:latin typeface="나눔스퀘어" panose="020B0600000101010101" pitchFamily="50" charset="-127"/>
+              <a:ea typeface="나눔스퀘어" panose="020B0600000101010101" pitchFamily="50" charset="-127"/>
+            </a:endParaRPr>
+          </a:p>
+          <a:p>
+            <a:pPr marL="742950" lvl="1" indent="-285750">
+              <a:lnSpc>
+                <a:spcPct val="130000"/>
+              </a:lnSpc>
+              <a:buFont typeface="Wingdings" panose="05000000000000000000" pitchFamily="2" charset="2"/>
+              <a:buChar char="§"/>
+            </a:pPr>
+            <a:r>
+              <a:rPr lang="ko-KR" altLang="en-US" sz="1560" dirty="0">
+                <a:latin typeface="나눔스퀘어" panose="020B0600000101010101" pitchFamily="50" charset="-127"/>
+                <a:ea typeface="나눔스퀘어" panose="020B0600000101010101" pitchFamily="50" charset="-127"/>
+              </a:rPr>
+              <a:t>비중이 작은 </a:t>
+            </a:r>
+            <a:r>
+              <a:rPr lang="en-US" altLang="ko-KR" sz="1560" dirty="0">
+                <a:latin typeface="나눔스퀘어" panose="020B0600000101010101" pitchFamily="50" charset="-127"/>
+                <a:ea typeface="나눔스퀘어" panose="020B0600000101010101" pitchFamily="50" charset="-127"/>
+              </a:rPr>
+              <a:t>Node</a:t>
+            </a:r>
+            <a:r>
+              <a:rPr lang="ko-KR" altLang="en-US" sz="1560" dirty="0">
+                <a:latin typeface="나눔스퀘어" panose="020B0600000101010101" pitchFamily="50" charset="-127"/>
+                <a:ea typeface="나눔스퀘어" panose="020B0600000101010101" pitchFamily="50" charset="-127"/>
+              </a:rPr>
+              <a:t>들을 그래프에서 보이지 않게 처리하여        그래프의 가시성을 향상시키고자 함</a:t>
+            </a:r>
+            <a:endParaRPr lang="en-US" altLang="ko-KR" sz="1560" dirty="0">
+              <a:latin typeface="나눔스퀘어" panose="020B0600000101010101" pitchFamily="50" charset="-127"/>
+              <a:ea typeface="나눔스퀘어" panose="020B0600000101010101" pitchFamily="50" charset="-127"/>
+            </a:endParaRPr>
+          </a:p>
+        </p:txBody>
+      </p:sp>
+      <p:pic>
+        <p:nvPicPr>
+          <p:cNvPr id="16" name="그림 15">
+            <a:extLst>
+              <a:ext uri="{FF2B5EF4-FFF2-40B4-BE49-F238E27FC236}">
+                <a16:creationId xmlns:a16="http://schemas.microsoft.com/office/drawing/2014/main" id="{B1E005BB-0B33-4869-9FE7-4D1824E92373}"/>
+              </a:ext>
+            </a:extLst>
+          </p:cNvPr>
+          <p:cNvPicPr>
+            <a:picLocks noChangeAspect="1"/>
+          </p:cNvPicPr>
+          <p:nvPr/>
+        </p:nvPicPr>
+        <p:blipFill>
+          <a:blip r:embed="rId4">
+            <a:extLst>
+              <a:ext uri="{28A0092B-C50C-407E-A947-70E740481C1C}">
+                <a14:useLocalDpi xmlns:a14="http://schemas.microsoft.com/office/drawing/2010/main" val="0"/>
+              </a:ext>
+            </a:extLst>
+          </a:blip>
+          <a:stretch>
+            <a:fillRect/>
+          </a:stretch>
+        </p:blipFill>
+        <p:spPr>
+          <a:xfrm>
+            <a:off x="1144935" y="3532010"/>
+            <a:ext cx="3214508" cy="2907530"/>
+          </a:xfrm>
+          <a:prstGeom prst="rect">
+            <a:avLst/>
+          </a:prstGeom>
+        </p:spPr>
+      </p:pic>
+      <p:sp>
+        <p:nvSpPr>
+          <p:cNvPr id="17" name="TextBox 16">
+            <a:extLst>
+              <a:ext uri="{FF2B5EF4-FFF2-40B4-BE49-F238E27FC236}">
+                <a16:creationId xmlns:a16="http://schemas.microsoft.com/office/drawing/2014/main" id="{0F62BC9F-A808-4ED1-80B5-31C581B54EA1}"/>
+              </a:ext>
+            </a:extLst>
+          </p:cNvPr>
+          <p:cNvSpPr txBox="1"/>
+          <p:nvPr/>
+        </p:nvSpPr>
+        <p:spPr>
+          <a:xfrm>
+            <a:off x="7957402" y="3429000"/>
+            <a:ext cx="2215297" cy="307777"/>
+          </a:xfrm>
+          <a:prstGeom prst="rect">
+            <a:avLst/>
+          </a:prstGeom>
+          <a:noFill/>
+        </p:spPr>
+        <p:txBody>
+          <a:bodyPr wrap="square" rtlCol="0">
+            <a:spAutoFit/>
+          </a:bodyPr>
+          <a:lstStyle/>
+          <a:p>
+            <a:pPr algn="ctr"/>
+            <a:r>
+              <a:rPr lang="en-US" altLang="ko-KR" sz="1400" spc="-150" dirty="0">
+                <a:latin typeface="나눔스퀘어 Bold" panose="020B0600000101010101" pitchFamily="50" charset="-127"/>
+                <a:ea typeface="나눔스퀘어 Bold" panose="020B0600000101010101" pitchFamily="50" charset="-127"/>
+              </a:rPr>
+              <a:t>CPC</a:t>
+            </a:r>
+            <a:r>
+              <a:rPr lang="ko-KR" altLang="en-US" sz="1400" spc="-150" dirty="0">
+                <a:latin typeface="나눔스퀘어 Bold" panose="020B0600000101010101" pitchFamily="50" charset="-127"/>
+                <a:ea typeface="나눔스퀘어 Bold" panose="020B0600000101010101" pitchFamily="50" charset="-127"/>
+              </a:rPr>
+              <a:t> 코드 매칭 시 사용 파일 예시</a:t>
+            </a:r>
+            <a:endParaRPr lang="en-US" altLang="ko-KR" sz="1400" spc="-150" dirty="0">
+              <a:latin typeface="나눔스퀘어 Bold" panose="020B0600000101010101" pitchFamily="50" charset="-127"/>
+              <a:ea typeface="나눔스퀘어 Bold" panose="020B0600000101010101" pitchFamily="50" charset="-127"/>
+            </a:endParaRPr>
+          </a:p>
+        </p:txBody>
+      </p:sp>
+      <p:sp>
+        <p:nvSpPr>
+          <p:cNvPr id="18" name="TextBox 17">
+            <a:extLst>
+              <a:ext uri="{FF2B5EF4-FFF2-40B4-BE49-F238E27FC236}">
+                <a16:creationId xmlns:a16="http://schemas.microsoft.com/office/drawing/2014/main" id="{80AAA660-3520-48B5-9B90-FF037FDA9C7B}"/>
+              </a:ext>
+            </a:extLst>
+          </p:cNvPr>
+          <p:cNvSpPr txBox="1"/>
+          <p:nvPr/>
+        </p:nvSpPr>
+        <p:spPr>
+          <a:xfrm>
+            <a:off x="1440859" y="6489038"/>
+            <a:ext cx="2622660" cy="307777"/>
+          </a:xfrm>
+          <a:prstGeom prst="rect">
+            <a:avLst/>
+          </a:prstGeom>
+          <a:noFill/>
+        </p:spPr>
+        <p:txBody>
+          <a:bodyPr wrap="square" rtlCol="0">
+            <a:spAutoFit/>
+          </a:bodyPr>
+          <a:lstStyle/>
+          <a:p>
+            <a:pPr algn="ctr"/>
+            <a:r>
+              <a:rPr lang="ko-KR" altLang="en-US" sz="1400" spc="-150" dirty="0">
+                <a:latin typeface="나눔스퀘어 Bold" panose="020B0600000101010101" pitchFamily="50" charset="-127"/>
+                <a:ea typeface="나눔스퀘어 Bold" panose="020B0600000101010101" pitchFamily="50" charset="-127"/>
+              </a:rPr>
+              <a:t>너무 많은 </a:t>
+            </a:r>
+            <a:r>
+              <a:rPr lang="en-US" altLang="ko-KR" sz="1400" spc="-150" dirty="0">
+                <a:latin typeface="나눔스퀘어 Bold" panose="020B0600000101010101" pitchFamily="50" charset="-127"/>
+                <a:ea typeface="나눔스퀘어 Bold" panose="020B0600000101010101" pitchFamily="50" charset="-127"/>
+              </a:rPr>
+              <a:t>node</a:t>
+            </a:r>
+            <a:r>
+              <a:rPr lang="ko-KR" altLang="en-US" sz="1400" spc="-150" dirty="0">
+                <a:latin typeface="나눔스퀘어 Bold" panose="020B0600000101010101" pitchFamily="50" charset="-127"/>
+                <a:ea typeface="나눔스퀘어 Bold" panose="020B0600000101010101" pitchFamily="50" charset="-127"/>
+              </a:rPr>
+              <a:t>가 배치된 </a:t>
+            </a:r>
+            <a:r>
+              <a:rPr lang="en-US" altLang="ko-KR" sz="1400" spc="-150" dirty="0">
+                <a:latin typeface="나눔스퀘어 Bold" panose="020B0600000101010101" pitchFamily="50" charset="-127"/>
+                <a:ea typeface="나눔스퀘어 Bold" panose="020B0600000101010101" pitchFamily="50" charset="-127"/>
+              </a:rPr>
+              <a:t>Graph </a:t>
+            </a:r>
+            <a:r>
+              <a:rPr lang="ko-KR" altLang="en-US" sz="1400" spc="-150" dirty="0">
+                <a:latin typeface="나눔스퀘어 Bold" panose="020B0600000101010101" pitchFamily="50" charset="-127"/>
+                <a:ea typeface="나눔스퀘어 Bold" panose="020B0600000101010101" pitchFamily="50" charset="-127"/>
+              </a:rPr>
+              <a:t>예시</a:t>
+            </a:r>
+            <a:endParaRPr lang="en-US" altLang="ko-KR" sz="1400" spc="-150" dirty="0">
+              <a:latin typeface="나눔스퀘어 Bold" panose="020B0600000101010101" pitchFamily="50" charset="-127"/>
+              <a:ea typeface="나눔스퀘어 Bold" panose="020B0600000101010101" pitchFamily="50" charset="-127"/>
+            </a:endParaRPr>
+          </a:p>
+        </p:txBody>
+      </p:sp>
+    </p:spTree>
+    <p:extLst>
+      <p:ext uri="{BB962C8B-B14F-4D97-AF65-F5344CB8AC3E}">
+        <p14:creationId xmlns:p14="http://schemas.microsoft.com/office/powerpoint/2010/main" val="136508909"/>
+      </p:ext>
+    </p:extLst>
+  </p:cSld>
+  <p:clrMapOvr>
+    <a:masterClrMapping/>
+  </p:clrMapOvr>
+</p:sld>
+</file>
+
+<file path=ppt/slides/slide15.xml><?xml version="1.0" encoding="utf-8"?>
+<p:sld xmlns:a="http://schemas.openxmlformats.org/drawingml/2006/main" xmlns:r="http://schemas.openxmlformats.org/officeDocument/2006/relationships" xmlns:p="http://schemas.openxmlformats.org/presentationml/2006/main">
+  <p:cSld>
+    <p:spTree>
+      <p:nvGrpSpPr>
+        <p:cNvPr id="1" name=""/>
+        <p:cNvGrpSpPr/>
+        <p:nvPr/>
+      </p:nvGrpSpPr>
+      <p:grpSpPr>
+        <a:xfrm>
+          <a:off x="0" y="0"/>
+          <a:ext cx="0" cy="0"/>
+          <a:chOff x="0" y="0"/>
+          <a:chExt cx="0" cy="0"/>
+        </a:xfrm>
+      </p:grpSpPr>
+      <p:sp>
+        <p:nvSpPr>
+          <p:cNvPr id="10" name="TextBox 9"/>
+          <p:cNvSpPr txBox="1"/>
+          <p:nvPr/>
+        </p:nvSpPr>
+        <p:spPr>
+          <a:xfrm>
+            <a:off x="4513571" y="3036150"/>
+            <a:ext cx="3164858" cy="584775"/>
+          </a:xfrm>
+          <a:prstGeom prst="rect">
+            <a:avLst/>
+          </a:prstGeom>
+          <a:noFill/>
+          <a:scene3d>
+            <a:camera prst="obliqueTopLeft"/>
+            <a:lightRig rig="threePt" dir="t"/>
+          </a:scene3d>
+        </p:spPr>
+        <p:txBody>
+          <a:bodyPr wrap="square" rtlCol="0">
+            <a:spAutoFit/>
+          </a:bodyPr>
+          <a:lstStyle>
+            <a:defPPr>
+              <a:defRPr lang="ko-KR"/>
+            </a:defPPr>
+            <a:lvl1pPr>
+              <a:defRPr sz="3200" b="1" spc="-200">
+                <a:solidFill>
+                  <a:srgbClr val="EA382A"/>
+                </a:solidFill>
+                <a:latin typeface="나눔스퀘어 ExtraBold" panose="020B0600000101010101" pitchFamily="50" charset="-127"/>
+                <a:ea typeface="나눔스퀘어 ExtraBold" panose="020B0600000101010101" pitchFamily="50" charset="-127"/>
+              </a:defRPr>
+            </a:lvl1pPr>
+          </a:lstStyle>
+          <a:p>
+            <a:r>
+              <a:rPr lang="en-US" altLang="ko-KR" b="0" dirty="0">
+                <a:solidFill>
+                  <a:schemeClr val="accent5">
+                    <a:lumMod val="75000"/>
+                  </a:schemeClr>
+                </a:solidFill>
+              </a:rPr>
+              <a:t>04</a:t>
+            </a:r>
+            <a:r>
+              <a:rPr lang="en-US" altLang="ko-KR" b="0" dirty="0">
+                <a:solidFill>
+                  <a:schemeClr val="tx1"/>
+                </a:solidFill>
+              </a:rPr>
+              <a:t> </a:t>
+            </a:r>
+            <a:r>
+              <a:rPr lang="ko-KR" altLang="en-US" b="0" dirty="0">
+                <a:solidFill>
+                  <a:schemeClr val="tx1"/>
+                </a:solidFill>
+              </a:rPr>
+              <a:t>향후 진행방향</a:t>
+            </a:r>
+          </a:p>
+        </p:txBody>
+      </p:sp>
+    </p:spTree>
+    <p:extLst>
+      <p:ext uri="{BB962C8B-B14F-4D97-AF65-F5344CB8AC3E}">
+        <p14:creationId xmlns:p14="http://schemas.microsoft.com/office/powerpoint/2010/main" val="3751001381"/>
+      </p:ext>
+    </p:extLst>
+  </p:cSld>
+  <p:clrMapOvr>
+    <a:masterClrMapping/>
+  </p:clrMapOvr>
+</p:sld>
+</file>
+
+<file path=ppt/slides/slide16.xml><?xml version="1.0" encoding="utf-8"?>
+<p:sld xmlns:a="http://schemas.openxmlformats.org/drawingml/2006/main" xmlns:r="http://schemas.openxmlformats.org/officeDocument/2006/relationships" xmlns:p="http://schemas.openxmlformats.org/presentationml/2006/main">
+  <p:cSld>
+    <p:spTree>
+      <p:nvGrpSpPr>
+        <p:cNvPr id="1" name=""/>
+        <p:cNvGrpSpPr/>
+        <p:nvPr/>
+      </p:nvGrpSpPr>
+      <p:grpSpPr>
+        <a:xfrm>
+          <a:off x="0" y="0"/>
+          <a:ext cx="0" cy="0"/>
+          <a:chOff x="0" y="0"/>
+          <a:chExt cx="0" cy="0"/>
+        </a:xfrm>
+      </p:grpSpPr>
+      <p:sp>
+        <p:nvSpPr>
+          <p:cNvPr id="6" name="직사각형 5">
+            <a:extLst>
+              <a:ext uri="{FF2B5EF4-FFF2-40B4-BE49-F238E27FC236}">
+                <a16:creationId xmlns:a16="http://schemas.microsoft.com/office/drawing/2014/main" id="{BDC502AC-7AC2-47BC-847A-9F104A28D9E0}"/>
+              </a:ext>
+            </a:extLst>
+          </p:cNvPr>
+          <p:cNvSpPr/>
+          <p:nvPr/>
+        </p:nvSpPr>
+        <p:spPr>
+          <a:xfrm>
+            <a:off x="882220" y="215073"/>
+            <a:ext cx="10980000" cy="52421"/>
+          </a:xfrm>
+          <a:prstGeom prst="rect">
+            <a:avLst/>
+          </a:prstGeom>
+          <a:solidFill>
+            <a:schemeClr val="accent5">
+              <a:lumMod val="75000"/>
+            </a:schemeClr>
+          </a:solidFill>
+          <a:ln>
+            <a:noFill/>
+          </a:ln>
+        </p:spPr>
+        <p:style>
+          <a:lnRef idx="2">
+            <a:schemeClr val="accent1">
+              <a:shade val="50000"/>
+            </a:schemeClr>
+          </a:lnRef>
+          <a:fillRef idx="1">
+            <a:schemeClr val="accent1"/>
+          </a:fillRef>
+          <a:effectRef idx="0">
+            <a:schemeClr val="accent1"/>
+          </a:effectRef>
+          <a:fontRef idx="minor">
+            <a:schemeClr val="lt1"/>
+          </a:fontRef>
+        </p:style>
+        <p:txBody>
+          <a:bodyPr rtlCol="0" anchor="ctr"/>
+          <a:lstStyle/>
+          <a:p>
+            <a:pPr algn="ctr"/>
+            <a:endParaRPr lang="ko-KR" altLang="en-US" sz="2800"/>
+          </a:p>
+        </p:txBody>
+      </p:sp>
+      <p:sp>
+        <p:nvSpPr>
+          <p:cNvPr id="7" name="직사각형 6">
+            <a:extLst>
+              <a:ext uri="{FF2B5EF4-FFF2-40B4-BE49-F238E27FC236}">
+                <a16:creationId xmlns:a16="http://schemas.microsoft.com/office/drawing/2014/main" id="{40B07F0E-6B61-4AC8-A90F-498542C26473}"/>
+              </a:ext>
+            </a:extLst>
+          </p:cNvPr>
+          <p:cNvSpPr/>
+          <p:nvPr/>
+        </p:nvSpPr>
+        <p:spPr>
+          <a:xfrm>
+            <a:off x="231744" y="215073"/>
+            <a:ext cx="540000" cy="540000"/>
+          </a:xfrm>
+          <a:prstGeom prst="rect">
+            <a:avLst/>
+          </a:prstGeom>
+          <a:solidFill>
+            <a:schemeClr val="accent5">
+              <a:lumMod val="75000"/>
+            </a:schemeClr>
+          </a:solidFill>
+          <a:ln>
+            <a:noFill/>
+          </a:ln>
+        </p:spPr>
+        <p:style>
+          <a:lnRef idx="2">
+            <a:schemeClr val="accent1">
+              <a:shade val="50000"/>
+            </a:schemeClr>
+          </a:lnRef>
+          <a:fillRef idx="1">
+            <a:schemeClr val="accent1"/>
+          </a:fillRef>
+          <a:effectRef idx="0">
+            <a:schemeClr val="accent1"/>
+          </a:effectRef>
+          <a:fontRef idx="minor">
+            <a:schemeClr val="lt1"/>
+          </a:fontRef>
+        </p:style>
+        <p:txBody>
+          <a:bodyPr rtlCol="0" anchor="ctr"/>
+          <a:lstStyle/>
+          <a:p>
+            <a:pPr algn="ctr"/>
+            <a:endParaRPr lang="ko-KR" altLang="en-US" sz="2800" dirty="0"/>
+          </a:p>
+        </p:txBody>
+      </p:sp>
+      <p:sp>
+        <p:nvSpPr>
+          <p:cNvPr id="8" name="TextBox 7">
+            <a:extLst>
+              <a:ext uri="{FF2B5EF4-FFF2-40B4-BE49-F238E27FC236}">
+                <a16:creationId xmlns:a16="http://schemas.microsoft.com/office/drawing/2014/main" id="{44DF7A44-7F11-4E0A-BF13-5A45F37F8653}"/>
+              </a:ext>
+            </a:extLst>
+          </p:cNvPr>
+          <p:cNvSpPr txBox="1"/>
+          <p:nvPr/>
+        </p:nvSpPr>
+        <p:spPr>
+          <a:xfrm>
+            <a:off x="165519" y="271708"/>
+            <a:ext cx="648072" cy="400110"/>
+          </a:xfrm>
+          <a:prstGeom prst="rect">
+            <a:avLst/>
+          </a:prstGeom>
+          <a:noFill/>
+          <a:scene3d>
+            <a:camera prst="obliqueTopLeft"/>
+            <a:lightRig rig="threePt" dir="t"/>
+          </a:scene3d>
+        </p:spPr>
+        <p:txBody>
+          <a:bodyPr wrap="square" rtlCol="0">
+            <a:spAutoFit/>
+          </a:bodyPr>
+          <a:lstStyle/>
+          <a:p>
+            <a:pPr algn="ctr"/>
+            <a:r>
+              <a:rPr lang="en-US" altLang="ko-KR" sz="2000" b="1" dirty="0">
+                <a:solidFill>
+                  <a:schemeClr val="bg1"/>
+                </a:solidFill>
+                <a:latin typeface="+mj-ea"/>
+                <a:ea typeface="+mj-ea"/>
+              </a:rPr>
+              <a:t>04</a:t>
+            </a:r>
+            <a:endParaRPr lang="ko-KR" altLang="en-US" sz="2000" b="1" dirty="0">
+              <a:solidFill>
+                <a:schemeClr val="bg1"/>
+              </a:solidFill>
+              <a:latin typeface="+mj-ea"/>
+              <a:ea typeface="+mj-ea"/>
+            </a:endParaRPr>
+          </a:p>
+        </p:txBody>
+      </p:sp>
+      <p:sp>
+        <p:nvSpPr>
+          <p:cNvPr id="11" name="TextBox 10">
+            <a:extLst>
+              <a:ext uri="{FF2B5EF4-FFF2-40B4-BE49-F238E27FC236}">
+                <a16:creationId xmlns:a16="http://schemas.microsoft.com/office/drawing/2014/main" id="{714C3D1B-324D-4C40-88A6-9C1B08C51DA0}"/>
+              </a:ext>
+            </a:extLst>
+          </p:cNvPr>
+          <p:cNvSpPr txBox="1"/>
+          <p:nvPr/>
+        </p:nvSpPr>
+        <p:spPr>
+          <a:xfrm>
+            <a:off x="819475" y="418460"/>
+            <a:ext cx="3539968" cy="369332"/>
+          </a:xfrm>
+          <a:prstGeom prst="rect">
+            <a:avLst/>
+          </a:prstGeom>
+          <a:noFill/>
+          <a:scene3d>
+            <a:camera prst="obliqueTopLeft"/>
+            <a:lightRig rig="threePt" dir="t"/>
+          </a:scene3d>
+        </p:spPr>
+        <p:txBody>
+          <a:bodyPr wrap="square" rtlCol="0">
+            <a:spAutoFit/>
+          </a:bodyPr>
+          <a:lstStyle/>
+          <a:p>
+            <a:r>
+              <a:rPr lang="ko-KR" altLang="en-US" b="1" spc="-150" dirty="0">
+                <a:latin typeface="나눔스퀘어 ExtraBold" panose="020B0600000101010101" pitchFamily="50" charset="-127"/>
+                <a:ea typeface="나눔스퀘어 ExtraBold" panose="020B0600000101010101" pitchFamily="50" charset="-127"/>
+              </a:rPr>
+              <a:t>향후 진행방향</a:t>
+            </a:r>
+            <a:endParaRPr lang="en-US" altLang="ko-KR" b="1" spc="-150" dirty="0">
+              <a:latin typeface="나눔스퀘어 ExtraBold" panose="020B0600000101010101" pitchFamily="50" charset="-127"/>
+              <a:ea typeface="나눔스퀘어 ExtraBold" panose="020B0600000101010101" pitchFamily="50" charset="-127"/>
             </a:endParaRPr>
           </a:p>
         </p:txBody>
@@ -4681,10 +8564,528 @@
           </a:p>
         </p:txBody>
       </p:sp>
+      <p:sp>
+        <p:nvSpPr>
+          <p:cNvPr id="10" name="직사각형 9">
+            <a:extLst>
+              <a:ext uri="{FF2B5EF4-FFF2-40B4-BE49-F238E27FC236}">
+                <a16:creationId xmlns:a16="http://schemas.microsoft.com/office/drawing/2014/main" id="{F6FA7DD0-C42B-460A-B0B3-57DFE69A6335}"/>
+              </a:ext>
+            </a:extLst>
+          </p:cNvPr>
+          <p:cNvSpPr/>
+          <p:nvPr/>
+        </p:nvSpPr>
+        <p:spPr>
+          <a:xfrm rot="16200000">
+            <a:off x="249220" y="1229249"/>
+            <a:ext cx="360000" cy="54000"/>
+          </a:xfrm>
+          <a:prstGeom prst="rect">
+            <a:avLst/>
+          </a:prstGeom>
+          <a:solidFill>
+            <a:schemeClr val="accent5">
+              <a:lumMod val="75000"/>
+            </a:schemeClr>
+          </a:solidFill>
+          <a:ln>
+            <a:noFill/>
+          </a:ln>
+        </p:spPr>
+        <p:style>
+          <a:lnRef idx="2">
+            <a:schemeClr val="accent1">
+              <a:shade val="50000"/>
+            </a:schemeClr>
+          </a:lnRef>
+          <a:fillRef idx="1">
+            <a:schemeClr val="accent1"/>
+          </a:fillRef>
+          <a:effectRef idx="0">
+            <a:schemeClr val="accent1"/>
+          </a:effectRef>
+          <a:fontRef idx="minor">
+            <a:schemeClr val="lt1"/>
+          </a:fontRef>
+        </p:style>
+        <p:txBody>
+          <a:bodyPr rtlCol="0" anchor="ctr"/>
+          <a:lstStyle/>
+          <a:p>
+            <a:pPr algn="ctr"/>
+            <a:endParaRPr lang="ko-KR" altLang="en-US"/>
+          </a:p>
+        </p:txBody>
+      </p:sp>
+      <p:sp>
+        <p:nvSpPr>
+          <p:cNvPr id="12" name="TextBox 11">
+            <a:extLst>
+              <a:ext uri="{FF2B5EF4-FFF2-40B4-BE49-F238E27FC236}">
+                <a16:creationId xmlns:a16="http://schemas.microsoft.com/office/drawing/2014/main" id="{3A4854AC-914E-447E-A410-8E8B1E908606}"/>
+              </a:ext>
+            </a:extLst>
+          </p:cNvPr>
+          <p:cNvSpPr txBox="1"/>
+          <p:nvPr/>
+        </p:nvSpPr>
+        <p:spPr>
+          <a:xfrm>
+            <a:off x="463086" y="974959"/>
+            <a:ext cx="7106638" cy="512961"/>
+          </a:xfrm>
+          <a:prstGeom prst="rect">
+            <a:avLst/>
+          </a:prstGeom>
+          <a:noFill/>
+        </p:spPr>
+        <p:txBody>
+          <a:bodyPr wrap="square">
+            <a:spAutoFit/>
+          </a:bodyPr>
+          <a:lstStyle/>
+          <a:p>
+            <a:pPr>
+              <a:lnSpc>
+                <a:spcPct val="150000"/>
+              </a:lnSpc>
+            </a:pPr>
+            <a:r>
+              <a:rPr lang="ko-KR" altLang="en-US" sz="2000" spc="-100" dirty="0">
+                <a:ln>
+                  <a:solidFill>
+                    <a:schemeClr val="accent1">
+                      <a:alpha val="0"/>
+                    </a:schemeClr>
+                  </a:solidFill>
+                </a:ln>
+                <a:solidFill>
+                  <a:schemeClr val="tx1">
+                    <a:lumMod val="85000"/>
+                    <a:lumOff val="15000"/>
+                  </a:schemeClr>
+                </a:solidFill>
+                <a:latin typeface="나눔스퀘어_ac ExtraBold" panose="020B0600000101010101" pitchFamily="50" charset="-127"/>
+                <a:ea typeface="나눔스퀘어_ac ExtraBold" panose="020B0600000101010101" pitchFamily="50" charset="-127"/>
+              </a:rPr>
+              <a:t>인사이트 도출</a:t>
+            </a:r>
+            <a:endParaRPr lang="en-US" altLang="ko-KR" sz="2000" spc="-100" dirty="0">
+              <a:ln>
+                <a:solidFill>
+                  <a:schemeClr val="accent1">
+                    <a:alpha val="0"/>
+                  </a:schemeClr>
+                </a:solidFill>
+              </a:ln>
+              <a:solidFill>
+                <a:schemeClr val="tx1">
+                  <a:lumMod val="85000"/>
+                  <a:lumOff val="15000"/>
+                </a:schemeClr>
+              </a:solidFill>
+              <a:latin typeface="나눔스퀘어_ac ExtraBold" panose="020B0600000101010101" pitchFamily="50" charset="-127"/>
+              <a:ea typeface="나눔스퀘어_ac ExtraBold" panose="020B0600000101010101" pitchFamily="50" charset="-127"/>
+            </a:endParaRPr>
+          </a:p>
+        </p:txBody>
+      </p:sp>
+      <p:sp>
+        <p:nvSpPr>
+          <p:cNvPr id="13" name="TextBox 12">
+            <a:extLst>
+              <a:ext uri="{FF2B5EF4-FFF2-40B4-BE49-F238E27FC236}">
+                <a16:creationId xmlns:a16="http://schemas.microsoft.com/office/drawing/2014/main" id="{04EE06B4-53F1-4F89-84A9-77873F246868}"/>
+              </a:ext>
+            </a:extLst>
+          </p:cNvPr>
+          <p:cNvSpPr txBox="1"/>
+          <p:nvPr/>
+        </p:nvSpPr>
+        <p:spPr>
+          <a:xfrm>
+            <a:off x="498981" y="1633246"/>
+            <a:ext cx="8063994" cy="1318053"/>
+          </a:xfrm>
+          <a:prstGeom prst="rect">
+            <a:avLst/>
+          </a:prstGeom>
+          <a:noFill/>
+        </p:spPr>
+        <p:txBody>
+          <a:bodyPr wrap="square">
+            <a:spAutoFit/>
+          </a:bodyPr>
+          <a:lstStyle/>
+          <a:p>
+            <a:pPr marL="285750" indent="-285750">
+              <a:lnSpc>
+                <a:spcPct val="130000"/>
+              </a:lnSpc>
+              <a:buFont typeface="Wingdings" panose="05000000000000000000" pitchFamily="2" charset="2"/>
+              <a:buChar char="§"/>
+            </a:pPr>
+            <a:r>
+              <a:rPr lang="ko-KR" altLang="en-US" sz="1560" dirty="0">
+                <a:latin typeface="나눔스퀘어" panose="020B0600000101010101" pitchFamily="50" charset="-127"/>
+                <a:ea typeface="나눔스퀘어" panose="020B0600000101010101" pitchFamily="50" charset="-127"/>
+              </a:rPr>
+              <a:t>분류된 데이터의 클러스터링을 통해 분석 결과로부터 도출할 수 있는 인사이트 탐색</a:t>
+            </a:r>
+            <a:endParaRPr lang="en-US" altLang="ko-KR" sz="1560" dirty="0">
+              <a:latin typeface="나눔스퀘어" panose="020B0600000101010101" pitchFamily="50" charset="-127"/>
+              <a:ea typeface="나눔스퀘어" panose="020B0600000101010101" pitchFamily="50" charset="-127"/>
+            </a:endParaRPr>
+          </a:p>
+          <a:p>
+            <a:pPr marL="742950" lvl="1" indent="-285750">
+              <a:lnSpc>
+                <a:spcPct val="130000"/>
+              </a:lnSpc>
+              <a:buFont typeface="Wingdings" panose="05000000000000000000" pitchFamily="2" charset="2"/>
+              <a:buChar char="§"/>
+            </a:pPr>
+            <a:r>
+              <a:rPr lang="ko-KR" altLang="en-US" sz="1560" dirty="0">
+                <a:latin typeface="나눔스퀘어" panose="020B0600000101010101" pitchFamily="50" charset="-127"/>
+                <a:ea typeface="나눔스퀘어" panose="020B0600000101010101" pitchFamily="50" charset="-127"/>
+              </a:rPr>
+              <a:t>분석 결과를 보고서 등으로 제작 예정</a:t>
+            </a:r>
+            <a:endParaRPr lang="en-US" altLang="ko-KR" sz="1560" dirty="0">
+              <a:latin typeface="나눔스퀘어" panose="020B0600000101010101" pitchFamily="50" charset="-127"/>
+              <a:ea typeface="나눔스퀘어" panose="020B0600000101010101" pitchFamily="50" charset="-127"/>
+            </a:endParaRPr>
+          </a:p>
+          <a:p>
+            <a:pPr marL="285750" indent="-285750">
+              <a:lnSpc>
+                <a:spcPct val="130000"/>
+              </a:lnSpc>
+              <a:buFont typeface="Wingdings" panose="05000000000000000000" pitchFamily="2" charset="2"/>
+              <a:buChar char="§"/>
+            </a:pPr>
+            <a:r>
+              <a:rPr lang="ko-KR" altLang="en-US" sz="1560" dirty="0">
+                <a:latin typeface="나눔스퀘어" panose="020B0600000101010101" pitchFamily="50" charset="-127"/>
+                <a:ea typeface="나눔스퀘어" panose="020B0600000101010101" pitchFamily="50" charset="-127"/>
+              </a:rPr>
+              <a:t>분석 과정 및 절차 등을 문서화 및 </a:t>
+            </a:r>
+            <a:r>
+              <a:rPr lang="ko-KR" altLang="en-US" sz="1560" dirty="0" err="1">
+                <a:latin typeface="나눔스퀘어" panose="020B0600000101010101" pitchFamily="50" charset="-127"/>
+                <a:ea typeface="나눔스퀘어" panose="020B0600000101010101" pitchFamily="50" charset="-127"/>
+              </a:rPr>
+              <a:t>아카이브화하여</a:t>
+            </a:r>
+            <a:r>
+              <a:rPr lang="ko-KR" altLang="en-US" sz="1560" dirty="0">
+                <a:latin typeface="나눔스퀘어" panose="020B0600000101010101" pitchFamily="50" charset="-127"/>
+                <a:ea typeface="나눔스퀘어" panose="020B0600000101010101" pitchFamily="50" charset="-127"/>
+              </a:rPr>
+              <a:t> 향후 추가 연구에 활용할 수 있도록 함</a:t>
+            </a:r>
+            <a:endParaRPr lang="en-US" altLang="ko-KR" sz="1560" dirty="0">
+              <a:latin typeface="나눔스퀘어" panose="020B0600000101010101" pitchFamily="50" charset="-127"/>
+              <a:ea typeface="나눔스퀘어" panose="020B0600000101010101" pitchFamily="50" charset="-127"/>
+            </a:endParaRPr>
+          </a:p>
+          <a:p>
+            <a:pPr marL="742950" lvl="1" indent="-285750">
+              <a:lnSpc>
+                <a:spcPct val="130000"/>
+              </a:lnSpc>
+              <a:buFont typeface="Wingdings" panose="05000000000000000000" pitchFamily="2" charset="2"/>
+              <a:buChar char="§"/>
+            </a:pPr>
+            <a:r>
+              <a:rPr lang="en-US" altLang="ko-KR" sz="1560" dirty="0">
+                <a:latin typeface="나눔스퀘어" panose="020B0600000101010101" pitchFamily="50" charset="-127"/>
+                <a:ea typeface="나눔스퀘어" panose="020B0600000101010101" pitchFamily="50" charset="-127"/>
+              </a:rPr>
+              <a:t> </a:t>
+            </a:r>
+            <a:r>
+              <a:rPr lang="en-US" altLang="ko-KR" sz="1560" dirty="0" err="1">
+                <a:latin typeface="나눔스퀘어" panose="020B0600000101010101" pitchFamily="50" charset="-127"/>
+                <a:ea typeface="나눔스퀘어" panose="020B0600000101010101" pitchFamily="50" charset="-127"/>
+              </a:rPr>
+              <a:t>Github</a:t>
+            </a:r>
+            <a:r>
+              <a:rPr lang="en-US" altLang="ko-KR" sz="1560" dirty="0">
+                <a:latin typeface="나눔스퀘어" panose="020B0600000101010101" pitchFamily="50" charset="-127"/>
+                <a:ea typeface="나눔스퀘어" panose="020B0600000101010101" pitchFamily="50" charset="-127"/>
+              </a:rPr>
+              <a:t> Repository </a:t>
+            </a:r>
+            <a:r>
+              <a:rPr lang="ko-KR" altLang="en-US" sz="1560" dirty="0">
+                <a:latin typeface="나눔스퀘어" panose="020B0600000101010101" pitchFamily="50" charset="-127"/>
+                <a:ea typeface="나눔스퀘어" panose="020B0600000101010101" pitchFamily="50" charset="-127"/>
+              </a:rPr>
+              <a:t>활용</a:t>
+            </a:r>
+            <a:endParaRPr lang="en-US" altLang="ko-KR" sz="1560" dirty="0">
+              <a:latin typeface="나눔스퀘어" panose="020B0600000101010101" pitchFamily="50" charset="-127"/>
+              <a:ea typeface="나눔스퀘어" panose="020B0600000101010101" pitchFamily="50" charset="-127"/>
+            </a:endParaRPr>
+          </a:p>
+        </p:txBody>
+      </p:sp>
+      <p:pic>
+        <p:nvPicPr>
+          <p:cNvPr id="3" name="그림 2">
+            <a:extLst>
+              <a:ext uri="{FF2B5EF4-FFF2-40B4-BE49-F238E27FC236}">
+                <a16:creationId xmlns:a16="http://schemas.microsoft.com/office/drawing/2014/main" id="{DFD4B185-F997-4C63-8155-571D3E0A422E}"/>
+              </a:ext>
+            </a:extLst>
+          </p:cNvPr>
+          <p:cNvPicPr>
+            <a:picLocks noChangeAspect="1"/>
+          </p:cNvPicPr>
+          <p:nvPr/>
+        </p:nvPicPr>
+        <p:blipFill>
+          <a:blip r:embed="rId2"/>
+          <a:stretch>
+            <a:fillRect/>
+          </a:stretch>
+        </p:blipFill>
+        <p:spPr>
+          <a:xfrm>
+            <a:off x="6821717" y="3266919"/>
+            <a:ext cx="4187366" cy="2819400"/>
+          </a:xfrm>
+          <a:prstGeom prst="rect">
+            <a:avLst/>
+          </a:prstGeom>
+        </p:spPr>
+      </p:pic>
+      <p:pic>
+        <p:nvPicPr>
+          <p:cNvPr id="5" name="그림 4">
+            <a:extLst>
+              <a:ext uri="{FF2B5EF4-FFF2-40B4-BE49-F238E27FC236}">
+                <a16:creationId xmlns:a16="http://schemas.microsoft.com/office/drawing/2014/main" id="{3118E695-ECBF-4CE2-8F97-9684F39B7D9D}"/>
+              </a:ext>
+            </a:extLst>
+          </p:cNvPr>
+          <p:cNvPicPr>
+            <a:picLocks noChangeAspect="1"/>
+          </p:cNvPicPr>
+          <p:nvPr/>
+        </p:nvPicPr>
+        <p:blipFill>
+          <a:blip r:embed="rId3"/>
+          <a:stretch>
+            <a:fillRect/>
+          </a:stretch>
+        </p:blipFill>
+        <p:spPr>
+          <a:xfrm>
+            <a:off x="1456246" y="3096625"/>
+            <a:ext cx="4165100" cy="2924872"/>
+          </a:xfrm>
+          <a:prstGeom prst="rect">
+            <a:avLst/>
+          </a:prstGeom>
+        </p:spPr>
+      </p:pic>
+      <p:sp>
+        <p:nvSpPr>
+          <p:cNvPr id="17" name="TextBox 16">
+            <a:extLst>
+              <a:ext uri="{FF2B5EF4-FFF2-40B4-BE49-F238E27FC236}">
+                <a16:creationId xmlns:a16="http://schemas.microsoft.com/office/drawing/2014/main" id="{A72C2BCA-1AD7-4E74-BF21-5A8EC2563B47}"/>
+              </a:ext>
+            </a:extLst>
+          </p:cNvPr>
+          <p:cNvSpPr txBox="1"/>
+          <p:nvPr/>
+        </p:nvSpPr>
+        <p:spPr>
+          <a:xfrm>
+            <a:off x="2431147" y="6166823"/>
+            <a:ext cx="2215297" cy="307777"/>
+          </a:xfrm>
+          <a:prstGeom prst="rect">
+            <a:avLst/>
+          </a:prstGeom>
+          <a:noFill/>
+        </p:spPr>
+        <p:txBody>
+          <a:bodyPr wrap="square" rtlCol="0">
+            <a:spAutoFit/>
+          </a:bodyPr>
+          <a:lstStyle/>
+          <a:p>
+            <a:pPr algn="ctr"/>
+            <a:r>
+              <a:rPr lang="ko-KR" altLang="en-US" sz="1400" spc="-150" dirty="0">
+                <a:latin typeface="나눔스퀘어 Bold" panose="020B0600000101010101" pitchFamily="50" charset="-127"/>
+                <a:ea typeface="나눔스퀘어 Bold" panose="020B0600000101010101" pitchFamily="50" charset="-127"/>
+              </a:rPr>
+              <a:t>제출 보고서 예시</a:t>
+            </a:r>
+            <a:endParaRPr lang="en-US" altLang="ko-KR" sz="1400" spc="-150" dirty="0">
+              <a:latin typeface="나눔스퀘어 Bold" panose="020B0600000101010101" pitchFamily="50" charset="-127"/>
+              <a:ea typeface="나눔스퀘어 Bold" panose="020B0600000101010101" pitchFamily="50" charset="-127"/>
+            </a:endParaRPr>
+          </a:p>
+        </p:txBody>
+      </p:sp>
+      <p:sp>
+        <p:nvSpPr>
+          <p:cNvPr id="18" name="TextBox 17">
+            <a:extLst>
+              <a:ext uri="{FF2B5EF4-FFF2-40B4-BE49-F238E27FC236}">
+                <a16:creationId xmlns:a16="http://schemas.microsoft.com/office/drawing/2014/main" id="{60595042-0BEB-4B8E-A420-490B9D26D17D}"/>
+              </a:ext>
+            </a:extLst>
+          </p:cNvPr>
+          <p:cNvSpPr txBox="1"/>
+          <p:nvPr/>
+        </p:nvSpPr>
+        <p:spPr>
+          <a:xfrm>
+            <a:off x="7807751" y="6166823"/>
+            <a:ext cx="2215297" cy="307777"/>
+          </a:xfrm>
+          <a:prstGeom prst="rect">
+            <a:avLst/>
+          </a:prstGeom>
+          <a:noFill/>
+        </p:spPr>
+        <p:txBody>
+          <a:bodyPr wrap="square" rtlCol="0">
+            <a:spAutoFit/>
+          </a:bodyPr>
+          <a:lstStyle/>
+          <a:p>
+            <a:pPr algn="ctr"/>
+            <a:r>
+              <a:rPr lang="ko-KR" altLang="en-US" sz="1400" spc="-150" dirty="0">
+                <a:latin typeface="나눔스퀘어 Bold" panose="020B0600000101010101" pitchFamily="50" charset="-127"/>
+                <a:ea typeface="나눔스퀘어 Bold" panose="020B0600000101010101" pitchFamily="50" charset="-127"/>
+              </a:rPr>
+              <a:t>아카이브 예시</a:t>
+            </a:r>
+            <a:endParaRPr lang="en-US" altLang="ko-KR" sz="1400" spc="-150" dirty="0">
+              <a:latin typeface="나눔스퀘어 Bold" panose="020B0600000101010101" pitchFamily="50" charset="-127"/>
+              <a:ea typeface="나눔스퀘어 Bold" panose="020B0600000101010101" pitchFamily="50" charset="-127"/>
+            </a:endParaRPr>
+          </a:p>
+        </p:txBody>
+      </p:sp>
     </p:spTree>
     <p:extLst>
       <p:ext uri="{BB962C8B-B14F-4D97-AF65-F5344CB8AC3E}">
-        <p14:creationId xmlns:p14="http://schemas.microsoft.com/office/powerpoint/2010/main" val="300238822"/>
+        <p14:creationId xmlns:p14="http://schemas.microsoft.com/office/powerpoint/2010/main" val="3108908477"/>
+      </p:ext>
+    </p:extLst>
+  </p:cSld>
+  <p:clrMapOvr>
+    <a:masterClrMapping/>
+  </p:clrMapOvr>
+</p:sld>
+</file>
+
+<file path=ppt/slides/slide17.xml><?xml version="1.0" encoding="utf-8"?>
+<p:sld xmlns:a="http://schemas.openxmlformats.org/drawingml/2006/main" xmlns:r="http://schemas.openxmlformats.org/officeDocument/2006/relationships" xmlns:p="http://schemas.openxmlformats.org/presentationml/2006/main">
+  <p:cSld>
+    <p:spTree>
+      <p:nvGrpSpPr>
+        <p:cNvPr id="1" name=""/>
+        <p:cNvGrpSpPr/>
+        <p:nvPr/>
+      </p:nvGrpSpPr>
+      <p:grpSpPr>
+        <a:xfrm>
+          <a:off x="0" y="0"/>
+          <a:ext cx="0" cy="0"/>
+          <a:chOff x="0" y="0"/>
+          <a:chExt cx="0" cy="0"/>
+        </a:xfrm>
+      </p:grpSpPr>
+      <p:sp>
+        <p:nvSpPr>
+          <p:cNvPr id="10" name="TextBox 9"/>
+          <p:cNvSpPr txBox="1"/>
+          <p:nvPr/>
+        </p:nvSpPr>
+        <p:spPr>
+          <a:xfrm>
+            <a:off x="4176073" y="3136612"/>
+            <a:ext cx="3839854" cy="584775"/>
+          </a:xfrm>
+          <a:prstGeom prst="rect">
+            <a:avLst/>
+          </a:prstGeom>
+          <a:noFill/>
+          <a:scene3d>
+            <a:camera prst="obliqueTopLeft"/>
+            <a:lightRig rig="threePt" dir="t"/>
+          </a:scene3d>
+        </p:spPr>
+        <p:txBody>
+          <a:bodyPr wrap="square" rtlCol="0">
+            <a:spAutoFit/>
+          </a:bodyPr>
+          <a:lstStyle>
+            <a:defPPr>
+              <a:defRPr lang="ko-KR"/>
+            </a:defPPr>
+            <a:lvl1pPr>
+              <a:defRPr sz="3200" b="1" spc="-200">
+                <a:solidFill>
+                  <a:srgbClr val="EA382A"/>
+                </a:solidFill>
+                <a:latin typeface="나눔스퀘어 ExtraBold" panose="020B0600000101010101" pitchFamily="50" charset="-127"/>
+                <a:ea typeface="나눔스퀘어 ExtraBold" panose="020B0600000101010101" pitchFamily="50" charset="-127"/>
+              </a:defRPr>
+            </a:lvl1pPr>
+          </a:lstStyle>
+          <a:p>
+            <a:r>
+              <a:rPr lang="ko-KR" altLang="en-US" b="0" dirty="0" err="1">
+                <a:solidFill>
+                  <a:schemeClr val="tx1"/>
+                </a:solidFill>
+              </a:rPr>
+              <a:t>들어주셔서</a:t>
+            </a:r>
+            <a:r>
+              <a:rPr lang="ko-KR" altLang="en-US" b="0" dirty="0">
+                <a:solidFill>
+                  <a:schemeClr val="tx1"/>
+                </a:solidFill>
+              </a:rPr>
+              <a:t> 감사합니다</a:t>
+            </a:r>
+            <a:r>
+              <a:rPr lang="en-US" altLang="ko-KR" b="0" dirty="0">
+                <a:solidFill>
+                  <a:schemeClr val="tx1"/>
+                </a:solidFill>
+              </a:rPr>
+              <a:t>.</a:t>
+            </a:r>
+            <a:endParaRPr lang="ko-KR" altLang="en-US" b="0" dirty="0">
+              <a:solidFill>
+                <a:schemeClr val="tx1"/>
+              </a:solidFill>
+            </a:endParaRPr>
+          </a:p>
+        </p:txBody>
+      </p:sp>
+    </p:spTree>
+    <p:extLst>
+      <p:ext uri="{BB962C8B-B14F-4D97-AF65-F5344CB8AC3E}">
+        <p14:creationId xmlns:p14="http://schemas.microsoft.com/office/powerpoint/2010/main" val="427063352"/>
       </p:ext>
     </p:extLst>
   </p:cSld>
@@ -4949,39 +9350,138 @@
           </p:txBody>
         </p:sp>
       </p:grpSp>
+      <p:sp>
+        <p:nvSpPr>
+          <p:cNvPr id="27" name="TextBox 26"/>
+          <p:cNvSpPr txBox="1"/>
+          <p:nvPr/>
+        </p:nvSpPr>
+        <p:spPr>
+          <a:xfrm>
+            <a:off x="6283888" y="3087337"/>
+            <a:ext cx="3701603" cy="338554"/>
+          </a:xfrm>
+          <a:prstGeom prst="rect">
+            <a:avLst/>
+          </a:prstGeom>
+          <a:noFill/>
+          <a:scene3d>
+            <a:camera prst="obliqueTopLeft"/>
+            <a:lightRig rig="threePt" dir="t"/>
+          </a:scene3d>
+        </p:spPr>
+        <p:txBody>
+          <a:bodyPr wrap="square" rtlCol="0">
+            <a:spAutoFit/>
+          </a:bodyPr>
+          <a:lstStyle/>
+          <a:p>
+            <a:endParaRPr lang="en-US" altLang="ko-KR" sz="1600" spc="-200" dirty="0">
+              <a:solidFill>
+                <a:schemeClr val="tx1">
+                  <a:lumMod val="75000"/>
+                  <a:lumOff val="25000"/>
+                </a:schemeClr>
+              </a:solidFill>
+              <a:latin typeface="나눔명조" pitchFamily="18" charset="-127"/>
+              <a:ea typeface="나눔명조" pitchFamily="18" charset="-127"/>
+            </a:endParaRPr>
+          </a:p>
+        </p:txBody>
+      </p:sp>
       <p:grpSp>
         <p:nvGrpSpPr>
-          <p:cNvPr id="23" name="그룹 22"/>
+          <p:cNvPr id="6" name="그룹 5">
+            <a:extLst>
+              <a:ext uri="{FF2B5EF4-FFF2-40B4-BE49-F238E27FC236}">
+                <a16:creationId xmlns:a16="http://schemas.microsoft.com/office/drawing/2014/main" id="{C0355898-C3E1-430A-B6D3-279EACD293AD}"/>
+              </a:ext>
+            </a:extLst>
+          </p:cNvPr>
           <p:cNvGrpSpPr/>
           <p:nvPr/>
         </p:nvGrpSpPr>
         <p:grpSpPr>
           <a:xfrm>
-            <a:off x="6442653" y="1680838"/>
-            <a:ext cx="5375682" cy="853784"/>
-            <a:chOff x="5065499" y="1707694"/>
-            <a:chExt cx="4031761" cy="640338"/>
+            <a:off x="793000" y="3914688"/>
+            <a:ext cx="6275624" cy="1329896"/>
+            <a:chOff x="765461" y="3213314"/>
+            <a:chExt cx="6275624" cy="1329896"/>
           </a:xfrm>
         </p:grpSpPr>
         <p:sp>
           <p:nvSpPr>
-            <p:cNvPr id="24" name="TextBox 23"/>
+            <p:cNvPr id="36" name="TextBox 35">
+              <a:extLst>
+                <a:ext uri="{FF2B5EF4-FFF2-40B4-BE49-F238E27FC236}">
+                  <a16:creationId xmlns:a16="http://schemas.microsoft.com/office/drawing/2014/main" id="{8D38CF14-9EF6-4A11-85EE-D8331D5B350E}"/>
+                </a:ext>
+              </a:extLst>
+            </p:cNvPr>
             <p:cNvSpPr txBox="1"/>
             <p:nvPr/>
           </p:nvSpPr>
           <p:spPr>
             <a:xfrm>
-              <a:off x="5076056" y="2094116"/>
-              <a:ext cx="2776202" cy="253916"/>
+              <a:off x="765461" y="3213314"/>
+              <a:ext cx="817726" cy="584775"/>
             </a:xfrm>
             <a:prstGeom prst="rect">
               <a:avLst/>
             </a:prstGeom>
             <a:noFill/>
-            <a:scene3d>
-              <a:camera prst="obliqueTopLeft"/>
-              <a:lightRig rig="threePt" dir="t"/>
-            </a:scene3d>
+          </p:spPr>
+          <p:txBody>
+            <a:bodyPr wrap="square">
+              <a:spAutoFit/>
+            </a:bodyPr>
+            <a:lstStyle/>
+            <a:p>
+              <a:r>
+                <a:rPr lang="en-US" altLang="ko-KR" sz="3200" spc="-200" dirty="0">
+                  <a:solidFill>
+                    <a:schemeClr val="accent5">
+                      <a:lumMod val="75000"/>
+                    </a:schemeClr>
+                  </a:solidFill>
+                  <a:latin typeface="나눔스퀘어 ExtraBold" panose="020B0600000101010101" pitchFamily="50" charset="-127"/>
+                  <a:ea typeface="나눔스퀘어 ExtraBold" panose="020B0600000101010101" pitchFamily="50" charset="-127"/>
+                </a:rPr>
+                <a:t>02</a:t>
+              </a:r>
+              <a:endParaRPr lang="ko-KR" altLang="en-US" sz="3200" spc="-200" dirty="0">
+                <a:solidFill>
+                  <a:schemeClr val="accent5">
+                    <a:lumMod val="75000"/>
+                  </a:schemeClr>
+                </a:solidFill>
+                <a:latin typeface="나눔스퀘어 ExtraBold" panose="020B0600000101010101" pitchFamily="50" charset="-127"/>
+                <a:ea typeface="나눔스퀘어 ExtraBold" panose="020B0600000101010101" pitchFamily="50" charset="-127"/>
+              </a:endParaRPr>
+            </a:p>
+          </p:txBody>
+        </p:sp>
+        <p:sp>
+          <p:nvSpPr>
+            <p:cNvPr id="41" name="TextBox 40">
+              <a:extLst>
+                <a:ext uri="{FF2B5EF4-FFF2-40B4-BE49-F238E27FC236}">
+                  <a16:creationId xmlns:a16="http://schemas.microsoft.com/office/drawing/2014/main" id="{D9D17127-CF92-4F0E-82EB-A5DDAFEC68CD}"/>
+                </a:ext>
+              </a:extLst>
+            </p:cNvPr>
+            <p:cNvSpPr txBox="1"/>
+            <p:nvPr/>
+          </p:nvSpPr>
+          <p:spPr>
+            <a:xfrm>
+              <a:off x="1362724" y="3264273"/>
+              <a:ext cx="5678361" cy="426335"/>
+            </a:xfrm>
+            <a:prstGeom prst="rect">
+              <a:avLst/>
+            </a:prstGeom>
+            <a:noFill/>
           </p:spPr>
           <p:txBody>
             <a:bodyPr wrap="square" rtlCol="0">
@@ -4989,19 +9489,204 @@
             </a:bodyPr>
             <a:lstStyle/>
             <a:p>
-              <a:endParaRPr lang="ko-KR" altLang="en-US" sz="1600" spc="-200" dirty="0">
+              <a:pPr>
+                <a:lnSpc>
+                  <a:spcPct val="130000"/>
+                </a:lnSpc>
+              </a:pPr>
+              <a:r>
+                <a:rPr lang="ko-KR" altLang="en-US" dirty="0">
+                  <a:latin typeface="나눔스퀘어 ExtraBold" panose="020B0600000101010101" pitchFamily="50" charset="-127"/>
+                  <a:ea typeface="나눔스퀘어 ExtraBold" panose="020B0600000101010101" pitchFamily="50" charset="-127"/>
+                </a:rPr>
+                <a:t>데이터 수집 및 </a:t>
+              </a:r>
+              <a:r>
+                <a:rPr lang="ko-KR" altLang="en-US" dirty="0" err="1">
+                  <a:latin typeface="나눔스퀘어 ExtraBold" panose="020B0600000101010101" pitchFamily="50" charset="-127"/>
+                  <a:ea typeface="나눔스퀘어 ExtraBold" panose="020B0600000101010101" pitchFamily="50" charset="-127"/>
+                </a:rPr>
+                <a:t>전처리</a:t>
+              </a:r>
+              <a:endParaRPr lang="en-US" altLang="ko-KR" dirty="0">
+                <a:latin typeface="나눔스퀘어 ExtraBold" panose="020B0600000101010101" pitchFamily="50" charset="-127"/>
+                <a:ea typeface="나눔스퀘어 ExtraBold" panose="020B0600000101010101" pitchFamily="50" charset="-127"/>
+              </a:endParaRPr>
+            </a:p>
+          </p:txBody>
+        </p:sp>
+        <p:sp>
+          <p:nvSpPr>
+            <p:cNvPr id="42" name="TextBox 41">
+              <a:extLst>
+                <a:ext uri="{FF2B5EF4-FFF2-40B4-BE49-F238E27FC236}">
+                  <a16:creationId xmlns:a16="http://schemas.microsoft.com/office/drawing/2014/main" id="{5368C99F-00CC-4804-8270-AB201A31C84F}"/>
+                </a:ext>
+              </a:extLst>
+            </p:cNvPr>
+            <p:cNvSpPr txBox="1"/>
+            <p:nvPr/>
+          </p:nvSpPr>
+          <p:spPr>
+            <a:xfrm>
+              <a:off x="1379106" y="3630973"/>
+              <a:ext cx="2188437" cy="912237"/>
+            </a:xfrm>
+            <a:prstGeom prst="rect">
+              <a:avLst/>
+            </a:prstGeom>
+            <a:noFill/>
+          </p:spPr>
+          <p:txBody>
+            <a:bodyPr wrap="square" rtlCol="0">
+              <a:spAutoFit/>
+            </a:bodyPr>
+            <a:lstStyle/>
+            <a:p>
+              <a:pPr marL="285750" indent="-285750">
+                <a:lnSpc>
+                  <a:spcPct val="130000"/>
+                </a:lnSpc>
+                <a:buFontTx/>
+                <a:buChar char="-"/>
+              </a:pPr>
+              <a:r>
+                <a:rPr lang="ko-KR" altLang="en-US" sz="1400" dirty="0">
+                  <a:solidFill>
+                    <a:schemeClr val="tx1">
+                      <a:lumMod val="75000"/>
+                      <a:lumOff val="25000"/>
+                    </a:schemeClr>
+                  </a:solidFill>
+                  <a:latin typeface="나눔스퀘어" panose="020B0600000101010101" pitchFamily="50" charset="-127"/>
+                  <a:ea typeface="나눔스퀘어" panose="020B0600000101010101" pitchFamily="50" charset="-127"/>
+                </a:rPr>
+                <a:t>주요 과정</a:t>
+              </a:r>
+              <a:endParaRPr lang="en-US" altLang="ko-KR" sz="1400" dirty="0">
                 <a:solidFill>
                   <a:schemeClr val="tx1">
                     <a:lumMod val="75000"/>
                     <a:lumOff val="25000"/>
                   </a:schemeClr>
                 </a:solidFill>
-                <a:latin typeface="나눔명조" pitchFamily="18" charset="-127"/>
-                <a:ea typeface="나눔명조" pitchFamily="18" charset="-127"/>
+                <a:latin typeface="나눔스퀘어" panose="020B0600000101010101" pitchFamily="50" charset="-127"/>
+                <a:ea typeface="나눔스퀘어" panose="020B0600000101010101" pitchFamily="50" charset="-127"/>
+              </a:endParaRPr>
+            </a:p>
+            <a:p>
+              <a:pPr marL="285750" indent="-285750">
+                <a:lnSpc>
+                  <a:spcPct val="130000"/>
+                </a:lnSpc>
+                <a:buFontTx/>
+                <a:buChar char="-"/>
+              </a:pPr>
+              <a:r>
+                <a:rPr lang="ko-KR" altLang="en-US" sz="1400" dirty="0">
+                  <a:solidFill>
+                    <a:schemeClr val="tx1">
+                      <a:lumMod val="75000"/>
+                      <a:lumOff val="25000"/>
+                    </a:schemeClr>
+                  </a:solidFill>
+                  <a:latin typeface="나눔스퀘어" panose="020B0600000101010101" pitchFamily="50" charset="-127"/>
+                  <a:ea typeface="나눔스퀘어" panose="020B0600000101010101" pitchFamily="50" charset="-127"/>
+                </a:rPr>
+                <a:t>데이터 수집</a:t>
+              </a:r>
+              <a:endParaRPr lang="en-US" altLang="ko-KR" sz="1400" dirty="0">
+                <a:solidFill>
+                  <a:schemeClr val="tx1">
+                    <a:lumMod val="75000"/>
+                    <a:lumOff val="25000"/>
+                  </a:schemeClr>
+                </a:solidFill>
+                <a:latin typeface="나눔스퀘어" panose="020B0600000101010101" pitchFamily="50" charset="-127"/>
+                <a:ea typeface="나눔스퀘어" panose="020B0600000101010101" pitchFamily="50" charset="-127"/>
+              </a:endParaRPr>
+            </a:p>
+            <a:p>
+              <a:pPr marL="285750" indent="-285750">
+                <a:lnSpc>
+                  <a:spcPct val="130000"/>
+                </a:lnSpc>
+                <a:buFontTx/>
+                <a:buChar char="-"/>
+              </a:pPr>
+              <a:r>
+                <a:rPr lang="ko-KR" altLang="en-US" sz="1400" dirty="0">
+                  <a:solidFill>
+                    <a:schemeClr val="tx1">
+                      <a:lumMod val="75000"/>
+                      <a:lumOff val="25000"/>
+                    </a:schemeClr>
+                  </a:solidFill>
+                  <a:latin typeface="나눔스퀘어" panose="020B0600000101010101" pitchFamily="50" charset="-127"/>
+                  <a:ea typeface="나눔스퀘어" panose="020B0600000101010101" pitchFamily="50" charset="-127"/>
+                </a:rPr>
+                <a:t>데이터 </a:t>
+              </a:r>
+              <a:r>
+                <a:rPr lang="ko-KR" altLang="en-US" sz="1400" dirty="0" err="1">
+                  <a:solidFill>
+                    <a:schemeClr val="tx1">
+                      <a:lumMod val="75000"/>
+                      <a:lumOff val="25000"/>
+                    </a:schemeClr>
+                  </a:solidFill>
+                  <a:latin typeface="나눔스퀘어" panose="020B0600000101010101" pitchFamily="50" charset="-127"/>
+                  <a:ea typeface="나눔스퀘어" panose="020B0600000101010101" pitchFamily="50" charset="-127"/>
+                </a:rPr>
+                <a:t>전처리</a:t>
+              </a:r>
+              <a:r>
+                <a:rPr lang="ko-KR" altLang="en-US" sz="1400" dirty="0">
+                  <a:solidFill>
+                    <a:schemeClr val="tx1">
+                      <a:lumMod val="75000"/>
+                      <a:lumOff val="25000"/>
+                    </a:schemeClr>
+                  </a:solidFill>
+                  <a:latin typeface="나눔스퀘어" panose="020B0600000101010101" pitchFamily="50" charset="-127"/>
+                  <a:ea typeface="나눔스퀘어" panose="020B0600000101010101" pitchFamily="50" charset="-127"/>
+                </a:rPr>
+                <a:t> </a:t>
+              </a:r>
+              <a:endParaRPr lang="en-US" altLang="ko-KR" sz="1400" dirty="0">
+                <a:solidFill>
+                  <a:schemeClr val="tx1">
+                    <a:lumMod val="75000"/>
+                    <a:lumOff val="25000"/>
+                  </a:schemeClr>
+                </a:solidFill>
+                <a:latin typeface="나눔스퀘어" panose="020B0600000101010101" pitchFamily="50" charset="-127"/>
+                <a:ea typeface="나눔스퀘어" panose="020B0600000101010101" pitchFamily="50" charset="-127"/>
               </a:endParaRPr>
             </a:p>
           </p:txBody>
         </p:sp>
+      </p:grpSp>
+      <p:grpSp>
+        <p:nvGrpSpPr>
+          <p:cNvPr id="2" name="그룹 1">
+            <a:extLst>
+              <a:ext uri="{FF2B5EF4-FFF2-40B4-BE49-F238E27FC236}">
+                <a16:creationId xmlns:a16="http://schemas.microsoft.com/office/drawing/2014/main" id="{AB94B1E3-1C13-4AB2-8F45-0A85886E043B}"/>
+              </a:ext>
+            </a:extLst>
+          </p:cNvPr>
+          <p:cNvGrpSpPr/>
+          <p:nvPr/>
+        </p:nvGrpSpPr>
+        <p:grpSpPr>
+          <a:xfrm>
+            <a:off x="6008984" y="3914688"/>
+            <a:ext cx="5375682" cy="584775"/>
+            <a:chOff x="6442653" y="1680838"/>
+            <a:chExt cx="5375682" cy="584775"/>
+          </a:xfrm>
+        </p:grpSpPr>
         <p:sp>
           <p:nvSpPr>
             <p:cNvPr id="25" name="TextBox 24"/>
@@ -5010,8 +9695,8 @@
           </p:nvSpPr>
           <p:spPr>
             <a:xfrm>
-              <a:off x="5065499" y="1707694"/>
-              <a:ext cx="4031761" cy="438581"/>
+              <a:off x="6442653" y="1680838"/>
+              <a:ext cx="5375682" cy="584775"/>
             </a:xfrm>
             <a:prstGeom prst="rect">
               <a:avLst/>
@@ -5048,70 +9733,22 @@
             </a:p>
           </p:txBody>
         </p:sp>
-      </p:grpSp>
-      <p:grpSp>
-        <p:nvGrpSpPr>
-          <p:cNvPr id="26" name="그룹 25"/>
-          <p:cNvGrpSpPr/>
-          <p:nvPr/>
-        </p:nvGrpSpPr>
-        <p:grpSpPr>
-          <a:xfrm>
-            <a:off x="6283888" y="3087337"/>
-            <a:ext cx="3701603" cy="1206541"/>
-            <a:chOff x="5076056" y="2814196"/>
-            <a:chExt cx="2776202" cy="904907"/>
-          </a:xfrm>
-        </p:grpSpPr>
         <p:sp>
           <p:nvSpPr>
-            <p:cNvPr id="27" name="TextBox 26"/>
+            <p:cNvPr id="44" name="TextBox 43">
+              <a:extLst>
+                <a:ext uri="{FF2B5EF4-FFF2-40B4-BE49-F238E27FC236}">
+                  <a16:creationId xmlns:a16="http://schemas.microsoft.com/office/drawing/2014/main" id="{E54BFEF8-461A-4CE9-9BB2-8D8495D93806}"/>
+                </a:ext>
+              </a:extLst>
+            </p:cNvPr>
             <p:cNvSpPr txBox="1"/>
             <p:nvPr/>
           </p:nvSpPr>
           <p:spPr>
             <a:xfrm>
-              <a:off x="5076056" y="2814196"/>
-              <a:ext cx="2776202" cy="253916"/>
-            </a:xfrm>
-            <a:prstGeom prst="rect">
-              <a:avLst/>
-            </a:prstGeom>
-            <a:noFill/>
-            <a:scene3d>
-              <a:camera prst="obliqueTopLeft"/>
-              <a:lightRig rig="threePt" dir="t"/>
-            </a:scene3d>
-          </p:spPr>
-          <p:txBody>
-            <a:bodyPr wrap="square" rtlCol="0">
-              <a:spAutoFit/>
-            </a:bodyPr>
-            <a:lstStyle/>
-            <a:p>
-              <a:endParaRPr lang="en-US" altLang="ko-KR" sz="1600" spc="-200" dirty="0">
-                <a:solidFill>
-                  <a:schemeClr val="tx1">
-                    <a:lumMod val="75000"/>
-                    <a:lumOff val="25000"/>
-                  </a:schemeClr>
-                </a:solidFill>
-                <a:latin typeface="나눔명조" pitchFamily="18" charset="-127"/>
-                <a:ea typeface="나눔명조" pitchFamily="18" charset="-127"/>
-              </a:endParaRPr>
-            </a:p>
-          </p:txBody>
-        </p:sp>
-        <p:sp>
-          <p:nvSpPr>
-            <p:cNvPr id="28" name="TextBox 27"/>
-            <p:cNvSpPr txBox="1"/>
-            <p:nvPr/>
-          </p:nvSpPr>
-          <p:spPr>
-            <a:xfrm>
-              <a:off x="5232456" y="3280522"/>
-              <a:ext cx="1539263" cy="438581"/>
+              <a:off x="7057468" y="1731662"/>
+              <a:ext cx="4082302" cy="426335"/>
             </a:xfrm>
             <a:prstGeom prst="rect">
               <a:avLst/>
@@ -5122,26 +9759,78 @@
             <a:bodyPr wrap="square" rtlCol="0">
               <a:spAutoFit/>
             </a:bodyPr>
-            <a:lstStyle>
-              <a:defPPr>
-                <a:defRPr lang="ko-KR"/>
-              </a:defPPr>
-              <a:lvl1pPr>
-                <a:defRPr sz="3200" spc="-200">
-                  <a:solidFill>
-                    <a:schemeClr val="tx1">
-                      <a:lumMod val="65000"/>
-                      <a:lumOff val="35000"/>
-                    </a:schemeClr>
-                  </a:solidFill>
-                  <a:latin typeface="나눔스퀘어 Bold" panose="020B0600000101010101" pitchFamily="50" charset="-127"/>
-                  <a:ea typeface="나눔스퀘어 Bold" panose="020B0600000101010101" pitchFamily="50" charset="-127"/>
-                </a:defRPr>
-              </a:lvl1pPr>
-            </a:lstStyle>
+            <a:lstStyle/>
+            <a:p>
+              <a:pPr>
+                <a:lnSpc>
+                  <a:spcPct val="130000"/>
+                </a:lnSpc>
+              </a:pPr>
+              <a:r>
+                <a:rPr lang="ko-KR" altLang="en-US" dirty="0">
+                  <a:latin typeface="나눔스퀘어 ExtraBold" panose="020B0600000101010101" pitchFamily="50" charset="-127"/>
+                  <a:ea typeface="나눔스퀘어 ExtraBold" panose="020B0600000101010101" pitchFamily="50" charset="-127"/>
+                </a:rPr>
+                <a:t>향후 진행방향</a:t>
+              </a:r>
+              <a:endParaRPr lang="en-US" altLang="ko-KR" dirty="0">
+                <a:latin typeface="나눔스퀘어 ExtraBold" panose="020B0600000101010101" pitchFamily="50" charset="-127"/>
+                <a:ea typeface="나눔스퀘어 ExtraBold" panose="020B0600000101010101" pitchFamily="50" charset="-127"/>
+              </a:endParaRPr>
+            </a:p>
+          </p:txBody>
+        </p:sp>
+      </p:grpSp>
+      <p:grpSp>
+        <p:nvGrpSpPr>
+          <p:cNvPr id="3" name="그룹 2">
+            <a:extLst>
+              <a:ext uri="{FF2B5EF4-FFF2-40B4-BE49-F238E27FC236}">
+                <a16:creationId xmlns:a16="http://schemas.microsoft.com/office/drawing/2014/main" id="{0812F5B4-D2BE-48F7-99CB-14F4207D18D1}"/>
+              </a:ext>
+            </a:extLst>
+          </p:cNvPr>
+          <p:cNvGrpSpPr/>
+          <p:nvPr/>
+        </p:nvGrpSpPr>
+        <p:grpSpPr>
+          <a:xfrm>
+            <a:off x="6008984" y="1677242"/>
+            <a:ext cx="3744416" cy="1165589"/>
+            <a:chOff x="793000" y="4610049"/>
+            <a:chExt cx="3744416" cy="1165589"/>
+          </a:xfrm>
+        </p:grpSpPr>
+        <p:sp>
+          <p:nvSpPr>
+            <p:cNvPr id="37" name="TextBox 36">
+              <a:extLst>
+                <a:ext uri="{FF2B5EF4-FFF2-40B4-BE49-F238E27FC236}">
+                  <a16:creationId xmlns:a16="http://schemas.microsoft.com/office/drawing/2014/main" id="{1C1B4A88-E96A-4C1F-BA26-326103262F7E}"/>
+                </a:ext>
+              </a:extLst>
+            </p:cNvPr>
+            <p:cNvSpPr txBox="1"/>
+            <p:nvPr/>
+          </p:nvSpPr>
+          <p:spPr>
+            <a:xfrm>
+              <a:off x="793000" y="4610049"/>
+              <a:ext cx="817726" cy="584775"/>
+            </a:xfrm>
+            <a:prstGeom prst="rect">
+              <a:avLst/>
+            </a:prstGeom>
+            <a:noFill/>
+          </p:spPr>
+          <p:txBody>
+            <a:bodyPr wrap="square">
+              <a:spAutoFit/>
+            </a:bodyPr>
+            <a:lstStyle/>
             <a:p>
               <a:r>
-                <a:rPr lang="en-US" altLang="ko-KR" dirty="0">
+                <a:rPr lang="en-US" altLang="ko-KR" sz="3200" spc="-200" dirty="0">
                   <a:solidFill>
                     <a:schemeClr val="accent5">
                       <a:lumMod val="75000"/>
@@ -5150,9 +9839,9 @@
                   <a:latin typeface="나눔스퀘어 ExtraBold" panose="020B0600000101010101" pitchFamily="50" charset="-127"/>
                   <a:ea typeface="나눔스퀘어 ExtraBold" panose="020B0600000101010101" pitchFamily="50" charset="-127"/>
                 </a:rPr>
-                <a:t>05</a:t>
+                <a:t>03</a:t>
               </a:r>
-              <a:endParaRPr lang="ko-KR" altLang="en-US" sz="2000" dirty="0">
+              <a:endParaRPr lang="ko-KR" altLang="en-US" sz="3200" spc="-200" dirty="0">
                 <a:solidFill>
                   <a:schemeClr val="accent5">
                     <a:lumMod val="75000"/>
@@ -5164,200 +9853,102 @@
             </a:p>
           </p:txBody>
         </p:sp>
-      </p:grpSp>
-      <p:sp>
-        <p:nvSpPr>
-          <p:cNvPr id="36" name="TextBox 35">
-            <a:extLst>
-              <a:ext uri="{FF2B5EF4-FFF2-40B4-BE49-F238E27FC236}">
-                <a16:creationId xmlns:a16="http://schemas.microsoft.com/office/drawing/2014/main" id="{8D38CF14-9EF6-4A11-85EE-D8331D5B350E}"/>
-              </a:ext>
-            </a:extLst>
-          </p:cNvPr>
-          <p:cNvSpPr txBox="1"/>
-          <p:nvPr/>
-        </p:nvSpPr>
-        <p:spPr>
-          <a:xfrm>
-            <a:off x="765461" y="3213314"/>
-            <a:ext cx="817726" cy="584775"/>
-          </a:xfrm>
-          <a:prstGeom prst="rect">
-            <a:avLst/>
-          </a:prstGeom>
-          <a:noFill/>
-        </p:spPr>
-        <p:txBody>
-          <a:bodyPr wrap="square">
-            <a:spAutoFit/>
-          </a:bodyPr>
-          <a:lstStyle/>
-          <a:p>
-            <a:r>
-              <a:rPr lang="en-US" altLang="ko-KR" sz="3200" spc="-200" dirty="0">
-                <a:solidFill>
-                  <a:schemeClr val="accent5">
-                    <a:lumMod val="75000"/>
-                  </a:schemeClr>
-                </a:solidFill>
+        <p:sp>
+          <p:nvSpPr>
+            <p:cNvPr id="43" name="TextBox 42">
+              <a:extLst>
+                <a:ext uri="{FF2B5EF4-FFF2-40B4-BE49-F238E27FC236}">
+                  <a16:creationId xmlns:a16="http://schemas.microsoft.com/office/drawing/2014/main" id="{5DC2A71C-8E46-4AA3-94BD-4D01EADE559B}"/>
+                </a:ext>
+              </a:extLst>
+            </p:cNvPr>
+            <p:cNvSpPr txBox="1"/>
+            <p:nvPr/>
+          </p:nvSpPr>
+          <p:spPr>
+            <a:xfrm>
+              <a:off x="1390263" y="4689268"/>
+              <a:ext cx="3147153" cy="426335"/>
+            </a:xfrm>
+            <a:prstGeom prst="rect">
+              <a:avLst/>
+            </a:prstGeom>
+            <a:noFill/>
+          </p:spPr>
+          <p:txBody>
+            <a:bodyPr wrap="square" rtlCol="0">
+              <a:spAutoFit/>
+            </a:bodyPr>
+            <a:lstStyle/>
+            <a:p>
+              <a:pPr>
+                <a:lnSpc>
+                  <a:spcPct val="130000"/>
+                </a:lnSpc>
+              </a:pPr>
+              <a:r>
+                <a:rPr lang="ko-KR" altLang="en-US" dirty="0">
+                  <a:latin typeface="나눔스퀘어 ExtraBold" panose="020B0600000101010101" pitchFamily="50" charset="-127"/>
+                  <a:ea typeface="나눔스퀘어 ExtraBold" panose="020B0600000101010101" pitchFamily="50" charset="-127"/>
+                </a:rPr>
+                <a:t>네트워크 분석</a:t>
+              </a:r>
+              <a:endParaRPr lang="en-US" altLang="ko-KR" dirty="0">
                 <a:latin typeface="나눔스퀘어 ExtraBold" panose="020B0600000101010101" pitchFamily="50" charset="-127"/>
                 <a:ea typeface="나눔스퀘어 ExtraBold" panose="020B0600000101010101" pitchFamily="50" charset="-127"/>
-              </a:rPr>
-              <a:t>02</a:t>
-            </a:r>
-            <a:endParaRPr lang="ko-KR" altLang="en-US" sz="3200" spc="-200" dirty="0">
-              <a:solidFill>
-                <a:schemeClr val="accent5">
-                  <a:lumMod val="75000"/>
-                </a:schemeClr>
-              </a:solidFill>
-              <a:latin typeface="나눔스퀘어 ExtraBold" panose="020B0600000101010101" pitchFamily="50" charset="-127"/>
-              <a:ea typeface="나눔스퀘어 ExtraBold" panose="020B0600000101010101" pitchFamily="50" charset="-127"/>
-            </a:endParaRPr>
-          </a:p>
-        </p:txBody>
-      </p:sp>
-      <p:sp>
-        <p:nvSpPr>
-          <p:cNvPr id="37" name="TextBox 36">
-            <a:extLst>
-              <a:ext uri="{FF2B5EF4-FFF2-40B4-BE49-F238E27FC236}">
-                <a16:creationId xmlns:a16="http://schemas.microsoft.com/office/drawing/2014/main" id="{1C1B4A88-E96A-4C1F-BA26-326103262F7E}"/>
-              </a:ext>
-            </a:extLst>
-          </p:cNvPr>
-          <p:cNvSpPr txBox="1"/>
-          <p:nvPr/>
-        </p:nvSpPr>
-        <p:spPr>
-          <a:xfrm>
-            <a:off x="793000" y="4610049"/>
-            <a:ext cx="817726" cy="584775"/>
-          </a:xfrm>
-          <a:prstGeom prst="rect">
-            <a:avLst/>
-          </a:prstGeom>
-          <a:noFill/>
-        </p:spPr>
-        <p:txBody>
-          <a:bodyPr wrap="square">
-            <a:spAutoFit/>
-          </a:bodyPr>
-          <a:lstStyle/>
-          <a:p>
-            <a:r>
-              <a:rPr lang="en-US" altLang="ko-KR" sz="3200" spc="-200" dirty="0">
-                <a:solidFill>
-                  <a:schemeClr val="accent5">
-                    <a:lumMod val="75000"/>
-                  </a:schemeClr>
-                </a:solidFill>
-                <a:latin typeface="나눔스퀘어 ExtraBold" panose="020B0600000101010101" pitchFamily="50" charset="-127"/>
-                <a:ea typeface="나눔스퀘어 ExtraBold" panose="020B0600000101010101" pitchFamily="50" charset="-127"/>
-              </a:rPr>
-              <a:t>03</a:t>
-            </a:r>
-            <a:endParaRPr lang="ko-KR" altLang="en-US" sz="3200" spc="-200" dirty="0">
-              <a:solidFill>
-                <a:schemeClr val="accent5">
-                  <a:lumMod val="75000"/>
-                </a:schemeClr>
-              </a:solidFill>
-              <a:latin typeface="나눔스퀘어 ExtraBold" panose="020B0600000101010101" pitchFamily="50" charset="-127"/>
-              <a:ea typeface="나눔스퀘어 ExtraBold" panose="020B0600000101010101" pitchFamily="50" charset="-127"/>
-            </a:endParaRPr>
-          </a:p>
-        </p:txBody>
-      </p:sp>
-      <p:sp>
-        <p:nvSpPr>
-          <p:cNvPr id="41" name="TextBox 40">
-            <a:extLst>
-              <a:ext uri="{FF2B5EF4-FFF2-40B4-BE49-F238E27FC236}">
-                <a16:creationId xmlns:a16="http://schemas.microsoft.com/office/drawing/2014/main" id="{D9D17127-CF92-4F0E-82EB-A5DDAFEC68CD}"/>
-              </a:ext>
-            </a:extLst>
-          </p:cNvPr>
-          <p:cNvSpPr txBox="1"/>
-          <p:nvPr/>
-        </p:nvSpPr>
-        <p:spPr>
-          <a:xfrm>
-            <a:off x="1362724" y="3264273"/>
-            <a:ext cx="5678361" cy="426335"/>
-          </a:xfrm>
-          <a:prstGeom prst="rect">
-            <a:avLst/>
-          </a:prstGeom>
-          <a:noFill/>
-        </p:spPr>
-        <p:txBody>
-          <a:bodyPr wrap="square" rtlCol="0">
-            <a:spAutoFit/>
-          </a:bodyPr>
-          <a:lstStyle/>
-          <a:p>
-            <a:pPr>
-              <a:lnSpc>
-                <a:spcPct val="130000"/>
-              </a:lnSpc>
-            </a:pPr>
-            <a:r>
-              <a:rPr lang="ko-KR" altLang="en-US" dirty="0">
-                <a:latin typeface="나눔스퀘어 ExtraBold" panose="020B0600000101010101" pitchFamily="50" charset="-127"/>
-                <a:ea typeface="나눔스퀘어 ExtraBold" panose="020B0600000101010101" pitchFamily="50" charset="-127"/>
-              </a:rPr>
-              <a:t>데이터 수집 및 </a:t>
-            </a:r>
-            <a:r>
-              <a:rPr lang="ko-KR" altLang="en-US" dirty="0" err="1">
-                <a:latin typeface="나눔스퀘어 ExtraBold" panose="020B0600000101010101" pitchFamily="50" charset="-127"/>
-                <a:ea typeface="나눔스퀘어 ExtraBold" panose="020B0600000101010101" pitchFamily="50" charset="-127"/>
-              </a:rPr>
-              <a:t>전처리</a:t>
-            </a:r>
-            <a:endParaRPr lang="en-US" altLang="ko-KR" dirty="0">
-              <a:latin typeface="나눔스퀘어 ExtraBold" panose="020B0600000101010101" pitchFamily="50" charset="-127"/>
-              <a:ea typeface="나눔스퀘어 ExtraBold" panose="020B0600000101010101" pitchFamily="50" charset="-127"/>
-            </a:endParaRPr>
-          </a:p>
-        </p:txBody>
-      </p:sp>
-      <p:sp>
-        <p:nvSpPr>
-          <p:cNvPr id="42" name="TextBox 41">
-            <a:extLst>
-              <a:ext uri="{FF2B5EF4-FFF2-40B4-BE49-F238E27FC236}">
-                <a16:creationId xmlns:a16="http://schemas.microsoft.com/office/drawing/2014/main" id="{5368C99F-00CC-4804-8270-AB201A31C84F}"/>
-              </a:ext>
-            </a:extLst>
-          </p:cNvPr>
-          <p:cNvSpPr txBox="1"/>
-          <p:nvPr/>
-        </p:nvSpPr>
-        <p:spPr>
-          <a:xfrm>
-            <a:off x="1379106" y="3630973"/>
-            <a:ext cx="2188437" cy="632161"/>
-          </a:xfrm>
-          <a:prstGeom prst="rect">
-            <a:avLst/>
-          </a:prstGeom>
-          <a:noFill/>
-        </p:spPr>
-        <p:txBody>
-          <a:bodyPr wrap="square" rtlCol="0">
-            <a:spAutoFit/>
-          </a:bodyPr>
-          <a:lstStyle/>
-          <a:p>
-            <a:pPr>
-              <a:lnSpc>
-                <a:spcPct val="130000"/>
-              </a:lnSpc>
-            </a:pPr>
-            <a:r>
-              <a:rPr lang="en-US" altLang="ko-KR" sz="1400" dirty="0">
+              </a:endParaRPr>
+            </a:p>
+          </p:txBody>
+        </p:sp>
+        <p:sp>
+          <p:nvSpPr>
+            <p:cNvPr id="45" name="TextBox 44">
+              <a:extLst>
+                <a:ext uri="{FF2B5EF4-FFF2-40B4-BE49-F238E27FC236}">
+                  <a16:creationId xmlns:a16="http://schemas.microsoft.com/office/drawing/2014/main" id="{418D09CD-8201-43BA-AA87-DCFD53CCF6C2}"/>
+                </a:ext>
+              </a:extLst>
+            </p:cNvPr>
+            <p:cNvSpPr txBox="1"/>
+            <p:nvPr/>
+          </p:nvSpPr>
+          <p:spPr>
+            <a:xfrm>
+              <a:off x="1390263" y="5143477"/>
+              <a:ext cx="2188437" cy="632161"/>
+            </a:xfrm>
+            <a:prstGeom prst="rect">
+              <a:avLst/>
+            </a:prstGeom>
+            <a:noFill/>
+          </p:spPr>
+          <p:txBody>
+            <a:bodyPr wrap="square" rtlCol="0">
+              <a:spAutoFit/>
+            </a:bodyPr>
+            <a:lstStyle/>
+            <a:p>
+              <a:pPr marL="285750" indent="-285750">
+                <a:lnSpc>
+                  <a:spcPct val="130000"/>
+                </a:lnSpc>
+                <a:buFontTx/>
+                <a:buChar char="-"/>
+              </a:pPr>
+              <a:r>
+                <a:rPr lang="ko-KR" altLang="en-US" sz="1400" dirty="0">
+                  <a:solidFill>
+                    <a:schemeClr val="tx1">
+                      <a:lumMod val="75000"/>
+                      <a:lumOff val="25000"/>
+                    </a:schemeClr>
+                  </a:solidFill>
+                  <a:latin typeface="나눔스퀘어" panose="020B0600000101010101" pitchFamily="50" charset="-127"/>
+                  <a:ea typeface="나눔스퀘어" panose="020B0600000101010101" pitchFamily="50" charset="-127"/>
+                </a:rPr>
+                <a:t>주요 과정</a:t>
+              </a:r>
+              <a:endParaRPr lang="en-US" altLang="ko-KR" sz="1400" dirty="0">
                 <a:solidFill>
                   <a:schemeClr val="tx1">
                     <a:lumMod val="75000"/>
@@ -5366,11 +9957,30 @@
                 </a:solidFill>
                 <a:latin typeface="나눔스퀘어" panose="020B0600000101010101" pitchFamily="50" charset="-127"/>
                 <a:ea typeface="나눔스퀘어" panose="020B0600000101010101" pitchFamily="50" charset="-127"/>
-              </a:rPr>
-              <a:t>- </a:t>
-            </a:r>
-            <a:r>
-              <a:rPr lang="ko-KR" altLang="en-US" sz="1400" dirty="0">
+              </a:endParaRPr>
+            </a:p>
+            <a:p>
+              <a:pPr marL="285750" indent="-285750">
+                <a:lnSpc>
+                  <a:spcPct val="130000"/>
+                </a:lnSpc>
+                <a:buFontTx/>
+                <a:buChar char="-"/>
+              </a:pPr>
+              <a:r>
+                <a:rPr lang="ko-KR" altLang="en-US" sz="1400" dirty="0">
+                  <a:solidFill>
+                    <a:schemeClr val="tx1">
+                      <a:lumMod val="75000"/>
+                      <a:lumOff val="25000"/>
+                    </a:schemeClr>
+                  </a:solidFill>
+                  <a:latin typeface="나눔스퀘어" panose="020B0600000101010101" pitchFamily="50" charset="-127"/>
+                  <a:ea typeface="나눔스퀘어" panose="020B0600000101010101" pitchFamily="50" charset="-127"/>
+                </a:rPr>
+                <a:t>분석 절차</a:t>
+              </a:r>
+              <a:endParaRPr lang="en-US" altLang="ko-KR" sz="1400" dirty="0">
                 <a:solidFill>
                   <a:schemeClr val="tx1">
                     <a:lumMod val="75000"/>
@@ -5379,325 +9989,11 @@
                 </a:solidFill>
                 <a:latin typeface="나눔스퀘어" panose="020B0600000101010101" pitchFamily="50" charset="-127"/>
                 <a:ea typeface="나눔스퀘어" panose="020B0600000101010101" pitchFamily="50" charset="-127"/>
-              </a:rPr>
-              <a:t>데이터 수집</a:t>
-            </a:r>
-            <a:endParaRPr lang="en-US" altLang="ko-KR" sz="1400" dirty="0">
-              <a:solidFill>
-                <a:schemeClr val="tx1">
-                  <a:lumMod val="75000"/>
-                  <a:lumOff val="25000"/>
-                </a:schemeClr>
-              </a:solidFill>
-              <a:latin typeface="나눔스퀘어" panose="020B0600000101010101" pitchFamily="50" charset="-127"/>
-              <a:ea typeface="나눔스퀘어" panose="020B0600000101010101" pitchFamily="50" charset="-127"/>
-            </a:endParaRPr>
-          </a:p>
-          <a:p>
-            <a:pPr>
-              <a:lnSpc>
-                <a:spcPct val="130000"/>
-              </a:lnSpc>
-            </a:pPr>
-            <a:r>
-              <a:rPr lang="en-US" altLang="ko-KR" sz="1400" dirty="0">
-                <a:solidFill>
-                  <a:schemeClr val="tx1">
-                    <a:lumMod val="75000"/>
-                    <a:lumOff val="25000"/>
-                  </a:schemeClr>
-                </a:solidFill>
-                <a:latin typeface="나눔스퀘어" panose="020B0600000101010101" pitchFamily="50" charset="-127"/>
-                <a:ea typeface="나눔스퀘어" panose="020B0600000101010101" pitchFamily="50" charset="-127"/>
-              </a:rPr>
-              <a:t>- </a:t>
-            </a:r>
-            <a:r>
-              <a:rPr lang="ko-KR" altLang="en-US" sz="1400" dirty="0">
-                <a:solidFill>
-                  <a:schemeClr val="tx1">
-                    <a:lumMod val="75000"/>
-                    <a:lumOff val="25000"/>
-                  </a:schemeClr>
-                </a:solidFill>
-                <a:latin typeface="나눔스퀘어" panose="020B0600000101010101" pitchFamily="50" charset="-127"/>
-                <a:ea typeface="나눔스퀘어" panose="020B0600000101010101" pitchFamily="50" charset="-127"/>
-              </a:rPr>
-              <a:t>데이터 </a:t>
-            </a:r>
-            <a:r>
-              <a:rPr lang="ko-KR" altLang="en-US" sz="1400" dirty="0" err="1">
-                <a:solidFill>
-                  <a:schemeClr val="tx1">
-                    <a:lumMod val="75000"/>
-                    <a:lumOff val="25000"/>
-                  </a:schemeClr>
-                </a:solidFill>
-                <a:latin typeface="나눔스퀘어" panose="020B0600000101010101" pitchFamily="50" charset="-127"/>
-                <a:ea typeface="나눔스퀘어" panose="020B0600000101010101" pitchFamily="50" charset="-127"/>
-              </a:rPr>
-              <a:t>전처리</a:t>
-            </a:r>
-            <a:r>
-              <a:rPr lang="ko-KR" altLang="en-US" sz="1400" dirty="0">
-                <a:solidFill>
-                  <a:schemeClr val="tx1">
-                    <a:lumMod val="75000"/>
-                    <a:lumOff val="25000"/>
-                  </a:schemeClr>
-                </a:solidFill>
-                <a:latin typeface="나눔스퀘어" panose="020B0600000101010101" pitchFamily="50" charset="-127"/>
-                <a:ea typeface="나눔스퀘어" panose="020B0600000101010101" pitchFamily="50" charset="-127"/>
-              </a:rPr>
-              <a:t> </a:t>
-            </a:r>
-            <a:endParaRPr lang="en-US" altLang="ko-KR" sz="1400" dirty="0">
-              <a:solidFill>
-                <a:schemeClr val="tx1">
-                  <a:lumMod val="75000"/>
-                  <a:lumOff val="25000"/>
-                </a:schemeClr>
-              </a:solidFill>
-              <a:latin typeface="나눔스퀘어" panose="020B0600000101010101" pitchFamily="50" charset="-127"/>
-              <a:ea typeface="나눔스퀘어" panose="020B0600000101010101" pitchFamily="50" charset="-127"/>
-            </a:endParaRPr>
-          </a:p>
-        </p:txBody>
-      </p:sp>
-      <p:sp>
-        <p:nvSpPr>
-          <p:cNvPr id="43" name="TextBox 42">
-            <a:extLst>
-              <a:ext uri="{FF2B5EF4-FFF2-40B4-BE49-F238E27FC236}">
-                <a16:creationId xmlns:a16="http://schemas.microsoft.com/office/drawing/2014/main" id="{5DC2A71C-8E46-4AA3-94BD-4D01EADE559B}"/>
-              </a:ext>
-            </a:extLst>
-          </p:cNvPr>
-          <p:cNvSpPr txBox="1"/>
-          <p:nvPr/>
-        </p:nvSpPr>
-        <p:spPr>
-          <a:xfrm>
-            <a:off x="1390263" y="4689268"/>
-            <a:ext cx="3147153" cy="426335"/>
-          </a:xfrm>
-          <a:prstGeom prst="rect">
-            <a:avLst/>
-          </a:prstGeom>
-          <a:noFill/>
-        </p:spPr>
-        <p:txBody>
-          <a:bodyPr wrap="square" rtlCol="0">
-            <a:spAutoFit/>
-          </a:bodyPr>
-          <a:lstStyle/>
-          <a:p>
-            <a:pPr>
-              <a:lnSpc>
-                <a:spcPct val="130000"/>
-              </a:lnSpc>
-            </a:pPr>
-            <a:r>
-              <a:rPr lang="ko-KR" altLang="en-US" dirty="0">
-                <a:latin typeface="나눔스퀘어 ExtraBold" panose="020B0600000101010101" pitchFamily="50" charset="-127"/>
-                <a:ea typeface="나눔스퀘어 ExtraBold" panose="020B0600000101010101" pitchFamily="50" charset="-127"/>
-              </a:rPr>
-              <a:t>네트워크 분석</a:t>
-            </a:r>
-            <a:endParaRPr lang="en-US" altLang="ko-KR" dirty="0">
-              <a:latin typeface="나눔스퀘어 ExtraBold" panose="020B0600000101010101" pitchFamily="50" charset="-127"/>
-              <a:ea typeface="나눔스퀘어 ExtraBold" panose="020B0600000101010101" pitchFamily="50" charset="-127"/>
-            </a:endParaRPr>
-          </a:p>
-        </p:txBody>
-      </p:sp>
-      <p:sp>
-        <p:nvSpPr>
-          <p:cNvPr id="44" name="TextBox 43">
-            <a:extLst>
-              <a:ext uri="{FF2B5EF4-FFF2-40B4-BE49-F238E27FC236}">
-                <a16:creationId xmlns:a16="http://schemas.microsoft.com/office/drawing/2014/main" id="{E54BFEF8-461A-4CE9-9BB2-8D8495D93806}"/>
-              </a:ext>
-            </a:extLst>
-          </p:cNvPr>
-          <p:cNvSpPr txBox="1"/>
-          <p:nvPr/>
-        </p:nvSpPr>
-        <p:spPr>
-          <a:xfrm>
-            <a:off x="7057467" y="1731662"/>
-            <a:ext cx="5764609" cy="426335"/>
-          </a:xfrm>
-          <a:prstGeom prst="rect">
-            <a:avLst/>
-          </a:prstGeom>
-          <a:noFill/>
-        </p:spPr>
-        <p:txBody>
-          <a:bodyPr wrap="square" rtlCol="0">
-            <a:spAutoFit/>
-          </a:bodyPr>
-          <a:lstStyle/>
-          <a:p>
-            <a:pPr>
-              <a:lnSpc>
-                <a:spcPct val="130000"/>
-              </a:lnSpc>
-            </a:pPr>
-            <a:r>
-              <a:rPr lang="ko-KR" altLang="en-US" dirty="0">
-                <a:latin typeface="나눔스퀘어 ExtraBold" panose="020B0600000101010101" pitchFamily="50" charset="-127"/>
-                <a:ea typeface="나눔스퀘어 ExtraBold" panose="020B0600000101010101" pitchFamily="50" charset="-127"/>
-              </a:rPr>
-              <a:t>인사이트 도출</a:t>
-            </a:r>
-            <a:endParaRPr lang="en-US" altLang="ko-KR" dirty="0">
-              <a:latin typeface="나눔스퀘어 ExtraBold" panose="020B0600000101010101" pitchFamily="50" charset="-127"/>
-              <a:ea typeface="나눔스퀘어 ExtraBold" panose="020B0600000101010101" pitchFamily="50" charset="-127"/>
-            </a:endParaRPr>
-          </a:p>
-        </p:txBody>
-      </p:sp>
-      <p:sp>
-        <p:nvSpPr>
-          <p:cNvPr id="45" name="TextBox 44">
-            <a:extLst>
-              <a:ext uri="{FF2B5EF4-FFF2-40B4-BE49-F238E27FC236}">
-                <a16:creationId xmlns:a16="http://schemas.microsoft.com/office/drawing/2014/main" id="{418D09CD-8201-43BA-AA87-DCFD53CCF6C2}"/>
-              </a:ext>
-            </a:extLst>
-          </p:cNvPr>
-          <p:cNvSpPr txBox="1"/>
-          <p:nvPr/>
-        </p:nvSpPr>
-        <p:spPr>
-          <a:xfrm>
-            <a:off x="1390263" y="5143477"/>
-            <a:ext cx="2188437" cy="632161"/>
-          </a:xfrm>
-          <a:prstGeom prst="rect">
-            <a:avLst/>
-          </a:prstGeom>
-          <a:noFill/>
-        </p:spPr>
-        <p:txBody>
-          <a:bodyPr wrap="square" rtlCol="0">
-            <a:spAutoFit/>
-          </a:bodyPr>
-          <a:lstStyle/>
-          <a:p>
-            <a:pPr marL="285750" indent="-285750">
-              <a:lnSpc>
-                <a:spcPct val="130000"/>
-              </a:lnSpc>
-              <a:buFontTx/>
-              <a:buChar char="-"/>
-            </a:pPr>
-            <a:r>
-              <a:rPr lang="ko-KR" altLang="en-US" sz="1400" dirty="0">
-                <a:solidFill>
-                  <a:schemeClr val="tx1">
-                    <a:lumMod val="75000"/>
-                    <a:lumOff val="25000"/>
-                  </a:schemeClr>
-                </a:solidFill>
-                <a:latin typeface="나눔스퀘어" panose="020B0600000101010101" pitchFamily="50" charset="-127"/>
-                <a:ea typeface="나눔스퀘어" panose="020B0600000101010101" pitchFamily="50" charset="-127"/>
-              </a:rPr>
-              <a:t>분석 절차</a:t>
-            </a:r>
-            <a:endParaRPr lang="en-US" altLang="ko-KR" sz="1400" dirty="0">
-              <a:solidFill>
-                <a:schemeClr val="tx1">
-                  <a:lumMod val="75000"/>
-                  <a:lumOff val="25000"/>
-                </a:schemeClr>
-              </a:solidFill>
-              <a:latin typeface="나눔스퀘어" panose="020B0600000101010101" pitchFamily="50" charset="-127"/>
-              <a:ea typeface="나눔스퀘어" panose="020B0600000101010101" pitchFamily="50" charset="-127"/>
-            </a:endParaRPr>
-          </a:p>
-          <a:p>
-            <a:pPr marL="285750" indent="-285750">
-              <a:lnSpc>
-                <a:spcPct val="130000"/>
-              </a:lnSpc>
-              <a:buFontTx/>
-              <a:buChar char="-"/>
-            </a:pPr>
-            <a:r>
-              <a:rPr lang="ko-KR" altLang="en-US" sz="1400" dirty="0">
-                <a:solidFill>
-                  <a:schemeClr val="tx1">
-                    <a:lumMod val="75000"/>
-                    <a:lumOff val="25000"/>
-                  </a:schemeClr>
-                </a:solidFill>
-                <a:latin typeface="나눔스퀘어" panose="020B0600000101010101" pitchFamily="50" charset="-127"/>
-                <a:ea typeface="나눔스퀘어" panose="020B0600000101010101" pitchFamily="50" charset="-127"/>
-              </a:rPr>
-              <a:t>분석 결과</a:t>
-            </a:r>
-            <a:endParaRPr lang="en-US" altLang="ko-KR" sz="1400" dirty="0">
-              <a:solidFill>
-                <a:schemeClr val="tx1">
-                  <a:lumMod val="75000"/>
-                  <a:lumOff val="25000"/>
-                </a:schemeClr>
-              </a:solidFill>
-              <a:latin typeface="나눔스퀘어" panose="020B0600000101010101" pitchFamily="50" charset="-127"/>
-              <a:ea typeface="나눔스퀘어" panose="020B0600000101010101" pitchFamily="50" charset="-127"/>
-            </a:endParaRPr>
-          </a:p>
-        </p:txBody>
-      </p:sp>
-      <p:sp>
-        <p:nvSpPr>
-          <p:cNvPr id="47" name="TextBox 46">
-            <a:extLst>
-              <a:ext uri="{FF2B5EF4-FFF2-40B4-BE49-F238E27FC236}">
-                <a16:creationId xmlns:a16="http://schemas.microsoft.com/office/drawing/2014/main" id="{9DF44595-CB2B-45C3-A0C3-77E7EE9E8745}"/>
-              </a:ext>
-            </a:extLst>
-          </p:cNvPr>
-          <p:cNvSpPr txBox="1"/>
-          <p:nvPr/>
-        </p:nvSpPr>
-        <p:spPr>
-          <a:xfrm>
-            <a:off x="7084476" y="3731145"/>
-            <a:ext cx="1050213" cy="426335"/>
-          </a:xfrm>
-          <a:prstGeom prst="rect">
-            <a:avLst/>
-          </a:prstGeom>
-          <a:noFill/>
-        </p:spPr>
-        <p:txBody>
-          <a:bodyPr wrap="square" rtlCol="0">
-            <a:spAutoFit/>
-          </a:bodyPr>
-          <a:lstStyle/>
-          <a:p>
-            <a:pPr>
-              <a:lnSpc>
-                <a:spcPct val="130000"/>
-              </a:lnSpc>
-            </a:pPr>
-            <a:r>
-              <a:rPr lang="ko-KR" altLang="en-US" dirty="0">
-                <a:latin typeface="나눔스퀘어 ExtraBold" panose="020B0600000101010101" pitchFamily="50" charset="-127"/>
-                <a:ea typeface="나눔스퀘어 ExtraBold" panose="020B0600000101010101" pitchFamily="50" charset="-127"/>
-              </a:rPr>
-              <a:t>결론</a:t>
-            </a:r>
-            <a:endParaRPr lang="en-US" altLang="ko-KR" dirty="0">
-              <a:latin typeface="나눔스퀘어 ExtraBold" panose="020B0600000101010101" pitchFamily="50" charset="-127"/>
-              <a:ea typeface="나눔스퀘어 ExtraBold" panose="020B0600000101010101" pitchFamily="50" charset="-127"/>
-            </a:endParaRPr>
-          </a:p>
-        </p:txBody>
-      </p:sp>
+              </a:endParaRPr>
+            </a:p>
+          </p:txBody>
+        </p:sp>
+      </p:grpSp>
       <p:sp>
         <p:nvSpPr>
           <p:cNvPr id="29" name="TextBox 28">
@@ -7519,7 +11815,7 @@
             <a:avLst/>
           </a:prstGeom>
           <a:solidFill>
-            <a:srgbClr val="0D2D84"/>
+            <a:srgbClr val="0A1F62"/>
           </a:solidFill>
           <a:ln>
             <a:noFill/>
@@ -7746,61 +12042,6 @@
             </a:prstGeom>
             <a:solidFill>
               <a:srgbClr val="0A1F62"/>
-            </a:solidFill>
-            <a:ln>
-              <a:noFill/>
-            </a:ln>
-          </p:spPr>
-          <p:style>
-            <a:lnRef idx="2">
-              <a:schemeClr val="accent5">
-                <a:shade val="50000"/>
-              </a:schemeClr>
-            </a:lnRef>
-            <a:fillRef idx="1">
-              <a:schemeClr val="accent5"/>
-            </a:fillRef>
-            <a:effectRef idx="0">
-              <a:schemeClr val="accent5"/>
-            </a:effectRef>
-            <a:fontRef idx="minor">
-              <a:schemeClr val="lt1"/>
-            </a:fontRef>
-          </p:style>
-          <p:txBody>
-            <a:bodyPr rtlCol="0" anchor="ctr"/>
-            <a:lstStyle/>
-            <a:p>
-              <a:pPr algn="ctr"/>
-              <a:endParaRPr lang="ko-KR" altLang="en-US" dirty="0">
-                <a:latin typeface="나눔스퀘어 Bold" panose="020B0600000101010101" pitchFamily="50" charset="-127"/>
-                <a:ea typeface="나눔스퀘어 Bold" panose="020B0600000101010101" pitchFamily="50" charset="-127"/>
-              </a:endParaRPr>
-            </a:p>
-          </p:txBody>
-        </p:sp>
-        <p:sp>
-          <p:nvSpPr>
-            <p:cNvPr id="20" name="사각형: 둥근 모서리 19">
-              <a:extLst>
-                <a:ext uri="{FF2B5EF4-FFF2-40B4-BE49-F238E27FC236}">
-                  <a16:creationId xmlns:a16="http://schemas.microsoft.com/office/drawing/2014/main" id="{B00A6865-01FD-4F7A-A888-2D11E1692262}"/>
-                </a:ext>
-              </a:extLst>
-            </p:cNvPr>
-            <p:cNvSpPr/>
-            <p:nvPr/>
-          </p:nvSpPr>
-          <p:spPr>
-            <a:xfrm>
-              <a:off x="9351510" y="3933734"/>
-              <a:ext cx="811665" cy="1191600"/>
-            </a:xfrm>
-            <a:prstGeom prst="roundRect">
-              <a:avLst/>
-            </a:prstGeom>
-            <a:solidFill>
-              <a:srgbClr val="0D2D84"/>
             </a:solidFill>
             <a:ln>
               <a:noFill/>
@@ -7898,7 +12139,7 @@
             <a:avLst/>
           </a:prstGeom>
           <a:solidFill>
-            <a:srgbClr val="0D2D84"/>
+            <a:srgbClr val="0A1F62"/>
           </a:solidFill>
           <a:ln>
             <a:noFill/>
@@ -8993,7 +13234,7 @@
         </p:nvGrpSpPr>
         <p:grpSpPr>
           <a:xfrm>
-            <a:off x="1923331" y="2257871"/>
+            <a:off x="3005719" y="2972246"/>
             <a:ext cx="8415694" cy="1191601"/>
             <a:chOff x="1834720" y="2470774"/>
             <a:chExt cx="8415694" cy="1191601"/>
@@ -9459,7 +13700,7 @@
         </p:nvSpPr>
         <p:spPr>
           <a:xfrm>
-            <a:off x="1923331" y="3597012"/>
+            <a:off x="3005719" y="4311387"/>
             <a:ext cx="1621740" cy="738664"/>
           </a:xfrm>
           <a:prstGeom prst="rect">
@@ -9508,7 +13749,7 @@
         </p:nvSpPr>
         <p:spPr>
           <a:xfrm>
-            <a:off x="4246645" y="3597012"/>
+            <a:off x="5329033" y="4311387"/>
             <a:ext cx="1621740" cy="738664"/>
           </a:xfrm>
           <a:prstGeom prst="rect">
@@ -9550,7 +13791,7 @@
         </p:nvSpPr>
         <p:spPr>
           <a:xfrm>
-            <a:off x="6538576" y="3597012"/>
+            <a:off x="7620964" y="4311387"/>
             <a:ext cx="1621740" cy="738664"/>
           </a:xfrm>
           <a:prstGeom prst="rect">
@@ -9620,7 +13861,7 @@
         </p:nvSpPr>
         <p:spPr>
           <a:xfrm>
-            <a:off x="8830507" y="3597012"/>
+            <a:off x="9912895" y="4311387"/>
             <a:ext cx="1621740" cy="738664"/>
           </a:xfrm>
           <a:prstGeom prst="rect">
@@ -9668,6 +13909,181 @@
                 <a:ea typeface="나눔스퀘어 Bold" panose="020B0600000101010101" pitchFamily="50" charset="-127"/>
               </a:rPr>
               <a:t> 과정 진행</a:t>
+            </a:r>
+            <a:endParaRPr lang="en-US" altLang="ko-KR" sz="1400" spc="-150" dirty="0">
+              <a:latin typeface="나눔스퀘어 Bold" panose="020B0600000101010101" pitchFamily="50" charset="-127"/>
+              <a:ea typeface="나눔스퀘어 Bold" panose="020B0600000101010101" pitchFamily="50" charset="-127"/>
+            </a:endParaRPr>
+          </a:p>
+        </p:txBody>
+      </p:sp>
+      <p:sp>
+        <p:nvSpPr>
+          <p:cNvPr id="29" name="사각형: 둥근 모서리 28">
+            <a:extLst>
+              <a:ext uri="{FF2B5EF4-FFF2-40B4-BE49-F238E27FC236}">
+                <a16:creationId xmlns:a16="http://schemas.microsoft.com/office/drawing/2014/main" id="{EA59F951-F093-4B26-B9D6-DA9372F7A80B}"/>
+              </a:ext>
+            </a:extLst>
+          </p:cNvPr>
+          <p:cNvSpPr/>
+          <p:nvPr/>
+        </p:nvSpPr>
+        <p:spPr>
+          <a:xfrm>
+            <a:off x="771744" y="2972245"/>
+            <a:ext cx="1546259" cy="1191600"/>
+          </a:xfrm>
+          <a:prstGeom prst="roundRect">
+            <a:avLst/>
+          </a:prstGeom>
+          <a:solidFill>
+            <a:srgbClr val="0A1F62"/>
+          </a:solidFill>
+          <a:ln>
+            <a:noFill/>
+          </a:ln>
+        </p:spPr>
+        <p:style>
+          <a:lnRef idx="2">
+            <a:schemeClr val="accent5">
+              <a:shade val="50000"/>
+            </a:schemeClr>
+          </a:lnRef>
+          <a:fillRef idx="1">
+            <a:schemeClr val="accent5"/>
+          </a:fillRef>
+          <a:effectRef idx="0">
+            <a:schemeClr val="accent5"/>
+          </a:effectRef>
+          <a:fontRef idx="minor">
+            <a:schemeClr val="lt1"/>
+          </a:fontRef>
+        </p:style>
+        <p:txBody>
+          <a:bodyPr rtlCol="0" anchor="ctr"/>
+          <a:lstStyle/>
+          <a:p>
+            <a:pPr algn="ctr"/>
+            <a:r>
+              <a:rPr lang="en-US" altLang="ko-KR" sz="1400" dirty="0">
+                <a:latin typeface="나눔스퀘어 Bold" panose="020B0600000101010101" pitchFamily="50" charset="-127"/>
+                <a:ea typeface="나눔스퀘어 Bold" panose="020B0600000101010101" pitchFamily="50" charset="-127"/>
+              </a:rPr>
+              <a:t>Keyword</a:t>
+            </a:r>
+          </a:p>
+          <a:p>
+            <a:pPr algn="ctr"/>
+            <a:r>
+              <a:rPr lang="ko-KR" altLang="en-US" sz="1400" dirty="0">
+                <a:latin typeface="나눔스퀘어 Bold" panose="020B0600000101010101" pitchFamily="50" charset="-127"/>
+                <a:ea typeface="나눔스퀘어 Bold" panose="020B0600000101010101" pitchFamily="50" charset="-127"/>
+              </a:rPr>
+              <a:t>선정</a:t>
+            </a:r>
+          </a:p>
+        </p:txBody>
+      </p:sp>
+      <p:sp>
+        <p:nvSpPr>
+          <p:cNvPr id="30" name="화살표: 오른쪽 29">
+            <a:extLst>
+              <a:ext uri="{FF2B5EF4-FFF2-40B4-BE49-F238E27FC236}">
+                <a16:creationId xmlns:a16="http://schemas.microsoft.com/office/drawing/2014/main" id="{7899485C-4DBF-449A-948B-52A144C572C4}"/>
+              </a:ext>
+            </a:extLst>
+          </p:cNvPr>
+          <p:cNvSpPr/>
+          <p:nvPr/>
+        </p:nvSpPr>
+        <p:spPr>
+          <a:xfrm>
+            <a:off x="2505281" y="3401358"/>
+            <a:ext cx="333375" cy="333375"/>
+          </a:xfrm>
+          <a:prstGeom prst="rightArrow">
+            <a:avLst/>
+          </a:prstGeom>
+          <a:solidFill>
+            <a:srgbClr val="0A1F62"/>
+          </a:solidFill>
+          <a:ln>
+            <a:noFill/>
+          </a:ln>
+        </p:spPr>
+        <p:style>
+          <a:lnRef idx="2">
+            <a:schemeClr val="accent1">
+              <a:shade val="50000"/>
+            </a:schemeClr>
+          </a:lnRef>
+          <a:fillRef idx="1">
+            <a:schemeClr val="accent1"/>
+          </a:fillRef>
+          <a:effectRef idx="0">
+            <a:schemeClr val="accent1"/>
+          </a:effectRef>
+          <a:fontRef idx="minor">
+            <a:schemeClr val="lt1"/>
+          </a:fontRef>
+        </p:style>
+        <p:txBody>
+          <a:bodyPr rtlCol="0" anchor="ctr"/>
+          <a:lstStyle/>
+          <a:p>
+            <a:pPr algn="ctr"/>
+            <a:endParaRPr lang="ko-KR" altLang="en-US"/>
+          </a:p>
+        </p:txBody>
+      </p:sp>
+      <p:sp>
+        <p:nvSpPr>
+          <p:cNvPr id="31" name="TextBox 30">
+            <a:extLst>
+              <a:ext uri="{FF2B5EF4-FFF2-40B4-BE49-F238E27FC236}">
+                <a16:creationId xmlns:a16="http://schemas.microsoft.com/office/drawing/2014/main" id="{C1413B37-95F2-431A-A30B-4219071B224A}"/>
+              </a:ext>
+            </a:extLst>
+          </p:cNvPr>
+          <p:cNvSpPr txBox="1"/>
+          <p:nvPr/>
+        </p:nvSpPr>
+        <p:spPr>
+          <a:xfrm>
+            <a:off x="771744" y="4311387"/>
+            <a:ext cx="1621740" cy="523220"/>
+          </a:xfrm>
+          <a:prstGeom prst="rect">
+            <a:avLst/>
+          </a:prstGeom>
+          <a:noFill/>
+        </p:spPr>
+        <p:txBody>
+          <a:bodyPr wrap="square" rtlCol="0">
+            <a:spAutoFit/>
+          </a:bodyPr>
+          <a:lstStyle/>
+          <a:p>
+            <a:r>
+              <a:rPr lang="ko-KR" altLang="en-US" sz="1400" spc="-150" dirty="0">
+                <a:latin typeface="나눔스퀘어 Bold" panose="020B0600000101010101" pitchFamily="50" charset="-127"/>
+                <a:ea typeface="나눔스퀘어 Bold" panose="020B0600000101010101" pitchFamily="50" charset="-127"/>
+              </a:rPr>
+              <a:t>프로젝트에 사용할 </a:t>
+            </a:r>
+            <a:endParaRPr lang="en-US" altLang="ko-KR" sz="1400" spc="-150" dirty="0">
+              <a:latin typeface="나눔스퀘어 Bold" panose="020B0600000101010101" pitchFamily="50" charset="-127"/>
+              <a:ea typeface="나눔스퀘어 Bold" panose="020B0600000101010101" pitchFamily="50" charset="-127"/>
+            </a:endParaRPr>
+          </a:p>
+          <a:p>
+            <a:r>
+              <a:rPr lang="ko-KR" altLang="en-US" sz="1400" spc="-150" dirty="0">
+                <a:latin typeface="나눔스퀘어 Bold" panose="020B0600000101010101" pitchFamily="50" charset="-127"/>
+                <a:ea typeface="나눔스퀘어 Bold" panose="020B0600000101010101" pitchFamily="50" charset="-127"/>
+              </a:rPr>
+              <a:t>특허 검색 키워드 선정</a:t>
             </a:r>
             <a:endParaRPr lang="en-US" altLang="ko-KR" sz="1400" spc="-150" dirty="0">
               <a:latin typeface="나눔스퀘어 Bold" panose="020B0600000101010101" pitchFamily="50" charset="-127"/>
@@ -9900,20 +14316,20 @@
           <a:lstStyle/>
           <a:p>
             <a:r>
-              <a:rPr lang="ko-KR" altLang="en-US" spc="-150" dirty="0">
+              <a:rPr lang="ko-KR" altLang="en-US" b="1" spc="-150" dirty="0">
                 <a:latin typeface="나눔스퀘어 ExtraBold" panose="020B0600000101010101" pitchFamily="50" charset="-127"/>
                 <a:ea typeface="나눔스퀘어 ExtraBold" panose="020B0600000101010101" pitchFamily="50" charset="-127"/>
               </a:rPr>
               <a:t>데이터 수집 및 </a:t>
             </a:r>
             <a:r>
-              <a:rPr lang="ko-KR" altLang="en-US" spc="-150" dirty="0" err="1">
+              <a:rPr lang="ko-KR" altLang="en-US" b="1" spc="-150" dirty="0" err="1">
                 <a:latin typeface="나눔스퀘어 ExtraBold" panose="020B0600000101010101" pitchFamily="50" charset="-127"/>
                 <a:ea typeface="나눔스퀘어 ExtraBold" panose="020B0600000101010101" pitchFamily="50" charset="-127"/>
               </a:rPr>
               <a:t>전처리</a:t>
             </a:r>
-            <a:endParaRPr lang="en-US" altLang="ko-KR" spc="-150" dirty="0">
+            <a:endParaRPr lang="en-US" altLang="ko-KR" b="1" spc="-150" dirty="0">
               <a:latin typeface="나눔스퀘어 ExtraBold" panose="020B0600000101010101" pitchFamily="50" charset="-127"/>
               <a:ea typeface="나눔스퀘어 ExtraBold" panose="020B0600000101010101" pitchFamily="50" charset="-127"/>
             </a:endParaRPr>
@@ -9922,10 +14338,100 @@
       </p:sp>
       <p:sp>
         <p:nvSpPr>
-          <p:cNvPr id="20" name="직사각형 19">
+          <p:cNvPr id="15" name="AutoShape 7">
             <a:extLst>
               <a:ext uri="{FF2B5EF4-FFF2-40B4-BE49-F238E27FC236}">
-                <a16:creationId xmlns:a16="http://schemas.microsoft.com/office/drawing/2014/main" id="{FAEBA3CA-307F-4EE5-BB54-D41C7CC69598}"/>
+                <a16:creationId xmlns:a16="http://schemas.microsoft.com/office/drawing/2014/main" id="{02AEA283-2508-49C8-B065-336125CDD007}"/>
+              </a:ext>
+            </a:extLst>
+          </p:cNvPr>
+          <p:cNvSpPr>
+            <a:spLocks noChangeAspect="1" noChangeArrowheads="1"/>
+          </p:cNvSpPr>
+          <p:nvPr/>
+        </p:nvSpPr>
+        <p:spPr bwMode="auto">
+          <a:xfrm>
+            <a:off x="44450" y="-168275"/>
+            <a:ext cx="228600" cy="228600"/>
+          </a:xfrm>
+          <a:prstGeom prst="rect">
+            <a:avLst/>
+          </a:prstGeom>
+          <a:noFill/>
+          <a:extLst>
+            <a:ext uri="{909E8E84-426E-40DD-AFC4-6F175D3DCCD1}">
+              <a14:hiddenFill xmlns:a14="http://schemas.microsoft.com/office/drawing/2010/main">
+                <a:solidFill>
+                  <a:srgbClr val="FFFFFF"/>
+                </a:solidFill>
+              </a14:hiddenFill>
+            </a:ext>
+          </a:extLst>
+        </p:spPr>
+        <p:txBody>
+          <a:bodyPr vert="horz" wrap="square" lIns="91440" tIns="45720" rIns="91440" bIns="45720" numCol="1" anchor="t" anchorCtr="0" compatLnSpc="1">
+            <a:prstTxWarp prst="textNoShape">
+              <a:avLst/>
+            </a:prstTxWarp>
+          </a:bodyPr>
+          <a:lstStyle/>
+          <a:p>
+            <a:endParaRPr lang="ko-KR" altLang="en-US"/>
+          </a:p>
+        </p:txBody>
+      </p:sp>
+      <p:sp>
+        <p:nvSpPr>
+          <p:cNvPr id="16" name="AutoShape 9">
+            <a:extLst>
+              <a:ext uri="{FF2B5EF4-FFF2-40B4-BE49-F238E27FC236}">
+                <a16:creationId xmlns:a16="http://schemas.microsoft.com/office/drawing/2014/main" id="{07174EAA-C7C3-4643-9A3A-CE356403603F}"/>
+              </a:ext>
+            </a:extLst>
+          </p:cNvPr>
+          <p:cNvSpPr>
+            <a:spLocks noChangeAspect="1" noChangeArrowheads="1"/>
+          </p:cNvSpPr>
+          <p:nvPr/>
+        </p:nvSpPr>
+        <p:spPr bwMode="auto">
+          <a:xfrm>
+            <a:off x="98425" y="-168275"/>
+            <a:ext cx="228600" cy="228600"/>
+          </a:xfrm>
+          <a:prstGeom prst="rect">
+            <a:avLst/>
+          </a:prstGeom>
+          <a:noFill/>
+          <a:extLst>
+            <a:ext uri="{909E8E84-426E-40DD-AFC4-6F175D3DCCD1}">
+              <a14:hiddenFill xmlns:a14="http://schemas.microsoft.com/office/drawing/2010/main">
+                <a:solidFill>
+                  <a:srgbClr val="FFFFFF"/>
+                </a:solidFill>
+              </a14:hiddenFill>
+            </a:ext>
+          </a:extLst>
+        </p:spPr>
+        <p:txBody>
+          <a:bodyPr vert="horz" wrap="square" lIns="91440" tIns="45720" rIns="91440" bIns="45720" numCol="1" anchor="t" anchorCtr="0" compatLnSpc="1">
+            <a:prstTxWarp prst="textNoShape">
+              <a:avLst/>
+            </a:prstTxWarp>
+          </a:bodyPr>
+          <a:lstStyle/>
+          <a:p>
+            <a:endParaRPr lang="ko-KR" altLang="en-US"/>
+          </a:p>
+        </p:txBody>
+      </p:sp>
+      <p:sp>
+        <p:nvSpPr>
+          <p:cNvPr id="10" name="직사각형 9">
+            <a:extLst>
+              <a:ext uri="{FF2B5EF4-FFF2-40B4-BE49-F238E27FC236}">
+                <a16:creationId xmlns:a16="http://schemas.microsoft.com/office/drawing/2014/main" id="{1DCB62C0-960F-45DF-A485-AF0FFBD969BF}"/>
               </a:ext>
             </a:extLst>
           </p:cNvPr>
@@ -9976,10 +14482,10 @@
       </p:sp>
       <p:sp>
         <p:nvSpPr>
-          <p:cNvPr id="21" name="TextBox 20">
+          <p:cNvPr id="12" name="TextBox 11">
             <a:extLst>
               <a:ext uri="{FF2B5EF4-FFF2-40B4-BE49-F238E27FC236}">
-                <a16:creationId xmlns:a16="http://schemas.microsoft.com/office/drawing/2014/main" id="{C4B2761F-9B53-4255-865D-DDAAFE3E265B}"/>
+                <a16:creationId xmlns:a16="http://schemas.microsoft.com/office/drawing/2014/main" id="{03499241-DFD7-432C-9783-14AC360EAB8B}"/>
               </a:ext>
             </a:extLst>
           </p:cNvPr>
@@ -10025,37 +14531,34 @@
                 <a:latin typeface="나눔스퀘어_ac ExtraBold" panose="020B0600000101010101" pitchFamily="50" charset="-127"/>
                 <a:ea typeface="나눔스퀘어_ac ExtraBold" panose="020B0600000101010101" pitchFamily="50" charset="-127"/>
               </a:rPr>
-              <a:t>데이터 수집</a:t>
-            </a:r>
-            <a:r>
-              <a:rPr lang="en-US" altLang="ko-KR" sz="2000" spc="-100" dirty="0">
-                <a:ln>
-                  <a:solidFill>
-                    <a:schemeClr val="accent1">
-                      <a:alpha val="0"/>
-                    </a:schemeClr>
-                  </a:solidFill>
-                </a:ln>
+              <a:t>검색어 선정</a:t>
+            </a:r>
+            <a:endParaRPr lang="en-US" altLang="ko-KR" sz="2000" spc="-100" dirty="0">
+              <a:ln>
                 <a:solidFill>
-                  <a:schemeClr val="tx1">
-                    <a:lumMod val="85000"/>
-                    <a:lumOff val="15000"/>
+                  <a:schemeClr val="accent1">
+                    <a:alpha val="0"/>
                   </a:schemeClr>
                 </a:solidFill>
-                <a:latin typeface="나눔스퀘어_ac ExtraBold" panose="020B0600000101010101" pitchFamily="50" charset="-127"/>
-                <a:ea typeface="나눔스퀘어_ac ExtraBold" panose="020B0600000101010101" pitchFamily="50" charset="-127"/>
-              </a:rPr>
-              <a:t>(1)</a:t>
-            </a:r>
-          </a:p>
-        </p:txBody>
-      </p:sp>
-      <p:sp>
-        <p:nvSpPr>
-          <p:cNvPr id="10" name="TextBox 9">
+              </a:ln>
+              <a:solidFill>
+                <a:schemeClr val="tx1">
+                  <a:lumMod val="85000"/>
+                  <a:lumOff val="15000"/>
+                </a:schemeClr>
+              </a:solidFill>
+              <a:latin typeface="나눔스퀘어_ac ExtraBold" panose="020B0600000101010101" pitchFamily="50" charset="-127"/>
+              <a:ea typeface="나눔스퀘어_ac ExtraBold" panose="020B0600000101010101" pitchFamily="50" charset="-127"/>
+            </a:endParaRPr>
+          </a:p>
+        </p:txBody>
+      </p:sp>
+      <p:sp>
+        <p:nvSpPr>
+          <p:cNvPr id="13" name="TextBox 12">
             <a:extLst>
               <a:ext uri="{FF2B5EF4-FFF2-40B4-BE49-F238E27FC236}">
-                <a16:creationId xmlns:a16="http://schemas.microsoft.com/office/drawing/2014/main" id="{A861B075-E2D1-460A-94EB-C4323D9AADE5}"/>
+                <a16:creationId xmlns:a16="http://schemas.microsoft.com/office/drawing/2014/main" id="{133144CE-BDB2-421F-8C98-097CABC678F7}"/>
               </a:ext>
             </a:extLst>
           </p:cNvPr>
@@ -10065,7 +14568,7 @@
         <p:spPr>
           <a:xfrm>
             <a:off x="498981" y="1633246"/>
-            <a:ext cx="8340219" cy="3814634"/>
+            <a:ext cx="8625969" cy="1318053"/>
           </a:xfrm>
           <a:prstGeom prst="rect">
             <a:avLst/>
@@ -10086,25 +14589,59 @@
               <a:buChar char="§"/>
             </a:pPr>
             <a:r>
+              <a:rPr lang="ko-KR" altLang="en-US" sz="1560" dirty="0">
+                <a:latin typeface="나눔스퀘어" panose="020B0600000101010101" pitchFamily="50" charset="-127"/>
+                <a:ea typeface="나눔스퀘어" panose="020B0600000101010101" pitchFamily="50" charset="-127"/>
+              </a:rPr>
+              <a:t>숙명여대 측에서 고객사의 주요 제품인 충전소재와 </a:t>
+            </a:r>
+            <a:r>
               <a:rPr lang="en-US" altLang="ko-KR" sz="1560" dirty="0">
                 <a:latin typeface="나눔스퀘어" panose="020B0600000101010101" pitchFamily="50" charset="-127"/>
                 <a:ea typeface="나눔스퀘어" panose="020B0600000101010101" pitchFamily="50" charset="-127"/>
               </a:rPr>
-              <a:t>Google Patent </a:t>
+              <a:t>heater jacket </a:t>
             </a:r>
             <a:r>
               <a:rPr lang="ko-KR" altLang="en-US" sz="1560" dirty="0">
                 <a:latin typeface="나눔스퀘어" panose="020B0600000101010101" pitchFamily="50" charset="-127"/>
                 <a:ea typeface="나눔스퀘어" panose="020B0600000101010101" pitchFamily="50" charset="-127"/>
               </a:rPr>
-              <a:t>데이터 </a:t>
+              <a:t>위주의 특허 키워드 조사를 실시함</a:t>
+            </a:r>
+            <a:endParaRPr lang="en-US" altLang="ko-KR" sz="1560" dirty="0">
+              <a:latin typeface="나눔스퀘어" panose="020B0600000101010101" pitchFamily="50" charset="-127"/>
+              <a:ea typeface="나눔스퀘어" panose="020B0600000101010101" pitchFamily="50" charset="-127"/>
+            </a:endParaRPr>
+          </a:p>
+          <a:p>
+            <a:pPr marL="285750" indent="-285750">
+              <a:lnSpc>
+                <a:spcPct val="130000"/>
+              </a:lnSpc>
+              <a:buFont typeface="Wingdings" panose="05000000000000000000" pitchFamily="2" charset="2"/>
+              <a:buChar char="§"/>
+            </a:pPr>
+            <a:r>
+              <a:rPr lang="ko-KR" altLang="en-US" sz="1560" dirty="0">
+                <a:latin typeface="나눔스퀘어" panose="020B0600000101010101" pitchFamily="50" charset="-127"/>
+                <a:ea typeface="나눔스퀘어" panose="020B0600000101010101" pitchFamily="50" charset="-127"/>
+              </a:rPr>
+              <a:t>조사된 결과를 바탕으로 키워드를 정리하여 </a:t>
             </a:r>
             <a:r>
               <a:rPr lang="ko-KR" altLang="en-US" sz="1560" dirty="0" err="1">
                 <a:latin typeface="나눔스퀘어" panose="020B0600000101010101" pitchFamily="50" charset="-127"/>
                 <a:ea typeface="나눔스퀘어" panose="020B0600000101010101" pitchFamily="50" charset="-127"/>
               </a:rPr>
-              <a:t>크롤링</a:t>
+              <a:t>과기대</a:t>
+            </a:r>
+            <a:r>
+              <a:rPr lang="ko-KR" altLang="en-US" sz="1560" dirty="0">
+                <a:latin typeface="나눔스퀘어" panose="020B0600000101010101" pitchFamily="50" charset="-127"/>
+                <a:ea typeface="나눔스퀘어" panose="020B0600000101010101" pitchFamily="50" charset="-127"/>
+              </a:rPr>
+              <a:t> 측에 전달</a:t>
             </a:r>
             <a:endParaRPr lang="en-US" altLang="ko-KR" sz="1560" dirty="0">
               <a:latin typeface="나눔스퀘어" panose="020B0600000101010101" pitchFamily="50" charset="-127"/>
@@ -10124,7 +14661,7 @@
                 <a:latin typeface="나눔스퀘어" panose="020B0600000101010101" pitchFamily="50" charset="-127"/>
                 <a:ea typeface="나눔스퀘어" panose="020B0600000101010101" pitchFamily="50" charset="-127"/>
               </a:rPr>
-              <a:t>검색 키워드 리스트 </a:t>
+              <a:t>친환경 재료 </a:t>
             </a:r>
             <a:r>
               <a:rPr lang="en-US" altLang="ko-KR" sz="1560" dirty="0">
@@ -10133,6 +14670,31 @@
               </a:rPr>
               <a:t>: </a:t>
             </a:r>
+            <a:r>
+              <a:rPr lang="ko-KR" altLang="en-US" sz="1560" dirty="0" err="1">
+                <a:latin typeface="나눔스퀘어" panose="020B0600000101010101" pitchFamily="50" charset="-127"/>
+                <a:ea typeface="나눔스퀘어" panose="020B0600000101010101" pitchFamily="50" charset="-127"/>
+              </a:rPr>
+              <a:t>폴리에틸렌테레프탈레이트</a:t>
+            </a:r>
+            <a:r>
+              <a:rPr lang="en-US" altLang="ko-KR" sz="1560" dirty="0">
+                <a:latin typeface="나눔스퀘어" panose="020B0600000101010101" pitchFamily="50" charset="-127"/>
+                <a:ea typeface="나눔스퀘어" panose="020B0600000101010101" pitchFamily="50" charset="-127"/>
+              </a:rPr>
+              <a:t>, </a:t>
+            </a:r>
+            <a:r>
+              <a:rPr lang="ko-KR" altLang="en-US" sz="1560" dirty="0" err="1">
+                <a:latin typeface="나눔스퀘어" panose="020B0600000101010101" pitchFamily="50" charset="-127"/>
+                <a:ea typeface="나눔스퀘어" panose="020B0600000101010101" pitchFamily="50" charset="-127"/>
+              </a:rPr>
+              <a:t>폴리아미드</a:t>
+            </a:r>
+            <a:endParaRPr lang="en-US" altLang="ko-KR" sz="1560" dirty="0">
+              <a:latin typeface="나눔스퀘어" panose="020B0600000101010101" pitchFamily="50" charset="-127"/>
+              <a:ea typeface="나눔스퀘어" panose="020B0600000101010101" pitchFamily="50" charset="-127"/>
+            </a:endParaRPr>
           </a:p>
           <a:p>
             <a:pPr marL="742950" lvl="1" indent="-285750">
@@ -10142,305 +14704,110 @@
               <a:buFont typeface="Wingdings" panose="05000000000000000000" pitchFamily="2" charset="2"/>
               <a:buChar char="§"/>
             </a:pPr>
+            <a:r>
+              <a:rPr lang="ko-KR" altLang="en-US" sz="1560" dirty="0">
+                <a:latin typeface="나눔스퀘어" panose="020B0600000101010101" pitchFamily="50" charset="-127"/>
+                <a:ea typeface="나눔스퀘어" panose="020B0600000101010101" pitchFamily="50" charset="-127"/>
+              </a:rPr>
+              <a:t>단열재 소재 </a:t>
+            </a:r>
+            <a:r>
+              <a:rPr lang="en-US" altLang="ko-KR" sz="1560" dirty="0">
+                <a:latin typeface="나눔스퀘어" panose="020B0600000101010101" pitchFamily="50" charset="-127"/>
+                <a:ea typeface="나눔스퀘어" panose="020B0600000101010101" pitchFamily="50" charset="-127"/>
+              </a:rPr>
+              <a:t>: </a:t>
+            </a:r>
+            <a:r>
+              <a:rPr lang="ko-KR" altLang="en-US" sz="1560" dirty="0">
+                <a:latin typeface="나눔스퀘어" panose="020B0600000101010101" pitchFamily="50" charset="-127"/>
+                <a:ea typeface="나눔스퀘어" panose="020B0600000101010101" pitchFamily="50" charset="-127"/>
+              </a:rPr>
+              <a:t>실리카</a:t>
+            </a:r>
+            <a:r>
+              <a:rPr lang="en-US" altLang="ko-KR" sz="1560" dirty="0">
+                <a:latin typeface="나눔스퀘어" panose="020B0600000101010101" pitchFamily="50" charset="-127"/>
+                <a:ea typeface="나눔스퀘어" panose="020B0600000101010101" pitchFamily="50" charset="-127"/>
+              </a:rPr>
+              <a:t>, </a:t>
+            </a:r>
+            <a:r>
+              <a:rPr lang="ko-KR" altLang="en-US" sz="1560" dirty="0">
+                <a:latin typeface="나눔스퀘어" panose="020B0600000101010101" pitchFamily="50" charset="-127"/>
+                <a:ea typeface="나눔스퀘어" panose="020B0600000101010101" pitchFamily="50" charset="-127"/>
+              </a:rPr>
+              <a:t>유리섬유</a:t>
+            </a:r>
+            <a:r>
+              <a:rPr lang="en-US" altLang="ko-KR" sz="1560" dirty="0">
+                <a:latin typeface="나눔스퀘어" panose="020B0600000101010101" pitchFamily="50" charset="-127"/>
+                <a:ea typeface="나눔스퀘어" panose="020B0600000101010101" pitchFamily="50" charset="-127"/>
+              </a:rPr>
+              <a:t>, </a:t>
+            </a:r>
+            <a:r>
+              <a:rPr lang="ko-KR" altLang="en-US" sz="1560" dirty="0">
+                <a:latin typeface="나눔스퀘어" panose="020B0600000101010101" pitchFamily="50" charset="-127"/>
+                <a:ea typeface="나눔스퀘어" panose="020B0600000101010101" pitchFamily="50" charset="-127"/>
+              </a:rPr>
+              <a:t>세라믹 섬유</a:t>
+            </a:r>
+            <a:r>
+              <a:rPr lang="en-US" altLang="ko-KR" sz="1560" dirty="0">
+                <a:latin typeface="나눔스퀘어" panose="020B0600000101010101" pitchFamily="50" charset="-127"/>
+                <a:ea typeface="나눔스퀘어" panose="020B0600000101010101" pitchFamily="50" charset="-127"/>
+              </a:rPr>
+              <a:t>, </a:t>
+            </a:r>
+            <a:r>
+              <a:rPr lang="ko-KR" altLang="en-US" sz="1560" dirty="0" err="1">
+                <a:latin typeface="나눔스퀘어" panose="020B0600000101010101" pitchFamily="50" charset="-127"/>
+                <a:ea typeface="나눔스퀘어" panose="020B0600000101010101" pitchFamily="50" charset="-127"/>
+              </a:rPr>
+              <a:t>에어로겔</a:t>
+            </a:r>
+            <a:r>
+              <a:rPr lang="en-US" altLang="ko-KR" sz="1560" dirty="0">
+                <a:latin typeface="나눔스퀘어" panose="020B0600000101010101" pitchFamily="50" charset="-127"/>
+                <a:ea typeface="나눔스퀘어" panose="020B0600000101010101" pitchFamily="50" charset="-127"/>
+              </a:rPr>
+              <a:t>, </a:t>
+            </a:r>
+            <a:r>
+              <a:rPr lang="ko-KR" altLang="en-US" sz="1560" dirty="0">
+                <a:latin typeface="나눔스퀘어" panose="020B0600000101010101" pitchFamily="50" charset="-127"/>
+                <a:ea typeface="나눔스퀘어" panose="020B0600000101010101" pitchFamily="50" charset="-127"/>
+              </a:rPr>
+              <a:t>탄소섬유</a:t>
+            </a:r>
+            <a:r>
+              <a:rPr lang="en-US" altLang="ko-KR" sz="1560" dirty="0">
+                <a:latin typeface="나눔스퀘어" panose="020B0600000101010101" pitchFamily="50" charset="-127"/>
+                <a:ea typeface="나눔스퀘어" panose="020B0600000101010101" pitchFamily="50" charset="-127"/>
+              </a:rPr>
+              <a:t> </a:t>
+            </a:r>
+            <a:r>
+              <a:rPr lang="ko-KR" altLang="en-US" sz="1560" dirty="0">
+                <a:latin typeface="나눔스퀘어" panose="020B0600000101010101" pitchFamily="50" charset="-127"/>
+                <a:ea typeface="나눔스퀘어" panose="020B0600000101010101" pitchFamily="50" charset="-127"/>
+              </a:rPr>
+              <a:t>등</a:t>
+            </a:r>
             <a:endParaRPr lang="en-US" altLang="ko-KR" sz="1560" dirty="0">
               <a:latin typeface="나눔스퀘어" panose="020B0600000101010101" pitchFamily="50" charset="-127"/>
               <a:ea typeface="나눔스퀘어" panose="020B0600000101010101" pitchFamily="50" charset="-127"/>
             </a:endParaRPr>
           </a:p>
-          <a:p>
-            <a:pPr marL="742950" lvl="1" indent="-285750">
-              <a:lnSpc>
-                <a:spcPct val="130000"/>
-              </a:lnSpc>
-              <a:buFont typeface="Wingdings" panose="05000000000000000000" pitchFamily="2" charset="2"/>
-              <a:buChar char="§"/>
-            </a:pPr>
-            <a:r>
-              <a:rPr lang="ko-KR" altLang="en-US" sz="1560" dirty="0">
-                <a:latin typeface="나눔스퀘어" panose="020B0600000101010101" pitchFamily="50" charset="-127"/>
-                <a:ea typeface="나눔스퀘어" panose="020B0600000101010101" pitchFamily="50" charset="-127"/>
-              </a:rPr>
-              <a:t>전달받은 키워드를 기반으로 </a:t>
-            </a:r>
-            <a:r>
-              <a:rPr lang="en-US" altLang="ko-KR" sz="1560" dirty="0">
-                <a:latin typeface="나눔스퀘어" panose="020B0600000101010101" pitchFamily="50" charset="-127"/>
-                <a:ea typeface="나눔스퀘어" panose="020B0600000101010101" pitchFamily="50" charset="-127"/>
-              </a:rPr>
-              <a:t>2018-01-01 ~ 2021-12-31</a:t>
-            </a:r>
-            <a:r>
-              <a:rPr lang="ko-KR" altLang="en-US" sz="1560" dirty="0">
-                <a:latin typeface="나눔스퀘어" panose="020B0600000101010101" pitchFamily="50" charset="-127"/>
-                <a:ea typeface="나눔스퀘어" panose="020B0600000101010101" pitchFamily="50" charset="-127"/>
-              </a:rPr>
-              <a:t>까지의 영어로 작성된 </a:t>
-            </a:r>
-            <a:r>
-              <a:rPr lang="en-US" altLang="ko-KR" sz="1560" dirty="0">
-                <a:latin typeface="나눔스퀘어" panose="020B0600000101010101" pitchFamily="50" charset="-127"/>
-                <a:ea typeface="나눔스퀘어" panose="020B0600000101010101" pitchFamily="50" charset="-127"/>
-              </a:rPr>
-              <a:t>US </a:t>
-            </a:r>
-            <a:r>
-              <a:rPr lang="ko-KR" altLang="en-US" sz="1560" dirty="0">
-                <a:latin typeface="나눔스퀘어" panose="020B0600000101010101" pitchFamily="50" charset="-127"/>
-                <a:ea typeface="나눔스퀘어" panose="020B0600000101010101" pitchFamily="50" charset="-127"/>
-              </a:rPr>
-              <a:t>국적의 특허를 검색함</a:t>
-            </a:r>
-            <a:r>
-              <a:rPr lang="en-US" altLang="ko-KR" sz="1560" dirty="0">
-                <a:latin typeface="나눔스퀘어" panose="020B0600000101010101" pitchFamily="50" charset="-127"/>
-                <a:ea typeface="나눔스퀘어" panose="020B0600000101010101" pitchFamily="50" charset="-127"/>
-              </a:rPr>
-              <a:t>.</a:t>
-            </a:r>
-          </a:p>
-          <a:p>
-            <a:pPr marL="742950" lvl="1" indent="-285750">
-              <a:lnSpc>
-                <a:spcPct val="130000"/>
-              </a:lnSpc>
-              <a:buFont typeface="Wingdings" panose="05000000000000000000" pitchFamily="2" charset="2"/>
-              <a:buChar char="§"/>
-            </a:pPr>
-            <a:r>
-              <a:rPr lang="en-US" altLang="ko-KR" sz="1560" dirty="0">
-                <a:latin typeface="나눔스퀘어" panose="020B0600000101010101" pitchFamily="50" charset="-127"/>
-                <a:ea typeface="나눔스퀘어" panose="020B0600000101010101" pitchFamily="50" charset="-127"/>
-              </a:rPr>
-              <a:t>Selenium</a:t>
-            </a:r>
-            <a:r>
-              <a:rPr lang="ko-KR" altLang="en-US" sz="1560" dirty="0">
-                <a:latin typeface="나눔스퀘어" panose="020B0600000101010101" pitchFamily="50" charset="-127"/>
-                <a:ea typeface="나눔스퀘어" panose="020B0600000101010101" pitchFamily="50" charset="-127"/>
-              </a:rPr>
-              <a:t>을 활용하여 해당 키워드들의 데이터 파일 다운로드</a:t>
-            </a:r>
-            <a:endParaRPr lang="en-US" altLang="ko-KR" sz="1560" dirty="0">
-              <a:latin typeface="나눔스퀘어" panose="020B0600000101010101" pitchFamily="50" charset="-127"/>
-              <a:ea typeface="나눔스퀘어" panose="020B0600000101010101" pitchFamily="50" charset="-127"/>
-            </a:endParaRPr>
-          </a:p>
-          <a:p>
-            <a:pPr marL="285750" indent="-285750">
-              <a:lnSpc>
-                <a:spcPct val="130000"/>
-              </a:lnSpc>
-              <a:buFont typeface="Wingdings" panose="05000000000000000000" pitchFamily="2" charset="2"/>
-              <a:buChar char="§"/>
-            </a:pPr>
-            <a:endParaRPr lang="en-US" altLang="ko-KR" sz="1560" dirty="0">
-              <a:latin typeface="나눔스퀘어" panose="020B0600000101010101" pitchFamily="50" charset="-127"/>
-              <a:ea typeface="나눔스퀘어" panose="020B0600000101010101" pitchFamily="50" charset="-127"/>
-            </a:endParaRPr>
-          </a:p>
-          <a:p>
-            <a:pPr marL="285750" indent="-285750">
-              <a:lnSpc>
-                <a:spcPct val="130000"/>
-              </a:lnSpc>
-              <a:buFont typeface="Wingdings" panose="05000000000000000000" pitchFamily="2" charset="2"/>
-              <a:buChar char="§"/>
-            </a:pPr>
-            <a:r>
-              <a:rPr lang="ko-KR" altLang="en-US" sz="1560" dirty="0">
-                <a:latin typeface="나눔스퀘어" panose="020B0600000101010101" pitchFamily="50" charset="-127"/>
-                <a:ea typeface="나눔스퀘어" panose="020B0600000101010101" pitchFamily="50" charset="-127"/>
-              </a:rPr>
-              <a:t>수집한 코드 데이터 </a:t>
-            </a:r>
-            <a:r>
-              <a:rPr lang="ko-KR" altLang="en-US" sz="1560" dirty="0" err="1">
-                <a:latin typeface="나눔스퀘어" panose="020B0600000101010101" pitchFamily="50" charset="-127"/>
-                <a:ea typeface="나눔스퀘어" panose="020B0600000101010101" pitchFamily="50" charset="-127"/>
-              </a:rPr>
-              <a:t>전처리</a:t>
-            </a:r>
-            <a:r>
-              <a:rPr lang="ko-KR" altLang="en-US" sz="1560" dirty="0">
-                <a:latin typeface="나눔스퀘어" panose="020B0600000101010101" pitchFamily="50" charset="-127"/>
-                <a:ea typeface="나눔스퀘어" panose="020B0600000101010101" pitchFamily="50" charset="-127"/>
-              </a:rPr>
-              <a:t> 및 가공</a:t>
-            </a:r>
-            <a:endParaRPr lang="en-US" altLang="ko-KR" sz="1560" dirty="0">
-              <a:latin typeface="나눔스퀘어" panose="020B0600000101010101" pitchFamily="50" charset="-127"/>
-              <a:ea typeface="나눔스퀘어" panose="020B0600000101010101" pitchFamily="50" charset="-127"/>
-            </a:endParaRPr>
-          </a:p>
-          <a:p>
-            <a:pPr marL="742950" lvl="1" indent="-285750">
-              <a:lnSpc>
-                <a:spcPct val="130000"/>
-              </a:lnSpc>
-              <a:buFont typeface="Wingdings" panose="05000000000000000000" pitchFamily="2" charset="2"/>
-              <a:buChar char="§"/>
-            </a:pPr>
-            <a:r>
-              <a:rPr lang="ko-KR" altLang="en-US" sz="1560" dirty="0">
-                <a:latin typeface="나눔스퀘어" panose="020B0600000101010101" pitchFamily="50" charset="-127"/>
-                <a:ea typeface="나눔스퀘어" panose="020B0600000101010101" pitchFamily="50" charset="-127"/>
-              </a:rPr>
-              <a:t>특허 키워드 중 </a:t>
-            </a:r>
-            <a:r>
-              <a:rPr lang="en-US" altLang="ko-KR" sz="1560" dirty="0">
-                <a:latin typeface="나눔스퀘어" panose="020B0600000101010101" pitchFamily="50" charset="-127"/>
-                <a:ea typeface="나눔스퀘어" panose="020B0600000101010101" pitchFamily="50" charset="-127"/>
-              </a:rPr>
-              <a:t>USPTO</a:t>
-            </a:r>
-            <a:r>
-              <a:rPr lang="ko-KR" altLang="en-US" sz="1560" dirty="0">
-                <a:latin typeface="나눔스퀘어" panose="020B0600000101010101" pitchFamily="50" charset="-127"/>
-                <a:ea typeface="나눔스퀘어" panose="020B0600000101010101" pitchFamily="50" charset="-127"/>
-              </a:rPr>
-              <a:t>에서 활용 가능한 코드만을 따로 분리해야 함</a:t>
-            </a:r>
-            <a:endParaRPr lang="en-US" altLang="ko-KR" sz="1560" dirty="0">
-              <a:latin typeface="나눔스퀘어" panose="020B0600000101010101" pitchFamily="50" charset="-127"/>
-              <a:ea typeface="나눔스퀘어" panose="020B0600000101010101" pitchFamily="50" charset="-127"/>
-            </a:endParaRPr>
-          </a:p>
-          <a:p>
-            <a:pPr marL="742950" lvl="1" indent="-285750">
-              <a:lnSpc>
-                <a:spcPct val="130000"/>
-              </a:lnSpc>
-              <a:buFont typeface="Wingdings" panose="05000000000000000000" pitchFamily="2" charset="2"/>
-              <a:buChar char="§"/>
-            </a:pPr>
-            <a:r>
-              <a:rPr lang="en-US" altLang="ko-KR" sz="1560" dirty="0">
-                <a:latin typeface="나눔스퀘어" panose="020B0600000101010101" pitchFamily="50" charset="-127"/>
-                <a:ea typeface="나눔스퀘어" panose="020B0600000101010101" pitchFamily="50" charset="-127"/>
-              </a:rPr>
-              <a:t>pickle</a:t>
-            </a:r>
-            <a:r>
-              <a:rPr lang="ko-KR" altLang="en-US" sz="1560" dirty="0">
-                <a:latin typeface="나눔스퀘어" panose="020B0600000101010101" pitchFamily="50" charset="-127"/>
-                <a:ea typeface="나눔스퀘어" panose="020B0600000101010101" pitchFamily="50" charset="-127"/>
-              </a:rPr>
-              <a:t>을 활용하여 분리한 </a:t>
-            </a:r>
-            <a:r>
-              <a:rPr lang="ko-KR" altLang="en-US" sz="1560" dirty="0" err="1">
-                <a:latin typeface="나눔스퀘어" panose="020B0600000101010101" pitchFamily="50" charset="-127"/>
-                <a:ea typeface="나눔스퀘어" panose="020B0600000101010101" pitchFamily="50" charset="-127"/>
-              </a:rPr>
-              <a:t>코드값을</a:t>
-            </a:r>
-            <a:r>
-              <a:rPr lang="ko-KR" altLang="en-US" sz="1560" dirty="0">
-                <a:latin typeface="나눔스퀘어" panose="020B0600000101010101" pitchFamily="50" charset="-127"/>
-                <a:ea typeface="나눔스퀘어" panose="020B0600000101010101" pitchFamily="50" charset="-127"/>
-              </a:rPr>
-              <a:t> 저장한 파일 생성</a:t>
-            </a:r>
-            <a:endParaRPr lang="en-US" altLang="ko-KR" sz="1560" dirty="0">
-              <a:latin typeface="나눔스퀘어" panose="020B0600000101010101" pitchFamily="50" charset="-127"/>
-              <a:ea typeface="나눔스퀘어" panose="020B0600000101010101" pitchFamily="50" charset="-127"/>
-            </a:endParaRPr>
-          </a:p>
-          <a:p>
-            <a:pPr marL="742950" lvl="1" indent="-285750">
-              <a:lnSpc>
-                <a:spcPct val="130000"/>
-              </a:lnSpc>
-              <a:buFont typeface="Wingdings" panose="05000000000000000000" pitchFamily="2" charset="2"/>
-              <a:buChar char="§"/>
-            </a:pPr>
-            <a:r>
-              <a:rPr lang="ko-KR" altLang="en-US" sz="1560" dirty="0">
-                <a:latin typeface="나눔스퀘어" panose="020B0600000101010101" pitchFamily="50" charset="-127"/>
-                <a:ea typeface="나눔스퀘어" panose="020B0600000101010101" pitchFamily="50" charset="-127"/>
-              </a:rPr>
-              <a:t>분리 결과 </a:t>
-            </a:r>
-            <a:r>
-              <a:rPr lang="en-US" altLang="ko-KR" sz="1560" dirty="0">
-                <a:latin typeface="나눔스퀘어" panose="020B0600000101010101" pitchFamily="50" charset="-127"/>
-                <a:ea typeface="나눔스퀘어" panose="020B0600000101010101" pitchFamily="50" charset="-127"/>
-              </a:rPr>
-              <a:t>‘polyamide’, ‘glass fiber’, ‘</a:t>
-            </a:r>
-            <a:r>
-              <a:rPr lang="en-US" altLang="ko-KR" sz="1560" dirty="0" err="1">
-                <a:latin typeface="나눔스퀘어" panose="020B0600000101010101" pitchFamily="50" charset="-127"/>
-                <a:ea typeface="나눔스퀘어" panose="020B0600000101010101" pitchFamily="50" charset="-127"/>
-              </a:rPr>
-              <a:t>polythyleneterephthalate</a:t>
-            </a:r>
-            <a:r>
-              <a:rPr lang="en-US" altLang="ko-KR" sz="1560" dirty="0">
-                <a:latin typeface="나눔스퀘어" panose="020B0600000101010101" pitchFamily="50" charset="-127"/>
-                <a:ea typeface="나눔스퀘어" panose="020B0600000101010101" pitchFamily="50" charset="-127"/>
-              </a:rPr>
-              <a:t>’</a:t>
-            </a:r>
-            <a:r>
-              <a:rPr lang="ko-KR" altLang="en-US" sz="1560" dirty="0">
-                <a:latin typeface="나눔스퀘어" panose="020B0600000101010101" pitchFamily="50" charset="-127"/>
-                <a:ea typeface="나눔스퀘어" panose="020B0600000101010101" pitchFamily="50" charset="-127"/>
-              </a:rPr>
-              <a:t>의 </a:t>
-            </a:r>
-            <a:r>
-              <a:rPr lang="en-US" altLang="ko-KR" sz="1560" dirty="0">
-                <a:latin typeface="나눔스퀘어" panose="020B0600000101010101" pitchFamily="50" charset="-127"/>
-                <a:ea typeface="나눔스퀘어" panose="020B0600000101010101" pitchFamily="50" charset="-127"/>
-              </a:rPr>
-              <a:t>3</a:t>
-            </a:r>
-            <a:r>
-              <a:rPr lang="ko-KR" altLang="en-US" sz="1560" dirty="0">
-                <a:latin typeface="나눔스퀘어" panose="020B0600000101010101" pitchFamily="50" charset="-127"/>
-                <a:ea typeface="나눔스퀘어" panose="020B0600000101010101" pitchFamily="50" charset="-127"/>
-              </a:rPr>
-              <a:t>가지 키워드에 대해 </a:t>
-            </a:r>
-            <a:r>
-              <a:rPr lang="en-US" altLang="ko-KR" sz="1560" dirty="0">
-                <a:latin typeface="나눔스퀘어" panose="020B0600000101010101" pitchFamily="50" charset="-127"/>
-                <a:ea typeface="나눔스퀘어" panose="020B0600000101010101" pitchFamily="50" charset="-127"/>
-              </a:rPr>
-              <a:t>USPTO </a:t>
-            </a:r>
-            <a:r>
-              <a:rPr lang="ko-KR" altLang="en-US" sz="1560" dirty="0" err="1">
-                <a:latin typeface="나눔스퀘어" panose="020B0600000101010101" pitchFamily="50" charset="-127"/>
-                <a:ea typeface="나눔스퀘어" panose="020B0600000101010101" pitchFamily="50" charset="-127"/>
-              </a:rPr>
-              <a:t>크롤링을</a:t>
-            </a:r>
-            <a:r>
-              <a:rPr lang="ko-KR" altLang="en-US" sz="1560" dirty="0">
-                <a:latin typeface="나눔스퀘어" panose="020B0600000101010101" pitchFamily="50" charset="-127"/>
-                <a:ea typeface="나눔스퀘어" panose="020B0600000101010101" pitchFamily="50" charset="-127"/>
-              </a:rPr>
-              <a:t> 진행하도록 함</a:t>
-            </a:r>
-            <a:r>
-              <a:rPr lang="en-US" altLang="ko-KR" sz="1560" dirty="0">
-                <a:latin typeface="나눔스퀘어" panose="020B0600000101010101" pitchFamily="50" charset="-127"/>
-                <a:ea typeface="나눔스퀘어" panose="020B0600000101010101" pitchFamily="50" charset="-127"/>
-              </a:rPr>
-              <a:t>.</a:t>
-            </a:r>
-          </a:p>
         </p:txBody>
       </p:sp>
       <p:pic>
         <p:nvPicPr>
-          <p:cNvPr id="4" name="그림 3">
+          <p:cNvPr id="14" name="그림 13">
             <a:extLst>
               <a:ext uri="{FF2B5EF4-FFF2-40B4-BE49-F238E27FC236}">
-                <a16:creationId xmlns:a16="http://schemas.microsoft.com/office/drawing/2014/main" id="{ED74851F-C19A-460B-A000-12CDD3617466}"/>
+                <a16:creationId xmlns:a16="http://schemas.microsoft.com/office/drawing/2014/main" id="{0D01725A-F190-4FC2-9232-AFF02CF4246C}"/>
               </a:ext>
             </a:extLst>
           </p:cNvPr>
@@ -10450,15 +14817,21 @@
           <p:nvPr/>
         </p:nvPicPr>
         <p:blipFill>
-          <a:blip r:embed="rId3"/>
+          <a:blip r:embed="rId2" cstate="print">
+            <a:extLst>
+              <a:ext uri="{28A0092B-C50C-407E-A947-70E740481C1C}">
+                <a14:useLocalDpi xmlns:a14="http://schemas.microsoft.com/office/drawing/2010/main" val="0"/>
+              </a:ext>
+            </a:extLst>
+          </a:blip>
           <a:stretch>
             <a:fillRect/>
           </a:stretch>
         </p:blipFill>
         <p:spPr>
           <a:xfrm>
-            <a:off x="5388815" y="1675087"/>
-            <a:ext cx="5879260" cy="855564"/>
+            <a:off x="882220" y="3216041"/>
+            <a:ext cx="4572000" cy="2667000"/>
           </a:xfrm>
           <a:prstGeom prst="rect">
             <a:avLst/>
@@ -10467,10 +14840,10 @@
       </p:pic>
       <p:pic>
         <p:nvPicPr>
-          <p:cNvPr id="9" name="그림 8">
+          <p:cNvPr id="17" name="그림 16">
             <a:extLst>
               <a:ext uri="{FF2B5EF4-FFF2-40B4-BE49-F238E27FC236}">
-                <a16:creationId xmlns:a16="http://schemas.microsoft.com/office/drawing/2014/main" id="{28DA7EE1-9F97-4E59-B26D-A2ACAF49E1D0}"/>
+                <a16:creationId xmlns:a16="http://schemas.microsoft.com/office/drawing/2014/main" id="{3C1CE919-C0C8-4384-8772-A50CBF280639}"/>
               </a:ext>
             </a:extLst>
           </p:cNvPr>
@@ -10480,25 +14853,117 @@
           <p:nvPr/>
         </p:nvPicPr>
         <p:blipFill>
-          <a:blip r:embed="rId4"/>
+          <a:blip r:embed="rId3" cstate="print">
+            <a:extLst>
+              <a:ext uri="{28A0092B-C50C-407E-A947-70E740481C1C}">
+                <a14:useLocalDpi xmlns:a14="http://schemas.microsoft.com/office/drawing/2010/main" val="0"/>
+              </a:ext>
+            </a:extLst>
+          </a:blip>
           <a:stretch>
             <a:fillRect/>
           </a:stretch>
         </p:blipFill>
         <p:spPr>
           <a:xfrm>
-            <a:off x="9044245" y="3429000"/>
-            <a:ext cx="2066410" cy="2915932"/>
+            <a:off x="6737782" y="3235091"/>
+            <a:ext cx="4572000" cy="2647950"/>
           </a:xfrm>
           <a:prstGeom prst="rect">
             <a:avLst/>
           </a:prstGeom>
         </p:spPr>
       </p:pic>
+      <p:sp>
+        <p:nvSpPr>
+          <p:cNvPr id="18" name="TextBox 17">
+            <a:extLst>
+              <a:ext uri="{FF2B5EF4-FFF2-40B4-BE49-F238E27FC236}">
+                <a16:creationId xmlns:a16="http://schemas.microsoft.com/office/drawing/2014/main" id="{CF63FFAB-3E3A-425D-BA88-5808E5801EE4}"/>
+              </a:ext>
+            </a:extLst>
+          </p:cNvPr>
+          <p:cNvSpPr txBox="1"/>
+          <p:nvPr/>
+        </p:nvSpPr>
+        <p:spPr>
+          <a:xfrm>
+            <a:off x="2198684" y="6131763"/>
+            <a:ext cx="1939072" cy="307777"/>
+          </a:xfrm>
+          <a:prstGeom prst="rect">
+            <a:avLst/>
+          </a:prstGeom>
+          <a:noFill/>
+        </p:spPr>
+        <p:txBody>
+          <a:bodyPr wrap="square" rtlCol="0">
+            <a:spAutoFit/>
+          </a:bodyPr>
+          <a:lstStyle/>
+          <a:p>
+            <a:pPr algn="ctr"/>
+            <a:r>
+              <a:rPr lang="ko-KR" altLang="en-US" sz="1400" spc="-150">
+                <a:latin typeface="나눔스퀘어 Bold" panose="020B0600000101010101" pitchFamily="50" charset="-127"/>
+                <a:ea typeface="나눔스퀘어 Bold" panose="020B0600000101010101" pitchFamily="50" charset="-127"/>
+              </a:rPr>
+              <a:t>단열재 소재</a:t>
+            </a:r>
+            <a:endParaRPr lang="en-US" altLang="ko-KR" sz="1400" spc="-150" dirty="0">
+              <a:latin typeface="나눔스퀘어 Bold" panose="020B0600000101010101" pitchFamily="50" charset="-127"/>
+              <a:ea typeface="나눔스퀘어 Bold" panose="020B0600000101010101" pitchFamily="50" charset="-127"/>
+            </a:endParaRPr>
+          </a:p>
+        </p:txBody>
+      </p:sp>
+      <p:sp>
+        <p:nvSpPr>
+          <p:cNvPr id="19" name="TextBox 18">
+            <a:extLst>
+              <a:ext uri="{FF2B5EF4-FFF2-40B4-BE49-F238E27FC236}">
+                <a16:creationId xmlns:a16="http://schemas.microsoft.com/office/drawing/2014/main" id="{E0FC71E6-D931-4EDA-AD2A-42ED684F8F56}"/>
+              </a:ext>
+            </a:extLst>
+          </p:cNvPr>
+          <p:cNvSpPr txBox="1"/>
+          <p:nvPr/>
+        </p:nvSpPr>
+        <p:spPr>
+          <a:xfrm>
+            <a:off x="8054244" y="6131763"/>
+            <a:ext cx="1939072" cy="307777"/>
+          </a:xfrm>
+          <a:prstGeom prst="rect">
+            <a:avLst/>
+          </a:prstGeom>
+          <a:noFill/>
+        </p:spPr>
+        <p:txBody>
+          <a:bodyPr wrap="square" rtlCol="0">
+            <a:spAutoFit/>
+          </a:bodyPr>
+          <a:lstStyle/>
+          <a:p>
+            <a:pPr algn="ctr"/>
+            <a:r>
+              <a:rPr lang="ko-KR" altLang="en-US" sz="1400" spc="-150" dirty="0">
+                <a:latin typeface="나눔스퀘어 Bold" panose="020B0600000101010101" pitchFamily="50" charset="-127"/>
+                <a:ea typeface="나눔스퀘어 Bold" panose="020B0600000101010101" pitchFamily="50" charset="-127"/>
+              </a:rPr>
+              <a:t>특허의 세부 내용 예시</a:t>
+            </a:r>
+            <a:endParaRPr lang="en-US" altLang="ko-KR" sz="1400" spc="-150" dirty="0">
+              <a:latin typeface="나눔스퀘어 Bold" panose="020B0600000101010101" pitchFamily="50" charset="-127"/>
+              <a:ea typeface="나눔스퀘어 Bold" panose="020B0600000101010101" pitchFamily="50" charset="-127"/>
+            </a:endParaRPr>
+          </a:p>
+        </p:txBody>
+      </p:sp>
     </p:spTree>
     <p:extLst>
       <p:ext uri="{BB962C8B-B14F-4D97-AF65-F5344CB8AC3E}">
-        <p14:creationId xmlns:p14="http://schemas.microsoft.com/office/powerpoint/2010/main" val="312762730"/>
+        <p14:creationId xmlns:p14="http://schemas.microsoft.com/office/powerpoint/2010/main" val="2523471321"/>
       </p:ext>
     </p:extLst>
   </p:cSld>
@@ -10846,26 +15311,23 @@
               </a:rPr>
               <a:t>데이터 수집</a:t>
             </a:r>
-            <a:r>
-              <a:rPr lang="en-US" altLang="ko-KR" sz="2000" spc="-100" dirty="0">
-                <a:ln>
-                  <a:solidFill>
-                    <a:schemeClr val="accent1">
-                      <a:alpha val="0"/>
-                    </a:schemeClr>
-                  </a:solidFill>
-                </a:ln>
+            <a:endParaRPr lang="en-US" altLang="ko-KR" sz="2000" spc="-100" dirty="0">
+              <a:ln>
                 <a:solidFill>
-                  <a:schemeClr val="tx1">
-                    <a:lumMod val="85000"/>
-                    <a:lumOff val="15000"/>
+                  <a:schemeClr val="accent1">
+                    <a:alpha val="0"/>
                   </a:schemeClr>
                 </a:solidFill>
-                <a:latin typeface="나눔스퀘어_ac ExtraBold" panose="020B0600000101010101" pitchFamily="50" charset="-127"/>
-                <a:ea typeface="나눔스퀘어_ac ExtraBold" panose="020B0600000101010101" pitchFamily="50" charset="-127"/>
-              </a:rPr>
-              <a:t>(2)</a:t>
-            </a:r>
+              </a:ln>
+              <a:solidFill>
+                <a:schemeClr val="tx1">
+                  <a:lumMod val="85000"/>
+                  <a:lumOff val="15000"/>
+                </a:schemeClr>
+              </a:solidFill>
+              <a:latin typeface="나눔스퀘어_ac ExtraBold" panose="020B0600000101010101" pitchFamily="50" charset="-127"/>
+              <a:ea typeface="나눔스퀘어_ac ExtraBold" panose="020B0600000101010101" pitchFamily="50" charset="-127"/>
+            </a:endParaRPr>
           </a:p>
         </p:txBody>
       </p:sp>
@@ -10884,7 +15346,7 @@
         <p:spPr>
           <a:xfrm>
             <a:off x="498981" y="1633246"/>
-            <a:ext cx="8340219" cy="1318053"/>
+            <a:ext cx="8340219" cy="3814634"/>
           </a:xfrm>
           <a:prstGeom prst="rect">
             <a:avLst/>
@@ -10909,7 +15371,7 @@
                 <a:latin typeface="나눔스퀘어" panose="020B0600000101010101" pitchFamily="50" charset="-127"/>
                 <a:ea typeface="나눔스퀘어" panose="020B0600000101010101" pitchFamily="50" charset="-127"/>
               </a:rPr>
-              <a:t>USPTO </a:t>
+              <a:t>Google Patent </a:t>
             </a:r>
             <a:r>
               <a:rPr lang="ko-KR" altLang="en-US" sz="1560" dirty="0">
@@ -10939,51 +15401,19 @@
               <a:buChar char="§"/>
             </a:pPr>
             <a:r>
+              <a:rPr lang="ko-KR" altLang="en-US" sz="1560" dirty="0">
+                <a:latin typeface="나눔스퀘어" panose="020B0600000101010101" pitchFamily="50" charset="-127"/>
+                <a:ea typeface="나눔스퀘어" panose="020B0600000101010101" pitchFamily="50" charset="-127"/>
+              </a:rPr>
+              <a:t>검색 키워드 리스트 </a:t>
+            </a:r>
+            <a:r>
               <a:rPr lang="en-US" altLang="ko-KR" sz="1560" dirty="0">
                 <a:latin typeface="나눔스퀘어" panose="020B0600000101010101" pitchFamily="50" charset="-127"/>
                 <a:ea typeface="나눔스퀘어" panose="020B0600000101010101" pitchFamily="50" charset="-127"/>
               </a:rPr>
-              <a:t>Pickle</a:t>
-            </a:r>
-            <a:r>
-              <a:rPr lang="ko-KR" altLang="en-US" sz="1560" dirty="0">
-                <a:latin typeface="나눔스퀘어" panose="020B0600000101010101" pitchFamily="50" charset="-127"/>
-                <a:ea typeface="나눔스퀘어" panose="020B0600000101010101" pitchFamily="50" charset="-127"/>
-              </a:rPr>
-              <a:t>에 저장된 데이터를 기반으로 </a:t>
-            </a:r>
-            <a:r>
-              <a:rPr lang="en-US" altLang="ko-KR" sz="1560" dirty="0">
-                <a:latin typeface="나눔스퀘어" panose="020B0600000101010101" pitchFamily="50" charset="-127"/>
-                <a:ea typeface="나눔스퀘어" panose="020B0600000101010101" pitchFamily="50" charset="-127"/>
-              </a:rPr>
-              <a:t>USPTO</a:t>
-            </a:r>
-            <a:r>
-              <a:rPr lang="ko-KR" altLang="en-US" sz="1560" dirty="0">
-                <a:latin typeface="나눔스퀘어" panose="020B0600000101010101" pitchFamily="50" charset="-127"/>
-                <a:ea typeface="나눔스퀘어" panose="020B0600000101010101" pitchFamily="50" charset="-127"/>
-              </a:rPr>
-              <a:t>의 </a:t>
-            </a:r>
-            <a:r>
-              <a:rPr lang="en-US" altLang="ko-KR" sz="1560" dirty="0">
-                <a:latin typeface="나눔스퀘어" panose="020B0600000101010101" pitchFamily="50" charset="-127"/>
-                <a:ea typeface="나눔스퀘어" panose="020B0600000101010101" pitchFamily="50" charset="-127"/>
-              </a:rPr>
-              <a:t>query</a:t>
-            </a:r>
-            <a:r>
-              <a:rPr lang="ko-KR" altLang="en-US" sz="1560" dirty="0">
-                <a:latin typeface="나눔스퀘어" panose="020B0600000101010101" pitchFamily="50" charset="-127"/>
-                <a:ea typeface="나눔스퀘어" panose="020B0600000101010101" pitchFamily="50" charset="-127"/>
-              </a:rPr>
-              <a:t>를 활용하여 특허의 세부 텍스트 데이터를 수집</a:t>
-            </a:r>
-            <a:endParaRPr lang="en-US" altLang="ko-KR" sz="1560" dirty="0">
-              <a:latin typeface="나눔스퀘어" panose="020B0600000101010101" pitchFamily="50" charset="-127"/>
-              <a:ea typeface="나눔스퀘어" panose="020B0600000101010101" pitchFamily="50" charset="-127"/>
-            </a:endParaRPr>
+              <a:t>: </a:t>
+            </a:r>
           </a:p>
           <a:p>
             <a:pPr marL="742950" lvl="1" indent="-285750">
@@ -10993,66 +15423,427 @@
               <a:buFont typeface="Wingdings" panose="05000000000000000000" pitchFamily="2" charset="2"/>
               <a:buChar char="§"/>
             </a:pPr>
-            <a:r>
-              <a:rPr lang="ko-KR" altLang="en-US" sz="1560" dirty="0">
-                <a:latin typeface="나눔스퀘어" panose="020B0600000101010101" pitchFamily="50" charset="-127"/>
-                <a:ea typeface="나눔스퀘어" panose="020B0600000101010101" pitchFamily="50" charset="-127"/>
-              </a:rPr>
-              <a:t>수집된 데이터의 </a:t>
-            </a:r>
-            <a:r>
-              <a:rPr lang="en-US" altLang="ko-KR" sz="1560" dirty="0">
-                <a:latin typeface="나눔스퀘어" panose="020B0600000101010101" pitchFamily="50" charset="-127"/>
-                <a:ea typeface="나눔스퀘어" panose="020B0600000101010101" pitchFamily="50" charset="-127"/>
-              </a:rPr>
-              <a:t>CPC</a:t>
-            </a:r>
-            <a:r>
-              <a:rPr lang="ko-KR" altLang="en-US" sz="1560" dirty="0">
-                <a:latin typeface="나눔스퀘어" panose="020B0600000101010101" pitchFamily="50" charset="-127"/>
-                <a:ea typeface="나눔스퀘어" panose="020B0600000101010101" pitchFamily="50" charset="-127"/>
-              </a:rPr>
-              <a:t> </a:t>
-            </a:r>
-            <a:r>
-              <a:rPr lang="en-US" altLang="ko-KR" sz="1560" dirty="0">
-                <a:latin typeface="나눔스퀘어" panose="020B0600000101010101" pitchFamily="50" charset="-127"/>
-                <a:ea typeface="나눔스퀘어" panose="020B0600000101010101" pitchFamily="50" charset="-127"/>
-              </a:rPr>
-              <a:t>Class</a:t>
-            </a:r>
-            <a:r>
-              <a:rPr lang="ko-KR" altLang="en-US" sz="1560" dirty="0">
-                <a:latin typeface="나눔스퀘어" panose="020B0600000101010101" pitchFamily="50" charset="-127"/>
-                <a:ea typeface="나눔스퀘어" panose="020B0600000101010101" pitchFamily="50" charset="-127"/>
-              </a:rPr>
-              <a:t>에 </a:t>
-            </a:r>
-            <a:r>
-              <a:rPr lang="ko-KR" altLang="en-US" sz="1560" dirty="0" err="1">
-                <a:latin typeface="나눔스퀘어" panose="020B0600000101010101" pitchFamily="50" charset="-127"/>
-                <a:ea typeface="나눔스퀘어" panose="020B0600000101010101" pitchFamily="50" charset="-127"/>
-              </a:rPr>
-              <a:t>동시출현하는</a:t>
-            </a:r>
-            <a:r>
-              <a:rPr lang="ko-KR" altLang="en-US" sz="1560" dirty="0">
-                <a:latin typeface="나눔스퀘어" panose="020B0600000101010101" pitchFamily="50" charset="-127"/>
-                <a:ea typeface="나눔스퀘어" panose="020B0600000101010101" pitchFamily="50" charset="-127"/>
-              </a:rPr>
-              <a:t> 것들을 그룹화</a:t>
-            </a:r>
             <a:endParaRPr lang="en-US" altLang="ko-KR" sz="1560" dirty="0">
               <a:latin typeface="나눔스퀘어" panose="020B0600000101010101" pitchFamily="50" charset="-127"/>
               <a:ea typeface="나눔스퀘어" panose="020B0600000101010101" pitchFamily="50" charset="-127"/>
             </a:endParaRPr>
           </a:p>
+          <a:p>
+            <a:pPr marL="742950" lvl="1" indent="-285750">
+              <a:lnSpc>
+                <a:spcPct val="130000"/>
+              </a:lnSpc>
+              <a:buFont typeface="Wingdings" panose="05000000000000000000" pitchFamily="2" charset="2"/>
+              <a:buChar char="§"/>
+            </a:pPr>
+            <a:r>
+              <a:rPr lang="ko-KR" altLang="en-US" sz="1560" dirty="0">
+                <a:latin typeface="나눔스퀘어" panose="020B0600000101010101" pitchFamily="50" charset="-127"/>
+                <a:ea typeface="나눔스퀘어" panose="020B0600000101010101" pitchFamily="50" charset="-127"/>
+              </a:rPr>
+              <a:t>전달받은 키워드를 기반으로 </a:t>
+            </a:r>
+            <a:r>
+              <a:rPr lang="en-US" altLang="ko-KR" sz="1560" dirty="0">
+                <a:latin typeface="나눔스퀘어" panose="020B0600000101010101" pitchFamily="50" charset="-127"/>
+                <a:ea typeface="나눔스퀘어" panose="020B0600000101010101" pitchFamily="50" charset="-127"/>
+              </a:rPr>
+              <a:t>2018-01-01 ~ 2021-12-31</a:t>
+            </a:r>
+            <a:r>
+              <a:rPr lang="ko-KR" altLang="en-US" sz="1560" dirty="0">
+                <a:latin typeface="나눔스퀘어" panose="020B0600000101010101" pitchFamily="50" charset="-127"/>
+                <a:ea typeface="나눔스퀘어" panose="020B0600000101010101" pitchFamily="50" charset="-127"/>
+              </a:rPr>
+              <a:t>까지의 영어로 작성된 </a:t>
+            </a:r>
+            <a:r>
+              <a:rPr lang="en-US" altLang="ko-KR" sz="1560" dirty="0">
+                <a:latin typeface="나눔스퀘어" panose="020B0600000101010101" pitchFamily="50" charset="-127"/>
+                <a:ea typeface="나눔스퀘어" panose="020B0600000101010101" pitchFamily="50" charset="-127"/>
+              </a:rPr>
+              <a:t>US </a:t>
+            </a:r>
+            <a:r>
+              <a:rPr lang="ko-KR" altLang="en-US" sz="1560" dirty="0">
+                <a:latin typeface="나눔스퀘어" panose="020B0600000101010101" pitchFamily="50" charset="-127"/>
+                <a:ea typeface="나눔스퀘어" panose="020B0600000101010101" pitchFamily="50" charset="-127"/>
+              </a:rPr>
+              <a:t>국적의 특허를 검색함</a:t>
+            </a:r>
+            <a:r>
+              <a:rPr lang="en-US" altLang="ko-KR" sz="1560" dirty="0">
+                <a:latin typeface="나눔스퀘어" panose="020B0600000101010101" pitchFamily="50" charset="-127"/>
+                <a:ea typeface="나눔스퀘어" panose="020B0600000101010101" pitchFamily="50" charset="-127"/>
+              </a:rPr>
+              <a:t>.</a:t>
+            </a:r>
+          </a:p>
+          <a:p>
+            <a:pPr marL="742950" lvl="1" indent="-285750">
+              <a:lnSpc>
+                <a:spcPct val="130000"/>
+              </a:lnSpc>
+              <a:buFont typeface="Wingdings" panose="05000000000000000000" pitchFamily="2" charset="2"/>
+              <a:buChar char="§"/>
+            </a:pPr>
+            <a:r>
+              <a:rPr lang="en-US" altLang="ko-KR" sz="1560" dirty="0">
+                <a:latin typeface="나눔스퀘어" panose="020B0600000101010101" pitchFamily="50" charset="-127"/>
+                <a:ea typeface="나눔스퀘어" panose="020B0600000101010101" pitchFamily="50" charset="-127"/>
+              </a:rPr>
+              <a:t>Selenium</a:t>
+            </a:r>
+            <a:r>
+              <a:rPr lang="ko-KR" altLang="en-US" sz="1560" dirty="0">
+                <a:latin typeface="나눔스퀘어" panose="020B0600000101010101" pitchFamily="50" charset="-127"/>
+                <a:ea typeface="나눔스퀘어" panose="020B0600000101010101" pitchFamily="50" charset="-127"/>
+              </a:rPr>
+              <a:t>을 활용하여 해당 키워드들의 데이터 파일 다운로드</a:t>
+            </a:r>
+            <a:endParaRPr lang="en-US" altLang="ko-KR" sz="1560" dirty="0">
+              <a:latin typeface="나눔스퀘어" panose="020B0600000101010101" pitchFamily="50" charset="-127"/>
+              <a:ea typeface="나눔스퀘어" panose="020B0600000101010101" pitchFamily="50" charset="-127"/>
+            </a:endParaRPr>
+          </a:p>
+          <a:p>
+            <a:pPr marL="285750" indent="-285750">
+              <a:lnSpc>
+                <a:spcPct val="130000"/>
+              </a:lnSpc>
+              <a:buFont typeface="Wingdings" panose="05000000000000000000" pitchFamily="2" charset="2"/>
+              <a:buChar char="§"/>
+            </a:pPr>
+            <a:endParaRPr lang="en-US" altLang="ko-KR" sz="1560" dirty="0">
+              <a:latin typeface="나눔스퀘어" panose="020B0600000101010101" pitchFamily="50" charset="-127"/>
+              <a:ea typeface="나눔스퀘어" panose="020B0600000101010101" pitchFamily="50" charset="-127"/>
+            </a:endParaRPr>
+          </a:p>
+          <a:p>
+            <a:pPr marL="285750" indent="-285750">
+              <a:lnSpc>
+                <a:spcPct val="130000"/>
+              </a:lnSpc>
+              <a:buFont typeface="Wingdings" panose="05000000000000000000" pitchFamily="2" charset="2"/>
+              <a:buChar char="§"/>
+            </a:pPr>
+            <a:r>
+              <a:rPr lang="ko-KR" altLang="en-US" sz="1560" dirty="0">
+                <a:latin typeface="나눔스퀘어" panose="020B0600000101010101" pitchFamily="50" charset="-127"/>
+                <a:ea typeface="나눔스퀘어" panose="020B0600000101010101" pitchFamily="50" charset="-127"/>
+              </a:rPr>
+              <a:t>수집한 코드 데이터 </a:t>
+            </a:r>
+            <a:r>
+              <a:rPr lang="ko-KR" altLang="en-US" sz="1560" dirty="0" err="1">
+                <a:latin typeface="나눔스퀘어" panose="020B0600000101010101" pitchFamily="50" charset="-127"/>
+                <a:ea typeface="나눔스퀘어" panose="020B0600000101010101" pitchFamily="50" charset="-127"/>
+              </a:rPr>
+              <a:t>전처리</a:t>
+            </a:r>
+            <a:r>
+              <a:rPr lang="ko-KR" altLang="en-US" sz="1560" dirty="0">
+                <a:latin typeface="나눔스퀘어" panose="020B0600000101010101" pitchFamily="50" charset="-127"/>
+                <a:ea typeface="나눔스퀘어" panose="020B0600000101010101" pitchFamily="50" charset="-127"/>
+              </a:rPr>
+              <a:t> 및 가공</a:t>
+            </a:r>
+            <a:endParaRPr lang="en-US" altLang="ko-KR" sz="1560" dirty="0">
+              <a:latin typeface="나눔스퀘어" panose="020B0600000101010101" pitchFamily="50" charset="-127"/>
+              <a:ea typeface="나눔스퀘어" panose="020B0600000101010101" pitchFamily="50" charset="-127"/>
+            </a:endParaRPr>
+          </a:p>
+          <a:p>
+            <a:pPr marL="742950" lvl="1" indent="-285750">
+              <a:lnSpc>
+                <a:spcPct val="130000"/>
+              </a:lnSpc>
+              <a:buFont typeface="Wingdings" panose="05000000000000000000" pitchFamily="2" charset="2"/>
+              <a:buChar char="§"/>
+            </a:pPr>
+            <a:r>
+              <a:rPr lang="ko-KR" altLang="en-US" sz="1560" dirty="0">
+                <a:latin typeface="나눔스퀘어" panose="020B0600000101010101" pitchFamily="50" charset="-127"/>
+                <a:ea typeface="나눔스퀘어" panose="020B0600000101010101" pitchFamily="50" charset="-127"/>
+              </a:rPr>
+              <a:t>특허 키워드 중 </a:t>
+            </a:r>
+            <a:r>
+              <a:rPr lang="en-US" altLang="ko-KR" sz="1560" dirty="0">
+                <a:latin typeface="나눔스퀘어" panose="020B0600000101010101" pitchFamily="50" charset="-127"/>
+                <a:ea typeface="나눔스퀘어" panose="020B0600000101010101" pitchFamily="50" charset="-127"/>
+              </a:rPr>
+              <a:t>USPTO</a:t>
+            </a:r>
+            <a:r>
+              <a:rPr lang="ko-KR" altLang="en-US" sz="1560" dirty="0">
+                <a:latin typeface="나눔스퀘어" panose="020B0600000101010101" pitchFamily="50" charset="-127"/>
+                <a:ea typeface="나눔스퀘어" panose="020B0600000101010101" pitchFamily="50" charset="-127"/>
+              </a:rPr>
+              <a:t>에서 활용 가능한 코드만을 따로 분리해야 함</a:t>
+            </a:r>
+            <a:endParaRPr lang="en-US" altLang="ko-KR" sz="1560" dirty="0">
+              <a:latin typeface="나눔스퀘어" panose="020B0600000101010101" pitchFamily="50" charset="-127"/>
+              <a:ea typeface="나눔스퀘어" panose="020B0600000101010101" pitchFamily="50" charset="-127"/>
+            </a:endParaRPr>
+          </a:p>
+          <a:p>
+            <a:pPr marL="742950" lvl="1" indent="-285750">
+              <a:lnSpc>
+                <a:spcPct val="130000"/>
+              </a:lnSpc>
+              <a:buFont typeface="Wingdings" panose="05000000000000000000" pitchFamily="2" charset="2"/>
+              <a:buChar char="§"/>
+            </a:pPr>
+            <a:r>
+              <a:rPr lang="en-US" altLang="ko-KR" sz="1560" dirty="0">
+                <a:latin typeface="나눔스퀘어" panose="020B0600000101010101" pitchFamily="50" charset="-127"/>
+                <a:ea typeface="나눔스퀘어" panose="020B0600000101010101" pitchFamily="50" charset="-127"/>
+              </a:rPr>
+              <a:t>pickle</a:t>
+            </a:r>
+            <a:r>
+              <a:rPr lang="ko-KR" altLang="en-US" sz="1560" dirty="0">
+                <a:latin typeface="나눔스퀘어" panose="020B0600000101010101" pitchFamily="50" charset="-127"/>
+                <a:ea typeface="나눔스퀘어" panose="020B0600000101010101" pitchFamily="50" charset="-127"/>
+              </a:rPr>
+              <a:t>을 활용하여 분리한 </a:t>
+            </a:r>
+            <a:r>
+              <a:rPr lang="ko-KR" altLang="en-US" sz="1560" dirty="0" err="1">
+                <a:latin typeface="나눔스퀘어" panose="020B0600000101010101" pitchFamily="50" charset="-127"/>
+                <a:ea typeface="나눔스퀘어" panose="020B0600000101010101" pitchFamily="50" charset="-127"/>
+              </a:rPr>
+              <a:t>코드값을</a:t>
+            </a:r>
+            <a:r>
+              <a:rPr lang="ko-KR" altLang="en-US" sz="1560" dirty="0">
+                <a:latin typeface="나눔스퀘어" panose="020B0600000101010101" pitchFamily="50" charset="-127"/>
+                <a:ea typeface="나눔스퀘어" panose="020B0600000101010101" pitchFamily="50" charset="-127"/>
+              </a:rPr>
+              <a:t> 저장한 파일 생성</a:t>
+            </a:r>
+            <a:endParaRPr lang="en-US" altLang="ko-KR" sz="1560" dirty="0">
+              <a:latin typeface="나눔스퀘어" panose="020B0600000101010101" pitchFamily="50" charset="-127"/>
+              <a:ea typeface="나눔스퀘어" panose="020B0600000101010101" pitchFamily="50" charset="-127"/>
+            </a:endParaRPr>
+          </a:p>
+          <a:p>
+            <a:pPr marL="742950" lvl="1" indent="-285750">
+              <a:lnSpc>
+                <a:spcPct val="130000"/>
+              </a:lnSpc>
+              <a:buFont typeface="Wingdings" panose="05000000000000000000" pitchFamily="2" charset="2"/>
+              <a:buChar char="§"/>
+            </a:pPr>
+            <a:r>
+              <a:rPr lang="ko-KR" altLang="en-US" sz="1560" dirty="0">
+                <a:latin typeface="나눔스퀘어" panose="020B0600000101010101" pitchFamily="50" charset="-127"/>
+                <a:ea typeface="나눔스퀘어" panose="020B0600000101010101" pitchFamily="50" charset="-127"/>
+              </a:rPr>
+              <a:t>분리 결과 </a:t>
+            </a:r>
+            <a:r>
+              <a:rPr lang="en-US" altLang="ko-KR" sz="1560" dirty="0">
+                <a:latin typeface="나눔스퀘어" panose="020B0600000101010101" pitchFamily="50" charset="-127"/>
+                <a:ea typeface="나눔스퀘어" panose="020B0600000101010101" pitchFamily="50" charset="-127"/>
+              </a:rPr>
+              <a:t>‘polyamide’, ‘glass fiber’, ‘</a:t>
+            </a:r>
+            <a:r>
+              <a:rPr lang="en-US" altLang="ko-KR" sz="1560" dirty="0" err="1">
+                <a:latin typeface="나눔스퀘어" panose="020B0600000101010101" pitchFamily="50" charset="-127"/>
+                <a:ea typeface="나눔스퀘어" panose="020B0600000101010101" pitchFamily="50" charset="-127"/>
+              </a:rPr>
+              <a:t>polythyleneterephthalate</a:t>
+            </a:r>
+            <a:r>
+              <a:rPr lang="en-US" altLang="ko-KR" sz="1560" dirty="0">
+                <a:latin typeface="나눔스퀘어" panose="020B0600000101010101" pitchFamily="50" charset="-127"/>
+                <a:ea typeface="나눔스퀘어" panose="020B0600000101010101" pitchFamily="50" charset="-127"/>
+              </a:rPr>
+              <a:t>’</a:t>
+            </a:r>
+            <a:r>
+              <a:rPr lang="ko-KR" altLang="en-US" sz="1560" dirty="0">
+                <a:latin typeface="나눔스퀘어" panose="020B0600000101010101" pitchFamily="50" charset="-127"/>
+                <a:ea typeface="나눔스퀘어" panose="020B0600000101010101" pitchFamily="50" charset="-127"/>
+              </a:rPr>
+              <a:t>의 </a:t>
+            </a:r>
+            <a:r>
+              <a:rPr lang="en-US" altLang="ko-KR" sz="1560" dirty="0">
+                <a:latin typeface="나눔스퀘어" panose="020B0600000101010101" pitchFamily="50" charset="-127"/>
+                <a:ea typeface="나눔스퀘어" panose="020B0600000101010101" pitchFamily="50" charset="-127"/>
+              </a:rPr>
+              <a:t>3</a:t>
+            </a:r>
+            <a:r>
+              <a:rPr lang="ko-KR" altLang="en-US" sz="1560" dirty="0">
+                <a:latin typeface="나눔스퀘어" panose="020B0600000101010101" pitchFamily="50" charset="-127"/>
+                <a:ea typeface="나눔스퀘어" panose="020B0600000101010101" pitchFamily="50" charset="-127"/>
+              </a:rPr>
+              <a:t>가지 키워드에 대해 </a:t>
+            </a:r>
+            <a:r>
+              <a:rPr lang="en-US" altLang="ko-KR" sz="1560" dirty="0">
+                <a:latin typeface="나눔스퀘어" panose="020B0600000101010101" pitchFamily="50" charset="-127"/>
+                <a:ea typeface="나눔스퀘어" panose="020B0600000101010101" pitchFamily="50" charset="-127"/>
+              </a:rPr>
+              <a:t>USPTO </a:t>
+            </a:r>
+            <a:r>
+              <a:rPr lang="ko-KR" altLang="en-US" sz="1560" dirty="0" err="1">
+                <a:latin typeface="나눔스퀘어" panose="020B0600000101010101" pitchFamily="50" charset="-127"/>
+                <a:ea typeface="나눔스퀘어" panose="020B0600000101010101" pitchFamily="50" charset="-127"/>
+              </a:rPr>
+              <a:t>크롤링을</a:t>
+            </a:r>
+            <a:r>
+              <a:rPr lang="ko-KR" altLang="en-US" sz="1560" dirty="0">
+                <a:latin typeface="나눔스퀘어" panose="020B0600000101010101" pitchFamily="50" charset="-127"/>
+                <a:ea typeface="나눔스퀘어" panose="020B0600000101010101" pitchFamily="50" charset="-127"/>
+              </a:rPr>
+              <a:t> 진행하도록 함</a:t>
+            </a:r>
+            <a:r>
+              <a:rPr lang="en-US" altLang="ko-KR" sz="1560" dirty="0">
+                <a:latin typeface="나눔스퀘어" panose="020B0600000101010101" pitchFamily="50" charset="-127"/>
+                <a:ea typeface="나눔스퀘어" panose="020B0600000101010101" pitchFamily="50" charset="-127"/>
+              </a:rPr>
+              <a:t>.</a:t>
+            </a:r>
+          </a:p>
+        </p:txBody>
+      </p:sp>
+      <p:pic>
+        <p:nvPicPr>
+          <p:cNvPr id="4" name="그림 3">
+            <a:extLst>
+              <a:ext uri="{FF2B5EF4-FFF2-40B4-BE49-F238E27FC236}">
+                <a16:creationId xmlns:a16="http://schemas.microsoft.com/office/drawing/2014/main" id="{ED74851F-C19A-460B-A000-12CDD3617466}"/>
+              </a:ext>
+            </a:extLst>
+          </p:cNvPr>
+          <p:cNvPicPr>
+            <a:picLocks noChangeAspect="1"/>
+          </p:cNvPicPr>
+          <p:nvPr/>
+        </p:nvPicPr>
+        <p:blipFill>
+          <a:blip r:embed="rId3"/>
+          <a:stretch>
+            <a:fillRect/>
+          </a:stretch>
+        </p:blipFill>
+        <p:spPr>
+          <a:xfrm>
+            <a:off x="5388815" y="1675087"/>
+            <a:ext cx="5879260" cy="855564"/>
+          </a:xfrm>
+          <a:prstGeom prst="rect">
+            <a:avLst/>
+          </a:prstGeom>
+        </p:spPr>
+      </p:pic>
+      <p:pic>
+        <p:nvPicPr>
+          <p:cNvPr id="9" name="그림 8">
+            <a:extLst>
+              <a:ext uri="{FF2B5EF4-FFF2-40B4-BE49-F238E27FC236}">
+                <a16:creationId xmlns:a16="http://schemas.microsoft.com/office/drawing/2014/main" id="{28DA7EE1-9F97-4E59-B26D-A2ACAF49E1D0}"/>
+              </a:ext>
+            </a:extLst>
+          </p:cNvPr>
+          <p:cNvPicPr>
+            <a:picLocks noChangeAspect="1"/>
+          </p:cNvPicPr>
+          <p:nvPr/>
+        </p:nvPicPr>
+        <p:blipFill>
+          <a:blip r:embed="rId4"/>
+          <a:stretch>
+            <a:fillRect/>
+          </a:stretch>
+        </p:blipFill>
+        <p:spPr>
+          <a:xfrm>
+            <a:off x="9044245" y="3429000"/>
+            <a:ext cx="2066410" cy="2915932"/>
+          </a:xfrm>
+          <a:prstGeom prst="rect">
+            <a:avLst/>
+          </a:prstGeom>
+        </p:spPr>
+      </p:pic>
+      <p:sp>
+        <p:nvSpPr>
+          <p:cNvPr id="12" name="TextBox 11">
+            <a:extLst>
+              <a:ext uri="{FF2B5EF4-FFF2-40B4-BE49-F238E27FC236}">
+                <a16:creationId xmlns:a16="http://schemas.microsoft.com/office/drawing/2014/main" id="{C3F74350-E980-4C5D-BFBB-006299BC25C1}"/>
+              </a:ext>
+            </a:extLst>
+          </p:cNvPr>
+          <p:cNvSpPr txBox="1"/>
+          <p:nvPr/>
+        </p:nvSpPr>
+        <p:spPr>
+          <a:xfrm>
+            <a:off x="9044245" y="6334780"/>
+            <a:ext cx="2223830" cy="523220"/>
+          </a:xfrm>
+          <a:prstGeom prst="rect">
+            <a:avLst/>
+          </a:prstGeom>
+          <a:noFill/>
+        </p:spPr>
+        <p:txBody>
+          <a:bodyPr wrap="square" rtlCol="0">
+            <a:spAutoFit/>
+          </a:bodyPr>
+          <a:lstStyle/>
+          <a:p>
+            <a:pPr algn="ctr"/>
+            <a:r>
+              <a:rPr lang="ko-KR" altLang="en-US" sz="1400" spc="-150" dirty="0" err="1">
+                <a:latin typeface="나눔스퀘어 Bold" panose="020B0600000101010101" pitchFamily="50" charset="-127"/>
+                <a:ea typeface="나눔스퀘어 Bold" panose="020B0600000101010101" pitchFamily="50" charset="-127"/>
+              </a:rPr>
+              <a:t>전처리</a:t>
+            </a:r>
+            <a:r>
+              <a:rPr lang="ko-KR" altLang="en-US" sz="1400" spc="-150" dirty="0">
+                <a:latin typeface="나눔스퀘어 Bold" panose="020B0600000101010101" pitchFamily="50" charset="-127"/>
+                <a:ea typeface="나눔스퀘어 Bold" panose="020B0600000101010101" pitchFamily="50" charset="-127"/>
+              </a:rPr>
+              <a:t> 후 사용가능한 </a:t>
+            </a:r>
+            <a:endParaRPr lang="en-US" altLang="ko-KR" sz="1400" spc="-150" dirty="0">
+              <a:latin typeface="나눔스퀘어 Bold" panose="020B0600000101010101" pitchFamily="50" charset="-127"/>
+              <a:ea typeface="나눔스퀘어 Bold" panose="020B0600000101010101" pitchFamily="50" charset="-127"/>
+            </a:endParaRPr>
+          </a:p>
+          <a:p>
+            <a:pPr algn="ctr"/>
+            <a:r>
+              <a:rPr lang="ko-KR" altLang="en-US" sz="1400" spc="-150" dirty="0">
+                <a:latin typeface="나눔스퀘어 Bold" panose="020B0600000101010101" pitchFamily="50" charset="-127"/>
+                <a:ea typeface="나눔스퀘어 Bold" panose="020B0600000101010101" pitchFamily="50" charset="-127"/>
+              </a:rPr>
+              <a:t>특허리스트의 수</a:t>
+            </a:r>
+            <a:endParaRPr lang="en-US" altLang="ko-KR" sz="1400" spc="-150" dirty="0">
+              <a:latin typeface="나눔스퀘어 Bold" panose="020B0600000101010101" pitchFamily="50" charset="-127"/>
+              <a:ea typeface="나눔스퀘어 Bold" panose="020B0600000101010101" pitchFamily="50" charset="-127"/>
+            </a:endParaRPr>
+          </a:p>
         </p:txBody>
       </p:sp>
     </p:spTree>
     <p:extLst>
       <p:ext uri="{BB962C8B-B14F-4D97-AF65-F5344CB8AC3E}">
-        <p14:creationId xmlns:p14="http://schemas.microsoft.com/office/powerpoint/2010/main" val="153379134"/>
+        <p14:creationId xmlns:p14="http://schemas.microsoft.com/office/powerpoint/2010/main" val="312762730"/>
       </p:ext>
     </p:extLst>
   </p:cSld>
